--- a/AAI_501_Final_Project_Presentation_Group6_r1.pptx
+++ b/AAI_501_Final_Project_Presentation_Group6_r1.pptx
@@ -6,7 +6,7 @@
     <p:sldMasterId id="2147483677" r:id="rId2"/>
   </p:sldMasterIdLst>
   <p:notesMasterIdLst>
-    <p:notesMasterId r:id="rId18"/>
+    <p:notesMasterId r:id="rId24"/>
   </p:notesMasterIdLst>
   <p:sldIdLst>
     <p:sldId id="256" r:id="rId3"/>
@@ -16,24 +16,30 @@
     <p:sldId id="260" r:id="rId7"/>
     <p:sldId id="262" r:id="rId8"/>
     <p:sldId id="266" r:id="rId9"/>
-    <p:sldId id="263" r:id="rId10"/>
-    <p:sldId id="264" r:id="rId11"/>
-    <p:sldId id="265" r:id="rId12"/>
-    <p:sldId id="267" r:id="rId13"/>
-    <p:sldId id="268" r:id="rId14"/>
-    <p:sldId id="269" r:id="rId15"/>
-    <p:sldId id="270" r:id="rId16"/>
-    <p:sldId id="271" r:id="rId17"/>
+    <p:sldId id="272" r:id="rId10"/>
+    <p:sldId id="263" r:id="rId11"/>
+    <p:sldId id="273" r:id="rId12"/>
+    <p:sldId id="274" r:id="rId13"/>
+    <p:sldId id="275" r:id="rId14"/>
+    <p:sldId id="276" r:id="rId15"/>
+    <p:sldId id="277" r:id="rId16"/>
+    <p:sldId id="264" r:id="rId17"/>
+    <p:sldId id="265" r:id="rId18"/>
+    <p:sldId id="267" r:id="rId19"/>
+    <p:sldId id="268" r:id="rId20"/>
+    <p:sldId id="269" r:id="rId21"/>
+    <p:sldId id="270" r:id="rId22"/>
+    <p:sldId id="271" r:id="rId23"/>
   </p:sldIdLst>
   <p:sldSz cx="9144000" cy="5143500" type="screen16x9"/>
   <p:notesSz cx="6858000" cy="9144000"/>
   <p:embeddedFontLst>
     <p:embeddedFont>
       <p:font typeface="Arial Narrow" panose="020B0606020202030204" pitchFamily="34" charset="0"/>
-      <p:regular r:id="rId19"/>
-      <p:bold r:id="rId20"/>
-      <p:italic r:id="rId21"/>
-      <p:boldItalic r:id="rId22"/>
+      <p:regular r:id="rId25"/>
+      <p:bold r:id="rId26"/>
+      <p:italic r:id="rId27"/>
+      <p:boldItalic r:id="rId28"/>
     </p:embeddedFont>
   </p:embeddedFontLst>
   <p:defaultTextStyle>
@@ -834,6 +840,763 @@
   <p:cSld>
     <p:spTree>
       <p:nvGrpSpPr>
+        <p:cNvPr id="1" name="Shape 208"/>
+        <p:cNvGrpSpPr/>
+        <p:nvPr/>
+      </p:nvGrpSpPr>
+      <p:grpSpPr>
+        <a:xfrm>
+          <a:off x="0" y="0"/>
+          <a:ext cx="0" cy="0"/>
+          <a:chOff x="0" y="0"/>
+          <a:chExt cx="0" cy="0"/>
+        </a:xfrm>
+      </p:grpSpPr>
+      <p:sp>
+        <p:nvSpPr>
+          <p:cNvPr id="209" name="Google Shape;209;g2e7784e3c3e_3_90:notes"/>
+          <p:cNvSpPr>
+            <a:spLocks noGrp="1" noRot="1" noChangeAspect="1"/>
+          </p:cNvSpPr>
+          <p:nvPr>
+            <p:ph type="sldImg" idx="2"/>
+          </p:nvPr>
+        </p:nvSpPr>
+        <p:spPr>
+          <a:xfrm>
+            <a:off x="382588" y="685800"/>
+            <a:ext cx="6094412" cy="3429000"/>
+          </a:xfrm>
+          <a:custGeom>
+            <a:avLst/>
+            <a:gdLst/>
+            <a:ahLst/>
+            <a:cxnLst/>
+            <a:rect l="l" t="t" r="r" b="b"/>
+            <a:pathLst>
+              <a:path w="120000" h="120000" extrusionOk="0">
+                <a:moveTo>
+                  <a:pt x="0" y="0"/>
+                </a:moveTo>
+                <a:lnTo>
+                  <a:pt x="120000" y="0"/>
+                </a:lnTo>
+                <a:lnTo>
+                  <a:pt x="120000" y="120000"/>
+                </a:lnTo>
+                <a:lnTo>
+                  <a:pt x="0" y="120000"/>
+                </a:lnTo>
+                <a:close/>
+              </a:path>
+            </a:pathLst>
+          </a:custGeom>
+          <a:noFill/>
+          <a:ln w="9525" cap="flat" cmpd="sng">
+            <a:solidFill>
+              <a:srgbClr val="000000"/>
+            </a:solidFill>
+            <a:prstDash val="solid"/>
+            <a:round/>
+            <a:headEnd type="none" w="sm" len="sm"/>
+            <a:tailEnd type="none" w="sm" len="sm"/>
+          </a:ln>
+        </p:spPr>
+      </p:sp>
+      <p:sp>
+        <p:nvSpPr>
+          <p:cNvPr id="210" name="Google Shape;210;g2e7784e3c3e_3_90:notes"/>
+          <p:cNvSpPr txBox="1">
+            <a:spLocks noGrp="1"/>
+          </p:cNvSpPr>
+          <p:nvPr>
+            <p:ph type="body" idx="1"/>
+          </p:nvPr>
+        </p:nvSpPr>
+        <p:spPr>
+          <a:xfrm>
+            <a:off x="685800" y="4343400"/>
+            <a:ext cx="5486400" cy="4114800"/>
+          </a:xfrm>
+          <a:prstGeom prst="rect">
+            <a:avLst/>
+          </a:prstGeom>
+          <a:noFill/>
+          <a:ln>
+            <a:noFill/>
+          </a:ln>
+        </p:spPr>
+        <p:txBody>
+          <a:bodyPr spcFirstLastPara="1" wrap="square" lIns="91225" tIns="91225" rIns="91225" bIns="91225" anchor="t" anchorCtr="0">
+            <a:noAutofit/>
+          </a:bodyPr>
+          <a:lstStyle/>
+          <a:p>
+            <a:pPr marL="0" lvl="0" indent="0" algn="l" rtl="0">
+              <a:lnSpc>
+                <a:spcPct val="100000"/>
+              </a:lnSpc>
+              <a:spcBef>
+                <a:spcPts val="0"/>
+              </a:spcBef>
+              <a:spcAft>
+                <a:spcPts val="0"/>
+              </a:spcAft>
+              <a:buSzPts val="1100"/>
+              <a:buNone/>
+            </a:pPr>
+            <a:endParaRPr sz="1400"/>
+          </a:p>
+        </p:txBody>
+      </p:sp>
+    </p:spTree>
+    <p:extLst>
+      <p:ext uri="{BB962C8B-B14F-4D97-AF65-F5344CB8AC3E}">
+        <p14:creationId xmlns:p14="http://schemas.microsoft.com/office/powerpoint/2010/main" val="2867822857"/>
+      </p:ext>
+    </p:extLst>
+  </p:cSld>
+  <p:clrMapOvr>
+    <a:masterClrMapping/>
+  </p:clrMapOvr>
+</p:notes>
+</file>
+
+<file path=ppt/notesSlides/notesSlide11.xml><?xml version="1.0" encoding="utf-8"?>
+<p:notes xmlns:a="http://schemas.openxmlformats.org/drawingml/2006/main" xmlns:r="http://schemas.openxmlformats.org/officeDocument/2006/relationships" xmlns:p="http://schemas.openxmlformats.org/presentationml/2006/main" showMasterSp="0" showMasterPhAnim="0">
+  <p:cSld>
+    <p:spTree>
+      <p:nvGrpSpPr>
+        <p:cNvPr id="1" name="Shape 208"/>
+        <p:cNvGrpSpPr/>
+        <p:nvPr/>
+      </p:nvGrpSpPr>
+      <p:grpSpPr>
+        <a:xfrm>
+          <a:off x="0" y="0"/>
+          <a:ext cx="0" cy="0"/>
+          <a:chOff x="0" y="0"/>
+          <a:chExt cx="0" cy="0"/>
+        </a:xfrm>
+      </p:grpSpPr>
+      <p:sp>
+        <p:nvSpPr>
+          <p:cNvPr id="209" name="Google Shape;209;g2e7784e3c3e_3_90:notes"/>
+          <p:cNvSpPr>
+            <a:spLocks noGrp="1" noRot="1" noChangeAspect="1"/>
+          </p:cNvSpPr>
+          <p:nvPr>
+            <p:ph type="sldImg" idx="2"/>
+          </p:nvPr>
+        </p:nvSpPr>
+        <p:spPr>
+          <a:xfrm>
+            <a:off x="382588" y="685800"/>
+            <a:ext cx="6094412" cy="3429000"/>
+          </a:xfrm>
+          <a:custGeom>
+            <a:avLst/>
+            <a:gdLst/>
+            <a:ahLst/>
+            <a:cxnLst/>
+            <a:rect l="l" t="t" r="r" b="b"/>
+            <a:pathLst>
+              <a:path w="120000" h="120000" extrusionOk="0">
+                <a:moveTo>
+                  <a:pt x="0" y="0"/>
+                </a:moveTo>
+                <a:lnTo>
+                  <a:pt x="120000" y="0"/>
+                </a:lnTo>
+                <a:lnTo>
+                  <a:pt x="120000" y="120000"/>
+                </a:lnTo>
+                <a:lnTo>
+                  <a:pt x="0" y="120000"/>
+                </a:lnTo>
+                <a:close/>
+              </a:path>
+            </a:pathLst>
+          </a:custGeom>
+          <a:noFill/>
+          <a:ln w="9525" cap="flat" cmpd="sng">
+            <a:solidFill>
+              <a:srgbClr val="000000"/>
+            </a:solidFill>
+            <a:prstDash val="solid"/>
+            <a:round/>
+            <a:headEnd type="none" w="sm" len="sm"/>
+            <a:tailEnd type="none" w="sm" len="sm"/>
+          </a:ln>
+        </p:spPr>
+      </p:sp>
+      <p:sp>
+        <p:nvSpPr>
+          <p:cNvPr id="210" name="Google Shape;210;g2e7784e3c3e_3_90:notes"/>
+          <p:cNvSpPr txBox="1">
+            <a:spLocks noGrp="1"/>
+          </p:cNvSpPr>
+          <p:nvPr>
+            <p:ph type="body" idx="1"/>
+          </p:nvPr>
+        </p:nvSpPr>
+        <p:spPr>
+          <a:xfrm>
+            <a:off x="685800" y="4343400"/>
+            <a:ext cx="5486400" cy="4114800"/>
+          </a:xfrm>
+          <a:prstGeom prst="rect">
+            <a:avLst/>
+          </a:prstGeom>
+          <a:noFill/>
+          <a:ln>
+            <a:noFill/>
+          </a:ln>
+        </p:spPr>
+        <p:txBody>
+          <a:bodyPr spcFirstLastPara="1" wrap="square" lIns="91225" tIns="91225" rIns="91225" bIns="91225" anchor="t" anchorCtr="0">
+            <a:noAutofit/>
+          </a:bodyPr>
+          <a:lstStyle/>
+          <a:p>
+            <a:pPr marL="0" lvl="0" indent="0" algn="l" rtl="0">
+              <a:lnSpc>
+                <a:spcPct val="100000"/>
+              </a:lnSpc>
+              <a:spcBef>
+                <a:spcPts val="0"/>
+              </a:spcBef>
+              <a:spcAft>
+                <a:spcPts val="0"/>
+              </a:spcAft>
+              <a:buSzPts val="1100"/>
+              <a:buNone/>
+            </a:pPr>
+            <a:endParaRPr sz="1400"/>
+          </a:p>
+        </p:txBody>
+      </p:sp>
+    </p:spTree>
+    <p:extLst>
+      <p:ext uri="{BB962C8B-B14F-4D97-AF65-F5344CB8AC3E}">
+        <p14:creationId xmlns:p14="http://schemas.microsoft.com/office/powerpoint/2010/main" val="1665200877"/>
+      </p:ext>
+    </p:extLst>
+  </p:cSld>
+  <p:clrMapOvr>
+    <a:masterClrMapping/>
+  </p:clrMapOvr>
+</p:notes>
+</file>
+
+<file path=ppt/notesSlides/notesSlide12.xml><?xml version="1.0" encoding="utf-8"?>
+<p:notes xmlns:a="http://schemas.openxmlformats.org/drawingml/2006/main" xmlns:r="http://schemas.openxmlformats.org/officeDocument/2006/relationships" xmlns:p="http://schemas.openxmlformats.org/presentationml/2006/main" showMasterSp="0" showMasterPhAnim="0">
+  <p:cSld>
+    <p:spTree>
+      <p:nvGrpSpPr>
+        <p:cNvPr id="1" name="Shape 208"/>
+        <p:cNvGrpSpPr/>
+        <p:nvPr/>
+      </p:nvGrpSpPr>
+      <p:grpSpPr>
+        <a:xfrm>
+          <a:off x="0" y="0"/>
+          <a:ext cx="0" cy="0"/>
+          <a:chOff x="0" y="0"/>
+          <a:chExt cx="0" cy="0"/>
+        </a:xfrm>
+      </p:grpSpPr>
+      <p:sp>
+        <p:nvSpPr>
+          <p:cNvPr id="209" name="Google Shape;209;g2e7784e3c3e_3_90:notes"/>
+          <p:cNvSpPr>
+            <a:spLocks noGrp="1" noRot="1" noChangeAspect="1"/>
+          </p:cNvSpPr>
+          <p:nvPr>
+            <p:ph type="sldImg" idx="2"/>
+          </p:nvPr>
+        </p:nvSpPr>
+        <p:spPr>
+          <a:xfrm>
+            <a:off x="382588" y="685800"/>
+            <a:ext cx="6094412" cy="3429000"/>
+          </a:xfrm>
+          <a:custGeom>
+            <a:avLst/>
+            <a:gdLst/>
+            <a:ahLst/>
+            <a:cxnLst/>
+            <a:rect l="l" t="t" r="r" b="b"/>
+            <a:pathLst>
+              <a:path w="120000" h="120000" extrusionOk="0">
+                <a:moveTo>
+                  <a:pt x="0" y="0"/>
+                </a:moveTo>
+                <a:lnTo>
+                  <a:pt x="120000" y="0"/>
+                </a:lnTo>
+                <a:lnTo>
+                  <a:pt x="120000" y="120000"/>
+                </a:lnTo>
+                <a:lnTo>
+                  <a:pt x="0" y="120000"/>
+                </a:lnTo>
+                <a:close/>
+              </a:path>
+            </a:pathLst>
+          </a:custGeom>
+          <a:noFill/>
+          <a:ln w="9525" cap="flat" cmpd="sng">
+            <a:solidFill>
+              <a:srgbClr val="000000"/>
+            </a:solidFill>
+            <a:prstDash val="solid"/>
+            <a:round/>
+            <a:headEnd type="none" w="sm" len="sm"/>
+            <a:tailEnd type="none" w="sm" len="sm"/>
+          </a:ln>
+        </p:spPr>
+      </p:sp>
+      <p:sp>
+        <p:nvSpPr>
+          <p:cNvPr id="210" name="Google Shape;210;g2e7784e3c3e_3_90:notes"/>
+          <p:cNvSpPr txBox="1">
+            <a:spLocks noGrp="1"/>
+          </p:cNvSpPr>
+          <p:nvPr>
+            <p:ph type="body" idx="1"/>
+          </p:nvPr>
+        </p:nvSpPr>
+        <p:spPr>
+          <a:xfrm>
+            <a:off x="685800" y="4343400"/>
+            <a:ext cx="5486400" cy="4114800"/>
+          </a:xfrm>
+          <a:prstGeom prst="rect">
+            <a:avLst/>
+          </a:prstGeom>
+          <a:noFill/>
+          <a:ln>
+            <a:noFill/>
+          </a:ln>
+        </p:spPr>
+        <p:txBody>
+          <a:bodyPr spcFirstLastPara="1" wrap="square" lIns="91225" tIns="91225" rIns="91225" bIns="91225" anchor="t" anchorCtr="0">
+            <a:noAutofit/>
+          </a:bodyPr>
+          <a:lstStyle/>
+          <a:p>
+            <a:pPr marL="0" lvl="0" indent="0" algn="l" rtl="0">
+              <a:lnSpc>
+                <a:spcPct val="100000"/>
+              </a:lnSpc>
+              <a:spcBef>
+                <a:spcPts val="0"/>
+              </a:spcBef>
+              <a:spcAft>
+                <a:spcPts val="0"/>
+              </a:spcAft>
+              <a:buSzPts val="1100"/>
+              <a:buNone/>
+            </a:pPr>
+            <a:endParaRPr sz="1400"/>
+          </a:p>
+        </p:txBody>
+      </p:sp>
+    </p:spTree>
+    <p:extLst>
+      <p:ext uri="{BB962C8B-B14F-4D97-AF65-F5344CB8AC3E}">
+        <p14:creationId xmlns:p14="http://schemas.microsoft.com/office/powerpoint/2010/main" val="207520171"/>
+      </p:ext>
+    </p:extLst>
+  </p:cSld>
+  <p:clrMapOvr>
+    <a:masterClrMapping/>
+  </p:clrMapOvr>
+</p:notes>
+</file>
+
+<file path=ppt/notesSlides/notesSlide13.xml><?xml version="1.0" encoding="utf-8"?>
+<p:notes xmlns:a="http://schemas.openxmlformats.org/drawingml/2006/main" xmlns:r="http://schemas.openxmlformats.org/officeDocument/2006/relationships" xmlns:p="http://schemas.openxmlformats.org/presentationml/2006/main" showMasterSp="0" showMasterPhAnim="0">
+  <p:cSld>
+    <p:spTree>
+      <p:nvGrpSpPr>
+        <p:cNvPr id="1" name="Shape 208"/>
+        <p:cNvGrpSpPr/>
+        <p:nvPr/>
+      </p:nvGrpSpPr>
+      <p:grpSpPr>
+        <a:xfrm>
+          <a:off x="0" y="0"/>
+          <a:ext cx="0" cy="0"/>
+          <a:chOff x="0" y="0"/>
+          <a:chExt cx="0" cy="0"/>
+        </a:xfrm>
+      </p:grpSpPr>
+      <p:sp>
+        <p:nvSpPr>
+          <p:cNvPr id="209" name="Google Shape;209;g2e7784e3c3e_3_90:notes"/>
+          <p:cNvSpPr>
+            <a:spLocks noGrp="1" noRot="1" noChangeAspect="1"/>
+          </p:cNvSpPr>
+          <p:nvPr>
+            <p:ph type="sldImg" idx="2"/>
+          </p:nvPr>
+        </p:nvSpPr>
+        <p:spPr>
+          <a:xfrm>
+            <a:off x="382588" y="685800"/>
+            <a:ext cx="6094412" cy="3429000"/>
+          </a:xfrm>
+          <a:custGeom>
+            <a:avLst/>
+            <a:gdLst/>
+            <a:ahLst/>
+            <a:cxnLst/>
+            <a:rect l="l" t="t" r="r" b="b"/>
+            <a:pathLst>
+              <a:path w="120000" h="120000" extrusionOk="0">
+                <a:moveTo>
+                  <a:pt x="0" y="0"/>
+                </a:moveTo>
+                <a:lnTo>
+                  <a:pt x="120000" y="0"/>
+                </a:lnTo>
+                <a:lnTo>
+                  <a:pt x="120000" y="120000"/>
+                </a:lnTo>
+                <a:lnTo>
+                  <a:pt x="0" y="120000"/>
+                </a:lnTo>
+                <a:close/>
+              </a:path>
+            </a:pathLst>
+          </a:custGeom>
+          <a:noFill/>
+          <a:ln w="9525" cap="flat" cmpd="sng">
+            <a:solidFill>
+              <a:srgbClr val="000000"/>
+            </a:solidFill>
+            <a:prstDash val="solid"/>
+            <a:round/>
+            <a:headEnd type="none" w="sm" len="sm"/>
+            <a:tailEnd type="none" w="sm" len="sm"/>
+          </a:ln>
+        </p:spPr>
+      </p:sp>
+      <p:sp>
+        <p:nvSpPr>
+          <p:cNvPr id="210" name="Google Shape;210;g2e7784e3c3e_3_90:notes"/>
+          <p:cNvSpPr txBox="1">
+            <a:spLocks noGrp="1"/>
+          </p:cNvSpPr>
+          <p:nvPr>
+            <p:ph type="body" idx="1"/>
+          </p:nvPr>
+        </p:nvSpPr>
+        <p:spPr>
+          <a:xfrm>
+            <a:off x="685800" y="4343400"/>
+            <a:ext cx="5486400" cy="4114800"/>
+          </a:xfrm>
+          <a:prstGeom prst="rect">
+            <a:avLst/>
+          </a:prstGeom>
+          <a:noFill/>
+          <a:ln>
+            <a:noFill/>
+          </a:ln>
+        </p:spPr>
+        <p:txBody>
+          <a:bodyPr spcFirstLastPara="1" wrap="square" lIns="91225" tIns="91225" rIns="91225" bIns="91225" anchor="t" anchorCtr="0">
+            <a:noAutofit/>
+          </a:bodyPr>
+          <a:lstStyle/>
+          <a:p>
+            <a:pPr marL="0" lvl="0" indent="0" algn="l" rtl="0">
+              <a:lnSpc>
+                <a:spcPct val="100000"/>
+              </a:lnSpc>
+              <a:spcBef>
+                <a:spcPts val="0"/>
+              </a:spcBef>
+              <a:spcAft>
+                <a:spcPts val="0"/>
+              </a:spcAft>
+              <a:buSzPts val="1100"/>
+              <a:buNone/>
+            </a:pPr>
+            <a:endParaRPr sz="1400"/>
+          </a:p>
+        </p:txBody>
+      </p:sp>
+    </p:spTree>
+    <p:extLst>
+      <p:ext uri="{BB962C8B-B14F-4D97-AF65-F5344CB8AC3E}">
+        <p14:creationId xmlns:p14="http://schemas.microsoft.com/office/powerpoint/2010/main" val="2691717927"/>
+      </p:ext>
+    </p:extLst>
+  </p:cSld>
+  <p:clrMapOvr>
+    <a:masterClrMapping/>
+  </p:clrMapOvr>
+</p:notes>
+</file>
+
+<file path=ppt/notesSlides/notesSlide14.xml><?xml version="1.0" encoding="utf-8"?>
+<p:notes xmlns:a="http://schemas.openxmlformats.org/drawingml/2006/main" xmlns:r="http://schemas.openxmlformats.org/officeDocument/2006/relationships" xmlns:p="http://schemas.openxmlformats.org/presentationml/2006/main" showMasterSp="0" showMasterPhAnim="0">
+  <p:cSld>
+    <p:spTree>
+      <p:nvGrpSpPr>
+        <p:cNvPr id="1" name="Shape 208"/>
+        <p:cNvGrpSpPr/>
+        <p:nvPr/>
+      </p:nvGrpSpPr>
+      <p:grpSpPr>
+        <a:xfrm>
+          <a:off x="0" y="0"/>
+          <a:ext cx="0" cy="0"/>
+          <a:chOff x="0" y="0"/>
+          <a:chExt cx="0" cy="0"/>
+        </a:xfrm>
+      </p:grpSpPr>
+      <p:sp>
+        <p:nvSpPr>
+          <p:cNvPr id="209" name="Google Shape;209;g2e7784e3c3e_3_90:notes"/>
+          <p:cNvSpPr>
+            <a:spLocks noGrp="1" noRot="1" noChangeAspect="1"/>
+          </p:cNvSpPr>
+          <p:nvPr>
+            <p:ph type="sldImg" idx="2"/>
+          </p:nvPr>
+        </p:nvSpPr>
+        <p:spPr>
+          <a:xfrm>
+            <a:off x="382588" y="685800"/>
+            <a:ext cx="6094412" cy="3429000"/>
+          </a:xfrm>
+          <a:custGeom>
+            <a:avLst/>
+            <a:gdLst/>
+            <a:ahLst/>
+            <a:cxnLst/>
+            <a:rect l="l" t="t" r="r" b="b"/>
+            <a:pathLst>
+              <a:path w="120000" h="120000" extrusionOk="0">
+                <a:moveTo>
+                  <a:pt x="0" y="0"/>
+                </a:moveTo>
+                <a:lnTo>
+                  <a:pt x="120000" y="0"/>
+                </a:lnTo>
+                <a:lnTo>
+                  <a:pt x="120000" y="120000"/>
+                </a:lnTo>
+                <a:lnTo>
+                  <a:pt x="0" y="120000"/>
+                </a:lnTo>
+                <a:close/>
+              </a:path>
+            </a:pathLst>
+          </a:custGeom>
+          <a:noFill/>
+          <a:ln w="9525" cap="flat" cmpd="sng">
+            <a:solidFill>
+              <a:srgbClr val="000000"/>
+            </a:solidFill>
+            <a:prstDash val="solid"/>
+            <a:round/>
+            <a:headEnd type="none" w="sm" len="sm"/>
+            <a:tailEnd type="none" w="sm" len="sm"/>
+          </a:ln>
+        </p:spPr>
+      </p:sp>
+      <p:sp>
+        <p:nvSpPr>
+          <p:cNvPr id="210" name="Google Shape;210;g2e7784e3c3e_3_90:notes"/>
+          <p:cNvSpPr txBox="1">
+            <a:spLocks noGrp="1"/>
+          </p:cNvSpPr>
+          <p:nvPr>
+            <p:ph type="body" idx="1"/>
+          </p:nvPr>
+        </p:nvSpPr>
+        <p:spPr>
+          <a:xfrm>
+            <a:off x="685800" y="4343400"/>
+            <a:ext cx="5486400" cy="4114800"/>
+          </a:xfrm>
+          <a:prstGeom prst="rect">
+            <a:avLst/>
+          </a:prstGeom>
+          <a:noFill/>
+          <a:ln>
+            <a:noFill/>
+          </a:ln>
+        </p:spPr>
+        <p:txBody>
+          <a:bodyPr spcFirstLastPara="1" wrap="square" lIns="91225" tIns="91225" rIns="91225" bIns="91225" anchor="t" anchorCtr="0">
+            <a:noAutofit/>
+          </a:bodyPr>
+          <a:lstStyle/>
+          <a:p>
+            <a:pPr marL="0" lvl="0" indent="0" algn="l" rtl="0">
+              <a:lnSpc>
+                <a:spcPct val="100000"/>
+              </a:lnSpc>
+              <a:spcBef>
+                <a:spcPts val="0"/>
+              </a:spcBef>
+              <a:spcAft>
+                <a:spcPts val="0"/>
+              </a:spcAft>
+              <a:buSzPts val="1100"/>
+              <a:buNone/>
+            </a:pPr>
+            <a:endParaRPr sz="1400"/>
+          </a:p>
+        </p:txBody>
+      </p:sp>
+    </p:spTree>
+    <p:extLst>
+      <p:ext uri="{BB962C8B-B14F-4D97-AF65-F5344CB8AC3E}">
+        <p14:creationId xmlns:p14="http://schemas.microsoft.com/office/powerpoint/2010/main" val="1234573276"/>
+      </p:ext>
+    </p:extLst>
+  </p:cSld>
+  <p:clrMapOvr>
+    <a:masterClrMapping/>
+  </p:clrMapOvr>
+</p:notes>
+</file>
+
+<file path=ppt/notesSlides/notesSlide15.xml><?xml version="1.0" encoding="utf-8"?>
+<p:notes xmlns:a="http://schemas.openxmlformats.org/drawingml/2006/main" xmlns:r="http://schemas.openxmlformats.org/officeDocument/2006/relationships" xmlns:p="http://schemas.openxmlformats.org/presentationml/2006/main" showMasterSp="0" showMasterPhAnim="0">
+  <p:cSld>
+    <p:spTree>
+      <p:nvGrpSpPr>
+        <p:cNvPr id="1" name="Shape 216"/>
+        <p:cNvGrpSpPr/>
+        <p:nvPr/>
+      </p:nvGrpSpPr>
+      <p:grpSpPr>
+        <a:xfrm>
+          <a:off x="0" y="0"/>
+          <a:ext cx="0" cy="0"/>
+          <a:chOff x="0" y="0"/>
+          <a:chExt cx="0" cy="0"/>
+        </a:xfrm>
+      </p:grpSpPr>
+      <p:sp>
+        <p:nvSpPr>
+          <p:cNvPr id="217" name="Google Shape;217;g2e7784e3c3e_3_95:notes"/>
+          <p:cNvSpPr>
+            <a:spLocks noGrp="1" noRot="1" noChangeAspect="1"/>
+          </p:cNvSpPr>
+          <p:nvPr>
+            <p:ph type="sldImg" idx="2"/>
+          </p:nvPr>
+        </p:nvSpPr>
+        <p:spPr>
+          <a:xfrm>
+            <a:off x="382588" y="685800"/>
+            <a:ext cx="6094412" cy="3429000"/>
+          </a:xfrm>
+          <a:custGeom>
+            <a:avLst/>
+            <a:gdLst/>
+            <a:ahLst/>
+            <a:cxnLst/>
+            <a:rect l="l" t="t" r="r" b="b"/>
+            <a:pathLst>
+              <a:path w="120000" h="120000" extrusionOk="0">
+                <a:moveTo>
+                  <a:pt x="0" y="0"/>
+                </a:moveTo>
+                <a:lnTo>
+                  <a:pt x="120000" y="0"/>
+                </a:lnTo>
+                <a:lnTo>
+                  <a:pt x="120000" y="120000"/>
+                </a:lnTo>
+                <a:lnTo>
+                  <a:pt x="0" y="120000"/>
+                </a:lnTo>
+                <a:close/>
+              </a:path>
+            </a:pathLst>
+          </a:custGeom>
+          <a:noFill/>
+          <a:ln w="9525" cap="flat" cmpd="sng">
+            <a:solidFill>
+              <a:srgbClr val="000000"/>
+            </a:solidFill>
+            <a:prstDash val="solid"/>
+            <a:round/>
+            <a:headEnd type="none" w="sm" len="sm"/>
+            <a:tailEnd type="none" w="sm" len="sm"/>
+          </a:ln>
+        </p:spPr>
+      </p:sp>
+      <p:sp>
+        <p:nvSpPr>
+          <p:cNvPr id="218" name="Google Shape;218;g2e7784e3c3e_3_95:notes"/>
+          <p:cNvSpPr txBox="1">
+            <a:spLocks noGrp="1"/>
+          </p:cNvSpPr>
+          <p:nvPr>
+            <p:ph type="body" idx="1"/>
+          </p:nvPr>
+        </p:nvSpPr>
+        <p:spPr>
+          <a:xfrm>
+            <a:off x="685800" y="4343400"/>
+            <a:ext cx="5486400" cy="4114800"/>
+          </a:xfrm>
+          <a:prstGeom prst="rect">
+            <a:avLst/>
+          </a:prstGeom>
+          <a:noFill/>
+          <a:ln>
+            <a:noFill/>
+          </a:ln>
+        </p:spPr>
+        <p:txBody>
+          <a:bodyPr spcFirstLastPara="1" wrap="square" lIns="91225" tIns="91225" rIns="91225" bIns="91225" anchor="t" anchorCtr="0">
+            <a:noAutofit/>
+          </a:bodyPr>
+          <a:lstStyle/>
+          <a:p>
+            <a:pPr marL="0" lvl="0" indent="0" algn="l" rtl="0">
+              <a:lnSpc>
+                <a:spcPct val="100000"/>
+              </a:lnSpc>
+              <a:spcBef>
+                <a:spcPts val="0"/>
+              </a:spcBef>
+              <a:spcAft>
+                <a:spcPts val="0"/>
+              </a:spcAft>
+              <a:buSzPts val="1100"/>
+              <a:buNone/>
+            </a:pPr>
+            <a:endParaRPr sz="1400"/>
+          </a:p>
+        </p:txBody>
+      </p:sp>
+    </p:spTree>
+  </p:cSld>
+  <p:clrMapOvr>
+    <a:masterClrMapping/>
+  </p:clrMapOvr>
+</p:notes>
+</file>
+
+<file path=ppt/notesSlides/notesSlide16.xml><?xml version="1.0" encoding="utf-8"?>
+<p:notes xmlns:a="http://schemas.openxmlformats.org/drawingml/2006/main" xmlns:r="http://schemas.openxmlformats.org/officeDocument/2006/relationships" xmlns:p="http://schemas.openxmlformats.org/presentationml/2006/main" showMasterSp="0" showMasterPhAnim="0">
+  <p:cSld>
+    <p:spTree>
+      <p:nvGrpSpPr>
         <p:cNvPr id="1" name="Shape 224"/>
         <p:cNvGrpSpPr/>
         <p:nvPr/>
@@ -951,7 +1714,7 @@
 </p:notes>
 </file>
 
-<file path=ppt/notesSlides/notesSlide11.xml><?xml version="1.0" encoding="utf-8"?>
+<file path=ppt/notesSlides/notesSlide17.xml><?xml version="1.0" encoding="utf-8"?>
 <p:notes xmlns:a="http://schemas.openxmlformats.org/drawingml/2006/main" xmlns:r="http://schemas.openxmlformats.org/officeDocument/2006/relationships" xmlns:p="http://schemas.openxmlformats.org/presentationml/2006/main" showMasterSp="0" showMasterPhAnim="0">
   <p:cSld>
     <p:spTree>
@@ -1055,7 +1818,7 @@
 </p:notes>
 </file>
 
-<file path=ppt/notesSlides/notesSlide12.xml><?xml version="1.0" encoding="utf-8"?>
+<file path=ppt/notesSlides/notesSlide18.xml><?xml version="1.0" encoding="utf-8"?>
 <p:notes xmlns:a="http://schemas.openxmlformats.org/drawingml/2006/main" xmlns:r="http://schemas.openxmlformats.org/officeDocument/2006/relationships" xmlns:p="http://schemas.openxmlformats.org/presentationml/2006/main" showMasterSp="0" showMasterPhAnim="0">
   <p:cSld>
     <p:spTree>
@@ -1177,7 +1940,7 @@
 </p:notes>
 </file>
 
-<file path=ppt/notesSlides/notesSlide13.xml><?xml version="1.0" encoding="utf-8"?>
+<file path=ppt/notesSlides/notesSlide19.xml><?xml version="1.0" encoding="utf-8"?>
 <p:notes xmlns:a="http://schemas.openxmlformats.org/drawingml/2006/main" xmlns:r="http://schemas.openxmlformats.org/officeDocument/2006/relationships" xmlns:p="http://schemas.openxmlformats.org/presentationml/2006/main" showMasterSp="0" showMasterPhAnim="0">
   <p:cSld>
     <p:spTree>
@@ -1281,7 +2044,111 @@
 </p:notes>
 </file>
 
-<file path=ppt/notesSlides/notesSlide14.xml><?xml version="1.0" encoding="utf-8"?>
+<file path=ppt/notesSlides/notesSlide2.xml><?xml version="1.0" encoding="utf-8"?>
+<p:notes xmlns:a="http://schemas.openxmlformats.org/drawingml/2006/main" xmlns:r="http://schemas.openxmlformats.org/officeDocument/2006/relationships" xmlns:p="http://schemas.openxmlformats.org/presentationml/2006/main" showMasterSp="0" showMasterPhAnim="0">
+  <p:cSld>
+    <p:spTree>
+      <p:nvGrpSpPr>
+        <p:cNvPr id="1" name="Shape 165"/>
+        <p:cNvGrpSpPr/>
+        <p:nvPr/>
+      </p:nvGrpSpPr>
+      <p:grpSpPr>
+        <a:xfrm>
+          <a:off x="0" y="0"/>
+          <a:ext cx="0" cy="0"/>
+          <a:chOff x="0" y="0"/>
+          <a:chExt cx="0" cy="0"/>
+        </a:xfrm>
+      </p:grpSpPr>
+      <p:sp>
+        <p:nvSpPr>
+          <p:cNvPr id="166" name="Google Shape;166;g1bd2870af4a_1_81:notes"/>
+          <p:cNvSpPr>
+            <a:spLocks noGrp="1" noRot="1" noChangeAspect="1"/>
+          </p:cNvSpPr>
+          <p:nvPr>
+            <p:ph type="sldImg" idx="2"/>
+          </p:nvPr>
+        </p:nvSpPr>
+        <p:spPr>
+          <a:xfrm>
+            <a:off x="381000" y="685800"/>
+            <a:ext cx="6096000" cy="3429000"/>
+          </a:xfrm>
+          <a:custGeom>
+            <a:avLst/>
+            <a:gdLst/>
+            <a:ahLst/>
+            <a:cxnLst/>
+            <a:rect l="l" t="t" r="r" b="b"/>
+            <a:pathLst>
+              <a:path w="120000" h="120000" extrusionOk="0">
+                <a:moveTo>
+                  <a:pt x="0" y="0"/>
+                </a:moveTo>
+                <a:lnTo>
+                  <a:pt x="120000" y="0"/>
+                </a:lnTo>
+                <a:lnTo>
+                  <a:pt x="120000" y="120000"/>
+                </a:lnTo>
+                <a:lnTo>
+                  <a:pt x="0" y="120000"/>
+                </a:lnTo>
+                <a:close/>
+              </a:path>
+            </a:pathLst>
+          </a:custGeom>
+        </p:spPr>
+      </p:sp>
+      <p:sp>
+        <p:nvSpPr>
+          <p:cNvPr id="167" name="Google Shape;167;g1bd2870af4a_1_81:notes"/>
+          <p:cNvSpPr txBox="1">
+            <a:spLocks noGrp="1"/>
+          </p:cNvSpPr>
+          <p:nvPr>
+            <p:ph type="body" idx="1"/>
+          </p:nvPr>
+        </p:nvSpPr>
+        <p:spPr>
+          <a:xfrm>
+            <a:off x="685800" y="4343400"/>
+            <a:ext cx="5486400" cy="4114800"/>
+          </a:xfrm>
+          <a:prstGeom prst="rect">
+            <a:avLst/>
+          </a:prstGeom>
+        </p:spPr>
+        <p:txBody>
+          <a:bodyPr spcFirstLastPara="1" wrap="square" lIns="91425" tIns="91425" rIns="91425" bIns="91425" anchor="t" anchorCtr="0">
+            <a:noAutofit/>
+          </a:bodyPr>
+          <a:lstStyle/>
+          <a:p>
+            <a:pPr marL="0" lvl="0" indent="0" algn="l" rtl="0">
+              <a:spcBef>
+                <a:spcPts val="0"/>
+              </a:spcBef>
+              <a:spcAft>
+                <a:spcPts val="0"/>
+              </a:spcAft>
+              <a:buNone/>
+            </a:pPr>
+            <a:endParaRPr/>
+          </a:p>
+        </p:txBody>
+      </p:sp>
+    </p:spTree>
+  </p:cSld>
+  <p:clrMapOvr>
+    <a:masterClrMapping/>
+  </p:clrMapOvr>
+</p:notes>
+</file>
+
+<file path=ppt/notesSlides/notesSlide20.xml><?xml version="1.0" encoding="utf-8"?>
 <p:notes xmlns:a="http://schemas.openxmlformats.org/drawingml/2006/main" xmlns:r="http://schemas.openxmlformats.org/officeDocument/2006/relationships" xmlns:p="http://schemas.openxmlformats.org/presentationml/2006/main" showMasterSp="0" showMasterPhAnim="0">
   <p:cSld>
     <p:spTree>
@@ -1403,7 +2270,7 @@
 </p:notes>
 </file>
 
-<file path=ppt/notesSlides/notesSlide15.xml><?xml version="1.0" encoding="utf-8"?>
+<file path=ppt/notesSlides/notesSlide21.xml><?xml version="1.0" encoding="utf-8"?>
 <p:notes xmlns:a="http://schemas.openxmlformats.org/drawingml/2006/main" xmlns:r="http://schemas.openxmlformats.org/officeDocument/2006/relationships" xmlns:p="http://schemas.openxmlformats.org/presentationml/2006/main" showMasterSp="0" showMasterPhAnim="0">
   <p:cSld>
     <p:spTree>
@@ -1464,110 +2331,6 @@
       <p:sp>
         <p:nvSpPr>
           <p:cNvPr id="268" name="Google Shape;268;g1c0c8f81679_1_0:notes"/>
-          <p:cNvSpPr txBox="1">
-            <a:spLocks noGrp="1"/>
-          </p:cNvSpPr>
-          <p:nvPr>
-            <p:ph type="body" idx="1"/>
-          </p:nvPr>
-        </p:nvSpPr>
-        <p:spPr>
-          <a:xfrm>
-            <a:off x="685800" y="4343400"/>
-            <a:ext cx="5486400" cy="4114800"/>
-          </a:xfrm>
-          <a:prstGeom prst="rect">
-            <a:avLst/>
-          </a:prstGeom>
-        </p:spPr>
-        <p:txBody>
-          <a:bodyPr spcFirstLastPara="1" wrap="square" lIns="91425" tIns="91425" rIns="91425" bIns="91425" anchor="t" anchorCtr="0">
-            <a:noAutofit/>
-          </a:bodyPr>
-          <a:lstStyle/>
-          <a:p>
-            <a:pPr marL="0" lvl="0" indent="0" algn="l" rtl="0">
-              <a:spcBef>
-                <a:spcPts val="0"/>
-              </a:spcBef>
-              <a:spcAft>
-                <a:spcPts val="0"/>
-              </a:spcAft>
-              <a:buNone/>
-            </a:pPr>
-            <a:endParaRPr/>
-          </a:p>
-        </p:txBody>
-      </p:sp>
-    </p:spTree>
-  </p:cSld>
-  <p:clrMapOvr>
-    <a:masterClrMapping/>
-  </p:clrMapOvr>
-</p:notes>
-</file>
-
-<file path=ppt/notesSlides/notesSlide2.xml><?xml version="1.0" encoding="utf-8"?>
-<p:notes xmlns:a="http://schemas.openxmlformats.org/drawingml/2006/main" xmlns:r="http://schemas.openxmlformats.org/officeDocument/2006/relationships" xmlns:p="http://schemas.openxmlformats.org/presentationml/2006/main" showMasterSp="0" showMasterPhAnim="0">
-  <p:cSld>
-    <p:spTree>
-      <p:nvGrpSpPr>
-        <p:cNvPr id="1" name="Shape 165"/>
-        <p:cNvGrpSpPr/>
-        <p:nvPr/>
-      </p:nvGrpSpPr>
-      <p:grpSpPr>
-        <a:xfrm>
-          <a:off x="0" y="0"/>
-          <a:ext cx="0" cy="0"/>
-          <a:chOff x="0" y="0"/>
-          <a:chExt cx="0" cy="0"/>
-        </a:xfrm>
-      </p:grpSpPr>
-      <p:sp>
-        <p:nvSpPr>
-          <p:cNvPr id="166" name="Google Shape;166;g1bd2870af4a_1_81:notes"/>
-          <p:cNvSpPr>
-            <a:spLocks noGrp="1" noRot="1" noChangeAspect="1"/>
-          </p:cNvSpPr>
-          <p:nvPr>
-            <p:ph type="sldImg" idx="2"/>
-          </p:nvPr>
-        </p:nvSpPr>
-        <p:spPr>
-          <a:xfrm>
-            <a:off x="381000" y="685800"/>
-            <a:ext cx="6096000" cy="3429000"/>
-          </a:xfrm>
-          <a:custGeom>
-            <a:avLst/>
-            <a:gdLst/>
-            <a:ahLst/>
-            <a:cxnLst/>
-            <a:rect l="l" t="t" r="r" b="b"/>
-            <a:pathLst>
-              <a:path w="120000" h="120000" extrusionOk="0">
-                <a:moveTo>
-                  <a:pt x="0" y="0"/>
-                </a:moveTo>
-                <a:lnTo>
-                  <a:pt x="120000" y="0"/>
-                </a:lnTo>
-                <a:lnTo>
-                  <a:pt x="120000" y="120000"/>
-                </a:lnTo>
-                <a:lnTo>
-                  <a:pt x="0" y="120000"/>
-                </a:lnTo>
-                <a:close/>
-              </a:path>
-            </a:pathLst>
-          </a:custGeom>
-        </p:spPr>
-      </p:sp>
-      <p:sp>
-        <p:nvSpPr>
-          <p:cNvPr id="167" name="Google Shape;167;g1bd2870af4a_1_81:notes"/>
           <p:cNvSpPr txBox="1">
             <a:spLocks noGrp="1"/>
           </p:cNvSpPr>
@@ -2269,6 +3032,11 @@
         </p:txBody>
       </p:sp>
     </p:spTree>
+    <p:extLst>
+      <p:ext uri="{BB962C8B-B14F-4D97-AF65-F5344CB8AC3E}">
+        <p14:creationId xmlns:p14="http://schemas.microsoft.com/office/powerpoint/2010/main" val="212562957"/>
+      </p:ext>
+    </p:extLst>
   </p:cSld>
   <p:clrMapOvr>
     <a:masterClrMapping/>
@@ -2281,7 +3049,7 @@
   <p:cSld>
     <p:spTree>
       <p:nvGrpSpPr>
-        <p:cNvPr id="1" name="Shape 216"/>
+        <p:cNvPr id="1" name="Shape 208"/>
         <p:cNvGrpSpPr/>
         <p:nvPr/>
       </p:nvGrpSpPr>
@@ -2295,7 +3063,7 @@
       </p:grpSpPr>
       <p:sp>
         <p:nvSpPr>
-          <p:cNvPr id="217" name="Google Shape;217;g2e7784e3c3e_3_95:notes"/>
+          <p:cNvPr id="209" name="Google Shape;209;g2e7784e3c3e_3_90:notes"/>
           <p:cNvSpPr>
             <a:spLocks noGrp="1" noRot="1" noChangeAspect="1"/>
           </p:cNvSpPr>
@@ -2346,7 +3114,7 @@
       </p:sp>
       <p:sp>
         <p:nvSpPr>
-          <p:cNvPr id="218" name="Google Shape;218;g2e7784e3c3e_3_95:notes"/>
+          <p:cNvPr id="210" name="Google Shape;210;g2e7784e3c3e_3_90:notes"/>
           <p:cNvSpPr txBox="1">
             <a:spLocks noGrp="1"/>
           </p:cNvSpPr>
@@ -18981,6 +19749,910 @@
   <p:cSld>
     <p:spTree>
       <p:nvGrpSpPr>
+        <p:cNvPr id="1" name="Shape 211"/>
+        <p:cNvGrpSpPr/>
+        <p:nvPr/>
+      </p:nvGrpSpPr>
+      <p:grpSpPr>
+        <a:xfrm>
+          <a:off x="0" y="0"/>
+          <a:ext cx="0" cy="0"/>
+          <a:chOff x="0" y="0"/>
+          <a:chExt cx="0" cy="0"/>
+        </a:xfrm>
+      </p:grpSpPr>
+      <p:sp>
+        <p:nvSpPr>
+          <p:cNvPr id="212" name="Google Shape;212;p38"/>
+          <p:cNvSpPr txBox="1"/>
+          <p:nvPr/>
+        </p:nvSpPr>
+        <p:spPr>
+          <a:xfrm>
+            <a:off x="212474" y="81725"/>
+            <a:ext cx="8731689" cy="1108200"/>
+          </a:xfrm>
+          <a:prstGeom prst="rect">
+            <a:avLst/>
+          </a:prstGeom>
+          <a:noFill/>
+          <a:ln>
+            <a:noFill/>
+          </a:ln>
+        </p:spPr>
+        <p:txBody>
+          <a:bodyPr spcFirstLastPara="1" wrap="square" lIns="91425" tIns="91425" rIns="91425" bIns="91425" anchor="t" anchorCtr="0">
+            <a:noAutofit/>
+          </a:bodyPr>
+          <a:lstStyle/>
+          <a:p>
+            <a:pPr marL="0" marR="0" lvl="0" indent="0" algn="l" rtl="0">
+              <a:lnSpc>
+                <a:spcPct val="100000"/>
+              </a:lnSpc>
+              <a:spcBef>
+                <a:spcPts val="0"/>
+              </a:spcBef>
+              <a:spcAft>
+                <a:spcPts val="0"/>
+              </a:spcAft>
+              <a:buClr>
+                <a:srgbClr val="000000"/>
+              </a:buClr>
+              <a:buSzPts val="2500"/>
+              <a:buFont typeface="Arial"/>
+              <a:buNone/>
+            </a:pPr>
+            <a:r>
+              <a:rPr lang="en" sz="2500" b="0" i="0" u="none" strike="noStrike" cap="none" dirty="0">
+                <a:solidFill>
+                  <a:schemeClr val="dk2"/>
+                </a:solidFill>
+                <a:latin typeface="Arial"/>
+                <a:ea typeface="Arial"/>
+                <a:cs typeface="Arial"/>
+                <a:sym typeface="Arial"/>
+              </a:rPr>
+              <a:t>SVM</a:t>
+            </a:r>
+            <a:r>
+              <a:rPr lang="en" sz="2500" dirty="0">
+                <a:solidFill>
+                  <a:schemeClr val="dk2"/>
+                </a:solidFill>
+              </a:rPr>
+              <a:t>: Model Training</a:t>
+            </a:r>
+            <a:endParaRPr sz="2500" b="0" i="0" u="none" strike="noStrike" cap="none" dirty="0">
+              <a:solidFill>
+                <a:schemeClr val="dk2"/>
+              </a:solidFill>
+              <a:latin typeface="Arial"/>
+              <a:ea typeface="Arial"/>
+              <a:cs typeface="Arial"/>
+              <a:sym typeface="Arial"/>
+            </a:endParaRPr>
+          </a:p>
+        </p:txBody>
+      </p:sp>
+      <p:sp>
+        <p:nvSpPr>
+          <p:cNvPr id="3" name="TextBox 2">
+            <a:extLst>
+              <a:ext uri="{FF2B5EF4-FFF2-40B4-BE49-F238E27FC236}">
+                <a16:creationId xmlns:a16="http://schemas.microsoft.com/office/drawing/2014/main" id="{B4ECC0A4-3E68-4E3D-A581-EF74CF068643}"/>
+              </a:ext>
+            </a:extLst>
+          </p:cNvPr>
+          <p:cNvSpPr txBox="1"/>
+          <p:nvPr/>
+        </p:nvSpPr>
+        <p:spPr>
+          <a:xfrm>
+            <a:off x="876033" y="1639069"/>
+            <a:ext cx="2429874" cy="307777"/>
+          </a:xfrm>
+          <a:prstGeom prst="rect">
+            <a:avLst/>
+          </a:prstGeom>
+          <a:noFill/>
+        </p:spPr>
+        <p:txBody>
+          <a:bodyPr wrap="square" rtlCol="0">
+            <a:spAutoFit/>
+          </a:bodyPr>
+          <a:lstStyle/>
+          <a:p>
+            <a:r>
+              <a:rPr lang="en-US" dirty="0"/>
+              <a:t>List default parameters</a:t>
+            </a:r>
+          </a:p>
+        </p:txBody>
+      </p:sp>
+      <p:sp>
+        <p:nvSpPr>
+          <p:cNvPr id="5" name="TextBox 4">
+            <a:extLst>
+              <a:ext uri="{FF2B5EF4-FFF2-40B4-BE49-F238E27FC236}">
+                <a16:creationId xmlns:a16="http://schemas.microsoft.com/office/drawing/2014/main" id="{8C0BC53D-0CDA-444E-B384-B175BCAA7E40}"/>
+              </a:ext>
+            </a:extLst>
+          </p:cNvPr>
+          <p:cNvSpPr txBox="1"/>
+          <p:nvPr/>
+        </p:nvSpPr>
+        <p:spPr>
+          <a:xfrm>
+            <a:off x="4802199" y="1531347"/>
+            <a:ext cx="2429874" cy="307777"/>
+          </a:xfrm>
+          <a:prstGeom prst="rect">
+            <a:avLst/>
+          </a:prstGeom>
+          <a:noFill/>
+        </p:spPr>
+        <p:txBody>
+          <a:bodyPr wrap="square" rtlCol="0">
+            <a:spAutoFit/>
+          </a:bodyPr>
+          <a:lstStyle/>
+          <a:p>
+            <a:r>
+              <a:rPr lang="en-US" dirty="0"/>
+              <a:t>Results of baseline model</a:t>
+            </a:r>
+          </a:p>
+        </p:txBody>
+      </p:sp>
+    </p:spTree>
+    <p:extLst>
+      <p:ext uri="{BB962C8B-B14F-4D97-AF65-F5344CB8AC3E}">
+        <p14:creationId xmlns:p14="http://schemas.microsoft.com/office/powerpoint/2010/main" val="2384043357"/>
+      </p:ext>
+    </p:extLst>
+  </p:cSld>
+  <p:clrMapOvr>
+    <a:masterClrMapping/>
+  </p:clrMapOvr>
+</p:sld>
+</file>
+
+<file path=ppt/slides/slide11.xml><?xml version="1.0" encoding="utf-8"?>
+<p:sld xmlns:a="http://schemas.openxmlformats.org/drawingml/2006/main" xmlns:r="http://schemas.openxmlformats.org/officeDocument/2006/relationships" xmlns:p="http://schemas.openxmlformats.org/presentationml/2006/main">
+  <p:cSld>
+    <p:spTree>
+      <p:nvGrpSpPr>
+        <p:cNvPr id="1" name="Shape 211"/>
+        <p:cNvGrpSpPr/>
+        <p:nvPr/>
+      </p:nvGrpSpPr>
+      <p:grpSpPr>
+        <a:xfrm>
+          <a:off x="0" y="0"/>
+          <a:ext cx="0" cy="0"/>
+          <a:chOff x="0" y="0"/>
+          <a:chExt cx="0" cy="0"/>
+        </a:xfrm>
+      </p:grpSpPr>
+      <p:sp>
+        <p:nvSpPr>
+          <p:cNvPr id="212" name="Google Shape;212;p38"/>
+          <p:cNvSpPr txBox="1"/>
+          <p:nvPr/>
+        </p:nvSpPr>
+        <p:spPr>
+          <a:xfrm>
+            <a:off x="212474" y="81725"/>
+            <a:ext cx="8731689" cy="1108200"/>
+          </a:xfrm>
+          <a:prstGeom prst="rect">
+            <a:avLst/>
+          </a:prstGeom>
+          <a:noFill/>
+          <a:ln>
+            <a:noFill/>
+          </a:ln>
+        </p:spPr>
+        <p:txBody>
+          <a:bodyPr spcFirstLastPara="1" wrap="square" lIns="91425" tIns="91425" rIns="91425" bIns="91425" anchor="t" anchorCtr="0">
+            <a:noAutofit/>
+          </a:bodyPr>
+          <a:lstStyle/>
+          <a:p>
+            <a:pPr marL="0" marR="0" lvl="0" indent="0" algn="l" rtl="0">
+              <a:lnSpc>
+                <a:spcPct val="100000"/>
+              </a:lnSpc>
+              <a:spcBef>
+                <a:spcPts val="0"/>
+              </a:spcBef>
+              <a:spcAft>
+                <a:spcPts val="0"/>
+              </a:spcAft>
+              <a:buClr>
+                <a:srgbClr val="000000"/>
+              </a:buClr>
+              <a:buSzPts val="2500"/>
+              <a:buFont typeface="Arial"/>
+              <a:buNone/>
+            </a:pPr>
+            <a:r>
+              <a:rPr lang="en" sz="2500" b="0" i="0" u="none" strike="noStrike" cap="none" dirty="0">
+                <a:solidFill>
+                  <a:schemeClr val="dk2"/>
+                </a:solidFill>
+                <a:latin typeface="Arial"/>
+                <a:ea typeface="Arial"/>
+                <a:cs typeface="Arial"/>
+                <a:sym typeface="Arial"/>
+              </a:rPr>
+              <a:t>SVM</a:t>
+            </a:r>
+            <a:r>
+              <a:rPr lang="en" sz="2500" dirty="0">
+                <a:solidFill>
+                  <a:schemeClr val="dk2"/>
+                </a:solidFill>
+              </a:rPr>
+              <a:t>: Hyperparameter Grid Search</a:t>
+            </a:r>
+            <a:endParaRPr sz="2500" b="0" i="0" u="none" strike="noStrike" cap="none" dirty="0">
+              <a:solidFill>
+                <a:schemeClr val="dk2"/>
+              </a:solidFill>
+              <a:latin typeface="Arial"/>
+              <a:ea typeface="Arial"/>
+              <a:cs typeface="Arial"/>
+              <a:sym typeface="Arial"/>
+            </a:endParaRPr>
+          </a:p>
+        </p:txBody>
+      </p:sp>
+      <p:sp>
+        <p:nvSpPr>
+          <p:cNvPr id="3" name="TextBox 2">
+            <a:extLst>
+              <a:ext uri="{FF2B5EF4-FFF2-40B4-BE49-F238E27FC236}">
+                <a16:creationId xmlns:a16="http://schemas.microsoft.com/office/drawing/2014/main" id="{B4ECC0A4-3E68-4E3D-A581-EF74CF068643}"/>
+              </a:ext>
+            </a:extLst>
+          </p:cNvPr>
+          <p:cNvSpPr txBox="1"/>
+          <p:nvPr/>
+        </p:nvSpPr>
+        <p:spPr>
+          <a:xfrm>
+            <a:off x="876033" y="1639069"/>
+            <a:ext cx="2429874" cy="307777"/>
+          </a:xfrm>
+          <a:prstGeom prst="rect">
+            <a:avLst/>
+          </a:prstGeom>
+          <a:noFill/>
+        </p:spPr>
+        <p:txBody>
+          <a:bodyPr wrap="square" rtlCol="0">
+            <a:spAutoFit/>
+          </a:bodyPr>
+          <a:lstStyle/>
+          <a:p>
+            <a:r>
+              <a:rPr lang="en-US" dirty="0"/>
+              <a:t>List grid parameters figure</a:t>
+            </a:r>
+          </a:p>
+        </p:txBody>
+      </p:sp>
+      <p:sp>
+        <p:nvSpPr>
+          <p:cNvPr id="5" name="TextBox 4">
+            <a:extLst>
+              <a:ext uri="{FF2B5EF4-FFF2-40B4-BE49-F238E27FC236}">
+                <a16:creationId xmlns:a16="http://schemas.microsoft.com/office/drawing/2014/main" id="{8C0BC53D-0CDA-444E-B384-B175BCAA7E40}"/>
+              </a:ext>
+            </a:extLst>
+          </p:cNvPr>
+          <p:cNvSpPr txBox="1"/>
+          <p:nvPr/>
+        </p:nvSpPr>
+        <p:spPr>
+          <a:xfrm>
+            <a:off x="4802199" y="1531347"/>
+            <a:ext cx="2429874" cy="307777"/>
+          </a:xfrm>
+          <a:prstGeom prst="rect">
+            <a:avLst/>
+          </a:prstGeom>
+          <a:noFill/>
+        </p:spPr>
+        <p:txBody>
+          <a:bodyPr wrap="square" rtlCol="0">
+            <a:spAutoFit/>
+          </a:bodyPr>
+          <a:lstStyle/>
+          <a:p>
+            <a:r>
+              <a:rPr lang="en-US" dirty="0"/>
+              <a:t>Results of adjusted model</a:t>
+            </a:r>
+          </a:p>
+        </p:txBody>
+      </p:sp>
+    </p:spTree>
+    <p:extLst>
+      <p:ext uri="{BB962C8B-B14F-4D97-AF65-F5344CB8AC3E}">
+        <p14:creationId xmlns:p14="http://schemas.microsoft.com/office/powerpoint/2010/main" val="2958771520"/>
+      </p:ext>
+    </p:extLst>
+  </p:cSld>
+  <p:clrMapOvr>
+    <a:masterClrMapping/>
+  </p:clrMapOvr>
+</p:sld>
+</file>
+
+<file path=ppt/slides/slide12.xml><?xml version="1.0" encoding="utf-8"?>
+<p:sld xmlns:a="http://schemas.openxmlformats.org/drawingml/2006/main" xmlns:r="http://schemas.openxmlformats.org/officeDocument/2006/relationships" xmlns:p="http://schemas.openxmlformats.org/presentationml/2006/main">
+  <p:cSld>
+    <p:spTree>
+      <p:nvGrpSpPr>
+        <p:cNvPr id="1" name="Shape 211"/>
+        <p:cNvGrpSpPr/>
+        <p:nvPr/>
+      </p:nvGrpSpPr>
+      <p:grpSpPr>
+        <a:xfrm>
+          <a:off x="0" y="0"/>
+          <a:ext cx="0" cy="0"/>
+          <a:chOff x="0" y="0"/>
+          <a:chExt cx="0" cy="0"/>
+        </a:xfrm>
+      </p:grpSpPr>
+      <p:sp>
+        <p:nvSpPr>
+          <p:cNvPr id="212" name="Google Shape;212;p38"/>
+          <p:cNvSpPr txBox="1"/>
+          <p:nvPr/>
+        </p:nvSpPr>
+        <p:spPr>
+          <a:xfrm>
+            <a:off x="212474" y="81725"/>
+            <a:ext cx="8731689" cy="1108200"/>
+          </a:xfrm>
+          <a:prstGeom prst="rect">
+            <a:avLst/>
+          </a:prstGeom>
+          <a:noFill/>
+          <a:ln>
+            <a:noFill/>
+          </a:ln>
+        </p:spPr>
+        <p:txBody>
+          <a:bodyPr spcFirstLastPara="1" wrap="square" lIns="91425" tIns="91425" rIns="91425" bIns="91425" anchor="t" anchorCtr="0">
+            <a:noAutofit/>
+          </a:bodyPr>
+          <a:lstStyle/>
+          <a:p>
+            <a:pPr marL="0" marR="0" lvl="0" indent="0" algn="l" rtl="0">
+              <a:lnSpc>
+                <a:spcPct val="100000"/>
+              </a:lnSpc>
+              <a:spcBef>
+                <a:spcPts val="0"/>
+              </a:spcBef>
+              <a:spcAft>
+                <a:spcPts val="0"/>
+              </a:spcAft>
+              <a:buClr>
+                <a:srgbClr val="000000"/>
+              </a:buClr>
+              <a:buSzPts val="2500"/>
+              <a:buFont typeface="Arial"/>
+              <a:buNone/>
+            </a:pPr>
+            <a:r>
+              <a:rPr lang="en" sz="2500" b="0" i="0" u="none" strike="noStrike" cap="none" dirty="0">
+                <a:solidFill>
+                  <a:schemeClr val="dk2"/>
+                </a:solidFill>
+                <a:latin typeface="Arial"/>
+                <a:ea typeface="Arial"/>
+                <a:cs typeface="Arial"/>
+                <a:sym typeface="Arial"/>
+              </a:rPr>
+              <a:t>SVM</a:t>
+            </a:r>
+            <a:r>
+              <a:rPr lang="en" sz="2500" dirty="0">
+                <a:solidFill>
+                  <a:schemeClr val="dk2"/>
+                </a:solidFill>
+              </a:rPr>
+              <a:t>: Calorie B</a:t>
+            </a:r>
+            <a:r>
+              <a:rPr lang="en-US" sz="2500" dirty="0">
+                <a:solidFill>
+                  <a:schemeClr val="dk2"/>
+                </a:solidFill>
+              </a:rPr>
+              <a:t>u</a:t>
+            </a:r>
+            <a:r>
+              <a:rPr lang="en" sz="2500" dirty="0">
+                <a:solidFill>
+                  <a:schemeClr val="dk2"/>
+                </a:solidFill>
+              </a:rPr>
+              <a:t>rn Experiment</a:t>
+            </a:r>
+            <a:endParaRPr sz="2500" b="0" i="0" u="none" strike="noStrike" cap="none" dirty="0">
+              <a:solidFill>
+                <a:schemeClr val="dk2"/>
+              </a:solidFill>
+              <a:latin typeface="Arial"/>
+              <a:ea typeface="Arial"/>
+              <a:cs typeface="Arial"/>
+              <a:sym typeface="Arial"/>
+            </a:endParaRPr>
+          </a:p>
+        </p:txBody>
+      </p:sp>
+      <p:sp>
+        <p:nvSpPr>
+          <p:cNvPr id="3" name="TextBox 2">
+            <a:extLst>
+              <a:ext uri="{FF2B5EF4-FFF2-40B4-BE49-F238E27FC236}">
+                <a16:creationId xmlns:a16="http://schemas.microsoft.com/office/drawing/2014/main" id="{B4ECC0A4-3E68-4E3D-A581-EF74CF068643}"/>
+              </a:ext>
+            </a:extLst>
+          </p:cNvPr>
+          <p:cNvSpPr txBox="1"/>
+          <p:nvPr/>
+        </p:nvSpPr>
+        <p:spPr>
+          <a:xfrm>
+            <a:off x="2883876" y="2118649"/>
+            <a:ext cx="4022081" cy="307777"/>
+          </a:xfrm>
+          <a:prstGeom prst="rect">
+            <a:avLst/>
+          </a:prstGeom>
+          <a:noFill/>
+        </p:spPr>
+        <p:txBody>
+          <a:bodyPr wrap="square" rtlCol="0">
+            <a:spAutoFit/>
+          </a:bodyPr>
+          <a:lstStyle/>
+          <a:p>
+            <a:r>
+              <a:rPr lang="en-US" dirty="0"/>
+              <a:t>Figure: cosine sim vs label variance</a:t>
+            </a:r>
+          </a:p>
+        </p:txBody>
+      </p:sp>
+    </p:spTree>
+    <p:extLst>
+      <p:ext uri="{BB962C8B-B14F-4D97-AF65-F5344CB8AC3E}">
+        <p14:creationId xmlns:p14="http://schemas.microsoft.com/office/powerpoint/2010/main" val="1179426119"/>
+      </p:ext>
+    </p:extLst>
+  </p:cSld>
+  <p:clrMapOvr>
+    <a:masterClrMapping/>
+  </p:clrMapOvr>
+</p:sld>
+</file>
+
+<file path=ppt/slides/slide13.xml><?xml version="1.0" encoding="utf-8"?>
+<p:sld xmlns:a="http://schemas.openxmlformats.org/drawingml/2006/main" xmlns:r="http://schemas.openxmlformats.org/officeDocument/2006/relationships" xmlns:p="http://schemas.openxmlformats.org/presentationml/2006/main">
+  <p:cSld>
+    <p:spTree>
+      <p:nvGrpSpPr>
+        <p:cNvPr id="1" name="Shape 211"/>
+        <p:cNvGrpSpPr/>
+        <p:nvPr/>
+      </p:nvGrpSpPr>
+      <p:grpSpPr>
+        <a:xfrm>
+          <a:off x="0" y="0"/>
+          <a:ext cx="0" cy="0"/>
+          <a:chOff x="0" y="0"/>
+          <a:chExt cx="0" cy="0"/>
+        </a:xfrm>
+      </p:grpSpPr>
+      <p:sp>
+        <p:nvSpPr>
+          <p:cNvPr id="212" name="Google Shape;212;p38"/>
+          <p:cNvSpPr txBox="1"/>
+          <p:nvPr/>
+        </p:nvSpPr>
+        <p:spPr>
+          <a:xfrm>
+            <a:off x="212474" y="81725"/>
+            <a:ext cx="8731689" cy="1108200"/>
+          </a:xfrm>
+          <a:prstGeom prst="rect">
+            <a:avLst/>
+          </a:prstGeom>
+          <a:noFill/>
+          <a:ln>
+            <a:noFill/>
+          </a:ln>
+        </p:spPr>
+        <p:txBody>
+          <a:bodyPr spcFirstLastPara="1" wrap="square" lIns="91425" tIns="91425" rIns="91425" bIns="91425" anchor="t" anchorCtr="0">
+            <a:noAutofit/>
+          </a:bodyPr>
+          <a:lstStyle/>
+          <a:p>
+            <a:pPr marL="0" marR="0" lvl="0" indent="0" algn="l" rtl="0">
+              <a:lnSpc>
+                <a:spcPct val="100000"/>
+              </a:lnSpc>
+              <a:spcBef>
+                <a:spcPts val="0"/>
+              </a:spcBef>
+              <a:spcAft>
+                <a:spcPts val="0"/>
+              </a:spcAft>
+              <a:buClr>
+                <a:srgbClr val="000000"/>
+              </a:buClr>
+              <a:buSzPts val="2500"/>
+              <a:buFont typeface="Arial"/>
+              <a:buNone/>
+            </a:pPr>
+            <a:r>
+              <a:rPr lang="en" sz="2500" b="0" i="0" u="none" strike="noStrike" cap="none" dirty="0">
+                <a:solidFill>
+                  <a:schemeClr val="dk2"/>
+                </a:solidFill>
+                <a:latin typeface="Arial"/>
+                <a:ea typeface="Arial"/>
+                <a:cs typeface="Arial"/>
+                <a:sym typeface="Arial"/>
+              </a:rPr>
+              <a:t>SVM</a:t>
+            </a:r>
+            <a:r>
+              <a:rPr lang="en" sz="2500" dirty="0">
+                <a:solidFill>
+                  <a:schemeClr val="dk2"/>
+                </a:solidFill>
+              </a:rPr>
+              <a:t>: Calorie B</a:t>
+            </a:r>
+            <a:r>
+              <a:rPr lang="en-US" sz="2500" dirty="0">
+                <a:solidFill>
+                  <a:schemeClr val="dk2"/>
+                </a:solidFill>
+              </a:rPr>
+              <a:t>u</a:t>
+            </a:r>
+            <a:r>
+              <a:rPr lang="en" sz="2500" dirty="0">
+                <a:solidFill>
+                  <a:schemeClr val="dk2"/>
+                </a:solidFill>
+              </a:rPr>
+              <a:t>rn Experiment</a:t>
+            </a:r>
+            <a:endParaRPr sz="2500" b="0" i="0" u="none" strike="noStrike" cap="none" dirty="0">
+              <a:solidFill>
+                <a:schemeClr val="dk2"/>
+              </a:solidFill>
+              <a:latin typeface="Arial"/>
+              <a:ea typeface="Arial"/>
+              <a:cs typeface="Arial"/>
+              <a:sym typeface="Arial"/>
+            </a:endParaRPr>
+          </a:p>
+        </p:txBody>
+      </p:sp>
+      <p:sp>
+        <p:nvSpPr>
+          <p:cNvPr id="3" name="TextBox 2">
+            <a:extLst>
+              <a:ext uri="{FF2B5EF4-FFF2-40B4-BE49-F238E27FC236}">
+                <a16:creationId xmlns:a16="http://schemas.microsoft.com/office/drawing/2014/main" id="{B4ECC0A4-3E68-4E3D-A581-EF74CF068643}"/>
+              </a:ext>
+            </a:extLst>
+          </p:cNvPr>
+          <p:cNvSpPr txBox="1"/>
+          <p:nvPr/>
+        </p:nvSpPr>
+        <p:spPr>
+          <a:xfrm>
+            <a:off x="2883876" y="2118649"/>
+            <a:ext cx="4022081" cy="307777"/>
+          </a:xfrm>
+          <a:prstGeom prst="rect">
+            <a:avLst/>
+          </a:prstGeom>
+          <a:noFill/>
+        </p:spPr>
+        <p:txBody>
+          <a:bodyPr wrap="square" rtlCol="0">
+            <a:spAutoFit/>
+          </a:bodyPr>
+          <a:lstStyle/>
+          <a:p>
+            <a:r>
+              <a:rPr lang="en-US" dirty="0"/>
+              <a:t>Figure: cosine sim vs total absolute error</a:t>
+            </a:r>
+          </a:p>
+        </p:txBody>
+      </p:sp>
+    </p:spTree>
+    <p:extLst>
+      <p:ext uri="{BB962C8B-B14F-4D97-AF65-F5344CB8AC3E}">
+        <p14:creationId xmlns:p14="http://schemas.microsoft.com/office/powerpoint/2010/main" val="2030675652"/>
+      </p:ext>
+    </p:extLst>
+  </p:cSld>
+  <p:clrMapOvr>
+    <a:masterClrMapping/>
+  </p:clrMapOvr>
+</p:sld>
+</file>
+
+<file path=ppt/slides/slide14.xml><?xml version="1.0" encoding="utf-8"?>
+<p:sld xmlns:a="http://schemas.openxmlformats.org/drawingml/2006/main" xmlns:r="http://schemas.openxmlformats.org/officeDocument/2006/relationships" xmlns:p="http://schemas.openxmlformats.org/presentationml/2006/main">
+  <p:cSld>
+    <p:spTree>
+      <p:nvGrpSpPr>
+        <p:cNvPr id="1" name="Shape 211"/>
+        <p:cNvGrpSpPr/>
+        <p:nvPr/>
+      </p:nvGrpSpPr>
+      <p:grpSpPr>
+        <a:xfrm>
+          <a:off x="0" y="0"/>
+          <a:ext cx="0" cy="0"/>
+          <a:chOff x="0" y="0"/>
+          <a:chExt cx="0" cy="0"/>
+        </a:xfrm>
+      </p:grpSpPr>
+      <p:sp>
+        <p:nvSpPr>
+          <p:cNvPr id="212" name="Google Shape;212;p38"/>
+          <p:cNvSpPr txBox="1"/>
+          <p:nvPr/>
+        </p:nvSpPr>
+        <p:spPr>
+          <a:xfrm>
+            <a:off x="212474" y="81725"/>
+            <a:ext cx="8731689" cy="1108200"/>
+          </a:xfrm>
+          <a:prstGeom prst="rect">
+            <a:avLst/>
+          </a:prstGeom>
+          <a:noFill/>
+          <a:ln>
+            <a:noFill/>
+          </a:ln>
+        </p:spPr>
+        <p:txBody>
+          <a:bodyPr spcFirstLastPara="1" wrap="square" lIns="91425" tIns="91425" rIns="91425" bIns="91425" anchor="t" anchorCtr="0">
+            <a:noAutofit/>
+          </a:bodyPr>
+          <a:lstStyle/>
+          <a:p>
+            <a:pPr marL="0" marR="0" lvl="0" indent="0" algn="l" rtl="0">
+              <a:lnSpc>
+                <a:spcPct val="100000"/>
+              </a:lnSpc>
+              <a:spcBef>
+                <a:spcPts val="0"/>
+              </a:spcBef>
+              <a:spcAft>
+                <a:spcPts val="0"/>
+              </a:spcAft>
+              <a:buClr>
+                <a:srgbClr val="000000"/>
+              </a:buClr>
+              <a:buSzPts val="2500"/>
+              <a:buFont typeface="Arial"/>
+              <a:buNone/>
+            </a:pPr>
+            <a:r>
+              <a:rPr lang="en" sz="2500" b="0" i="0" u="none" strike="noStrike" cap="none" dirty="0">
+                <a:solidFill>
+                  <a:schemeClr val="dk2"/>
+                </a:solidFill>
+                <a:latin typeface="Arial"/>
+                <a:ea typeface="Arial"/>
+                <a:cs typeface="Arial"/>
+                <a:sym typeface="Arial"/>
+              </a:rPr>
+              <a:t>SVM</a:t>
+            </a:r>
+            <a:r>
+              <a:rPr lang="en" sz="2500" dirty="0">
+                <a:solidFill>
+                  <a:schemeClr val="dk2"/>
+                </a:solidFill>
+              </a:rPr>
+              <a:t>: Calorie B</a:t>
+            </a:r>
+            <a:r>
+              <a:rPr lang="en-US" sz="2500" dirty="0">
+                <a:solidFill>
+                  <a:schemeClr val="dk2"/>
+                </a:solidFill>
+              </a:rPr>
+              <a:t>u</a:t>
+            </a:r>
+            <a:r>
+              <a:rPr lang="en" sz="2500" dirty="0">
+                <a:solidFill>
+                  <a:schemeClr val="dk2"/>
+                </a:solidFill>
+              </a:rPr>
+              <a:t>rn Experiment</a:t>
+            </a:r>
+            <a:endParaRPr sz="2500" b="0" i="0" u="none" strike="noStrike" cap="none" dirty="0">
+              <a:solidFill>
+                <a:schemeClr val="dk2"/>
+              </a:solidFill>
+              <a:latin typeface="Arial"/>
+              <a:ea typeface="Arial"/>
+              <a:cs typeface="Arial"/>
+              <a:sym typeface="Arial"/>
+            </a:endParaRPr>
+          </a:p>
+        </p:txBody>
+      </p:sp>
+      <p:sp>
+        <p:nvSpPr>
+          <p:cNvPr id="3" name="TextBox 2">
+            <a:extLst>
+              <a:ext uri="{FF2B5EF4-FFF2-40B4-BE49-F238E27FC236}">
+                <a16:creationId xmlns:a16="http://schemas.microsoft.com/office/drawing/2014/main" id="{B4ECC0A4-3E68-4E3D-A581-EF74CF068643}"/>
+              </a:ext>
+            </a:extLst>
+          </p:cNvPr>
+          <p:cNvSpPr txBox="1"/>
+          <p:nvPr/>
+        </p:nvSpPr>
+        <p:spPr>
+          <a:xfrm>
+            <a:off x="2883876" y="2118649"/>
+            <a:ext cx="4022081" cy="307777"/>
+          </a:xfrm>
+          <a:prstGeom prst="rect">
+            <a:avLst/>
+          </a:prstGeom>
+          <a:noFill/>
+        </p:spPr>
+        <p:txBody>
+          <a:bodyPr wrap="square" rtlCol="0">
+            <a:spAutoFit/>
+          </a:bodyPr>
+          <a:lstStyle/>
+          <a:p>
+            <a:r>
+              <a:rPr lang="en-US" dirty="0"/>
+              <a:t>Figure: total absolute error vs label variance</a:t>
+            </a:r>
+          </a:p>
+        </p:txBody>
+      </p:sp>
+    </p:spTree>
+    <p:extLst>
+      <p:ext uri="{BB962C8B-B14F-4D97-AF65-F5344CB8AC3E}">
+        <p14:creationId xmlns:p14="http://schemas.microsoft.com/office/powerpoint/2010/main" val="127319492"/>
+      </p:ext>
+    </p:extLst>
+  </p:cSld>
+  <p:clrMapOvr>
+    <a:masterClrMapping/>
+  </p:clrMapOvr>
+</p:sld>
+</file>
+
+<file path=ppt/slides/slide15.xml><?xml version="1.0" encoding="utf-8"?>
+<p:sld xmlns:a="http://schemas.openxmlformats.org/drawingml/2006/main" xmlns:r="http://schemas.openxmlformats.org/officeDocument/2006/relationships" xmlns:p="http://schemas.openxmlformats.org/presentationml/2006/main">
+  <p:cSld>
+    <p:spTree>
+      <p:nvGrpSpPr>
+        <p:cNvPr id="1" name="Shape 219"/>
+        <p:cNvGrpSpPr/>
+        <p:nvPr/>
+      </p:nvGrpSpPr>
+      <p:grpSpPr>
+        <a:xfrm>
+          <a:off x="0" y="0"/>
+          <a:ext cx="0" cy="0"/>
+          <a:chOff x="0" y="0"/>
+          <a:chExt cx="0" cy="0"/>
+        </a:xfrm>
+      </p:grpSpPr>
+      <p:sp>
+        <p:nvSpPr>
+          <p:cNvPr id="220" name="Google Shape;220;p39"/>
+          <p:cNvSpPr txBox="1"/>
+          <p:nvPr/>
+        </p:nvSpPr>
+        <p:spPr>
+          <a:xfrm>
+            <a:off x="212474" y="81725"/>
+            <a:ext cx="8871000" cy="1108200"/>
+          </a:xfrm>
+          <a:prstGeom prst="rect">
+            <a:avLst/>
+          </a:prstGeom>
+          <a:noFill/>
+          <a:ln>
+            <a:noFill/>
+          </a:ln>
+        </p:spPr>
+        <p:txBody>
+          <a:bodyPr spcFirstLastPara="1" wrap="square" lIns="91425" tIns="91425" rIns="91425" bIns="91425" anchor="t" anchorCtr="0">
+            <a:noAutofit/>
+          </a:bodyPr>
+          <a:lstStyle/>
+          <a:p>
+            <a:pPr marL="0" marR="0" lvl="0" indent="0" algn="l" rtl="0">
+              <a:lnSpc>
+                <a:spcPct val="100000"/>
+              </a:lnSpc>
+              <a:spcBef>
+                <a:spcPts val="0"/>
+              </a:spcBef>
+              <a:spcAft>
+                <a:spcPts val="0"/>
+              </a:spcAft>
+              <a:buClr>
+                <a:srgbClr val="000000"/>
+              </a:buClr>
+              <a:buSzPts val="2500"/>
+              <a:buFont typeface="Arial"/>
+              <a:buNone/>
+            </a:pPr>
+            <a:r>
+              <a:rPr lang="en" sz="2500" b="0" i="0" u="none" strike="noStrike" cap="none" dirty="0">
+                <a:solidFill>
+                  <a:schemeClr val="dk2"/>
+                </a:solidFill>
+                <a:latin typeface="Arial"/>
+                <a:ea typeface="Arial"/>
+                <a:cs typeface="Arial"/>
+                <a:sym typeface="Arial"/>
+              </a:rPr>
+              <a:t>Convolutional Neural Network Model</a:t>
+            </a:r>
+            <a:endParaRPr sz="2500" b="0" i="0" u="none" strike="noStrike" cap="none" dirty="0">
+              <a:solidFill>
+                <a:schemeClr val="dk2"/>
+              </a:solidFill>
+              <a:latin typeface="Arial"/>
+              <a:ea typeface="Arial"/>
+              <a:cs typeface="Arial"/>
+              <a:sym typeface="Arial"/>
+            </a:endParaRPr>
+          </a:p>
+        </p:txBody>
+      </p:sp>
+    </p:spTree>
+  </p:cSld>
+  <p:clrMapOvr>
+    <a:masterClrMapping/>
+  </p:clrMapOvr>
+</p:sld>
+</file>
+
+<file path=ppt/slides/slide16.xml><?xml version="1.0" encoding="utf-8"?>
+<p:sld xmlns:a="http://schemas.openxmlformats.org/drawingml/2006/main" xmlns:r="http://schemas.openxmlformats.org/officeDocument/2006/relationships" xmlns:p="http://schemas.openxmlformats.org/presentationml/2006/main">
+  <p:cSld>
+    <p:spTree>
+      <p:nvGrpSpPr>
         <p:cNvPr id="1" name="Shape 227"/>
         <p:cNvGrpSpPr/>
         <p:nvPr/>
@@ -19067,7 +20739,7 @@
 </p:sld>
 </file>
 
-<file path=ppt/slides/slide11.xml><?xml version="1.0" encoding="utf-8"?>
+<file path=ppt/slides/slide17.xml><?xml version="1.0" encoding="utf-8"?>
 <p:sld xmlns:a="http://schemas.openxmlformats.org/drawingml/2006/main" xmlns:r="http://schemas.openxmlformats.org/officeDocument/2006/relationships" xmlns:p="http://schemas.openxmlformats.org/presentationml/2006/main">
   <p:cSld>
     <p:spTree>
@@ -19142,7 +20814,7 @@
 </p:sld>
 </file>
 
-<file path=ppt/slides/slide12.xml><?xml version="1.0" encoding="utf-8"?>
+<file path=ppt/slides/slide18.xml><?xml version="1.0" encoding="utf-8"?>
 <p:sld xmlns:a="http://schemas.openxmlformats.org/drawingml/2006/main" xmlns:r="http://schemas.openxmlformats.org/officeDocument/2006/relationships" xmlns:p="http://schemas.openxmlformats.org/presentationml/2006/main">
   <p:cSld>
     <p:spTree>
@@ -19233,7 +20905,7 @@
 </p:sld>
 </file>
 
-<file path=ppt/slides/slide13.xml><?xml version="1.0" encoding="utf-8"?>
+<file path=ppt/slides/slide19.xml><?xml version="1.0" encoding="utf-8"?>
 <p:sld xmlns:a="http://schemas.openxmlformats.org/drawingml/2006/main" xmlns:r="http://schemas.openxmlformats.org/officeDocument/2006/relationships" xmlns:p="http://schemas.openxmlformats.org/presentationml/2006/main">
   <p:cSld>
     <p:spTree>
@@ -20233,7 +21905,451 @@
 </p:sld>
 </file>
 
-<file path=ppt/slides/slide14.xml><?xml version="1.0" encoding="utf-8"?>
+<file path=ppt/slides/slide2.xml><?xml version="1.0" encoding="utf-8"?>
+<p:sld xmlns:a="http://schemas.openxmlformats.org/drawingml/2006/main" xmlns:r="http://schemas.openxmlformats.org/officeDocument/2006/relationships" xmlns:p="http://schemas.openxmlformats.org/presentationml/2006/main">
+  <p:cSld>
+    <p:spTree>
+      <p:nvGrpSpPr>
+        <p:cNvPr id="1" name="Shape 168"/>
+        <p:cNvGrpSpPr/>
+        <p:nvPr/>
+      </p:nvGrpSpPr>
+      <p:grpSpPr>
+        <a:xfrm>
+          <a:off x="0" y="0"/>
+          <a:ext cx="0" cy="0"/>
+          <a:chOff x="0" y="0"/>
+          <a:chExt cx="0" cy="0"/>
+        </a:xfrm>
+      </p:grpSpPr>
+      <p:sp>
+        <p:nvSpPr>
+          <p:cNvPr id="169" name="Google Shape;169;p32"/>
+          <p:cNvSpPr txBox="1"/>
+          <p:nvPr/>
+        </p:nvSpPr>
+        <p:spPr>
+          <a:xfrm>
+            <a:off x="212475" y="81725"/>
+            <a:ext cx="2981100" cy="1108200"/>
+          </a:xfrm>
+          <a:prstGeom prst="rect">
+            <a:avLst/>
+          </a:prstGeom>
+          <a:noFill/>
+          <a:ln>
+            <a:noFill/>
+          </a:ln>
+        </p:spPr>
+        <p:txBody>
+          <a:bodyPr spcFirstLastPara="1" wrap="square" lIns="91425" tIns="91425" rIns="91425" bIns="91425" anchor="t" anchorCtr="0">
+            <a:noAutofit/>
+          </a:bodyPr>
+          <a:lstStyle/>
+          <a:p>
+            <a:pPr marL="0" lvl="0" indent="0" algn="l" rtl="0">
+              <a:spcBef>
+                <a:spcPts val="0"/>
+              </a:spcBef>
+              <a:spcAft>
+                <a:spcPts val="0"/>
+              </a:spcAft>
+              <a:buNone/>
+            </a:pPr>
+            <a:r>
+              <a:rPr lang="en" sz="2500">
+                <a:solidFill>
+                  <a:schemeClr val="dk2"/>
+                </a:solidFill>
+              </a:rPr>
+              <a:t>Table of Contents</a:t>
+            </a:r>
+            <a:endParaRPr sz="2500">
+              <a:solidFill>
+                <a:schemeClr val="dk2"/>
+              </a:solidFill>
+            </a:endParaRPr>
+          </a:p>
+        </p:txBody>
+      </p:sp>
+      <p:sp>
+        <p:nvSpPr>
+          <p:cNvPr id="170" name="Google Shape;170;p32"/>
+          <p:cNvSpPr txBox="1"/>
+          <p:nvPr/>
+        </p:nvSpPr>
+        <p:spPr>
+          <a:xfrm>
+            <a:off x="268300" y="767219"/>
+            <a:ext cx="8177374" cy="3610627"/>
+          </a:xfrm>
+          <a:prstGeom prst="rect">
+            <a:avLst/>
+          </a:prstGeom>
+          <a:noFill/>
+          <a:ln>
+            <a:noFill/>
+          </a:ln>
+        </p:spPr>
+        <p:txBody>
+          <a:bodyPr spcFirstLastPara="1" wrap="square" lIns="91425" tIns="91425" rIns="91425" bIns="91425" anchor="t" anchorCtr="0">
+            <a:noAutofit/>
+          </a:bodyPr>
+          <a:lstStyle/>
+          <a:p>
+            <a:pPr marL="457200" lvl="0" indent="-292100" algn="l" rtl="0">
+              <a:spcBef>
+                <a:spcPts val="0"/>
+              </a:spcBef>
+              <a:spcAft>
+                <a:spcPts val="0"/>
+              </a:spcAft>
+              <a:buClr>
+                <a:schemeClr val="dk1"/>
+              </a:buClr>
+              <a:buSzPts val="1000"/>
+              <a:buFont typeface="Times New Roman"/>
+              <a:buChar char="●"/>
+            </a:pPr>
+            <a:r>
+              <a:rPr lang="en" sz="1800" dirty="0">
+                <a:solidFill>
+                  <a:schemeClr val="dk1"/>
+                </a:solidFill>
+                <a:latin typeface="Times New Roman"/>
+                <a:ea typeface="Times New Roman"/>
+                <a:cs typeface="Times New Roman"/>
+                <a:sym typeface="Times New Roman"/>
+              </a:rPr>
+              <a:t>Introduction</a:t>
+            </a:r>
+            <a:endParaRPr sz="1800" dirty="0">
+              <a:solidFill>
+                <a:schemeClr val="dk1"/>
+              </a:solidFill>
+              <a:latin typeface="Times New Roman"/>
+              <a:ea typeface="Times New Roman"/>
+              <a:cs typeface="Times New Roman"/>
+              <a:sym typeface="Times New Roman"/>
+            </a:endParaRPr>
+          </a:p>
+          <a:p>
+            <a:pPr marL="457200" lvl="0" indent="-292100" algn="l" rtl="0">
+              <a:spcBef>
+                <a:spcPts val="0"/>
+              </a:spcBef>
+              <a:spcAft>
+                <a:spcPts val="0"/>
+              </a:spcAft>
+              <a:buClr>
+                <a:schemeClr val="dk1"/>
+              </a:buClr>
+              <a:buSzPts val="1000"/>
+              <a:buFont typeface="Times New Roman"/>
+              <a:buChar char="●"/>
+            </a:pPr>
+            <a:r>
+              <a:rPr lang="en" sz="1800" dirty="0">
+                <a:solidFill>
+                  <a:schemeClr val="dk1"/>
+                </a:solidFill>
+                <a:latin typeface="Times New Roman"/>
+                <a:ea typeface="Times New Roman"/>
+                <a:cs typeface="Times New Roman"/>
+                <a:sym typeface="Times New Roman"/>
+              </a:rPr>
+              <a:t>Data Cleaning and Preparation</a:t>
+            </a:r>
+            <a:endParaRPr sz="1800" dirty="0">
+              <a:solidFill>
+                <a:schemeClr val="dk1"/>
+              </a:solidFill>
+              <a:latin typeface="Times New Roman"/>
+              <a:ea typeface="Times New Roman"/>
+              <a:cs typeface="Times New Roman"/>
+              <a:sym typeface="Times New Roman"/>
+            </a:endParaRPr>
+          </a:p>
+          <a:p>
+            <a:pPr marL="457200" lvl="0" indent="-292100" algn="l" rtl="0">
+              <a:spcBef>
+                <a:spcPts val="0"/>
+              </a:spcBef>
+              <a:spcAft>
+                <a:spcPts val="0"/>
+              </a:spcAft>
+              <a:buClr>
+                <a:schemeClr val="dk1"/>
+              </a:buClr>
+              <a:buSzPts val="1000"/>
+              <a:buFont typeface="Times New Roman"/>
+              <a:buChar char="●"/>
+            </a:pPr>
+            <a:r>
+              <a:rPr lang="en" sz="1800" dirty="0">
+                <a:solidFill>
+                  <a:schemeClr val="dk1"/>
+                </a:solidFill>
+                <a:latin typeface="Times New Roman"/>
+                <a:ea typeface="Times New Roman"/>
+                <a:cs typeface="Times New Roman"/>
+                <a:sym typeface="Times New Roman"/>
+              </a:rPr>
+              <a:t>Exploratory Data Analysis</a:t>
+            </a:r>
+            <a:endParaRPr sz="1800" dirty="0">
+              <a:solidFill>
+                <a:schemeClr val="dk1"/>
+              </a:solidFill>
+              <a:latin typeface="Times New Roman"/>
+              <a:ea typeface="Times New Roman"/>
+              <a:cs typeface="Times New Roman"/>
+              <a:sym typeface="Times New Roman"/>
+            </a:endParaRPr>
+          </a:p>
+          <a:p>
+            <a:pPr marL="457200" lvl="0" indent="-292100" algn="l" rtl="0">
+              <a:spcBef>
+                <a:spcPts val="0"/>
+              </a:spcBef>
+              <a:spcAft>
+                <a:spcPts val="0"/>
+              </a:spcAft>
+              <a:buClr>
+                <a:schemeClr val="dk1"/>
+              </a:buClr>
+              <a:buSzPts val="1000"/>
+              <a:buFont typeface="Times New Roman"/>
+              <a:buChar char="●"/>
+            </a:pPr>
+            <a:r>
+              <a:rPr lang="en" sz="1800" dirty="0">
+                <a:solidFill>
+                  <a:schemeClr val="dk1"/>
+                </a:solidFill>
+                <a:latin typeface="Times New Roman"/>
+                <a:ea typeface="Times New Roman"/>
+                <a:cs typeface="Times New Roman"/>
+                <a:sym typeface="Times New Roman"/>
+              </a:rPr>
+              <a:t>Model Selection</a:t>
+            </a:r>
+          </a:p>
+          <a:p>
+            <a:pPr marL="457200" lvl="0" indent="-292100" algn="l" rtl="0">
+              <a:spcBef>
+                <a:spcPts val="0"/>
+              </a:spcBef>
+              <a:spcAft>
+                <a:spcPts val="0"/>
+              </a:spcAft>
+              <a:buClr>
+                <a:schemeClr val="dk1"/>
+              </a:buClr>
+              <a:buSzPts val="1000"/>
+              <a:buFont typeface="Times New Roman"/>
+              <a:buChar char="●"/>
+            </a:pPr>
+            <a:r>
+              <a:rPr lang="en" sz="1800" dirty="0">
+                <a:solidFill>
+                  <a:schemeClr val="dk1"/>
+                </a:solidFill>
+                <a:latin typeface="Times New Roman"/>
+                <a:ea typeface="Times New Roman"/>
+                <a:cs typeface="Times New Roman"/>
+                <a:sym typeface="Times New Roman"/>
+              </a:rPr>
+              <a:t>Support Vector Machine (SVM) Model</a:t>
+            </a:r>
+          </a:p>
+          <a:p>
+            <a:pPr marL="457200" lvl="0" indent="-292100" algn="l" rtl="0">
+              <a:spcBef>
+                <a:spcPts val="0"/>
+              </a:spcBef>
+              <a:spcAft>
+                <a:spcPts val="0"/>
+              </a:spcAft>
+              <a:buClr>
+                <a:schemeClr val="dk1"/>
+              </a:buClr>
+              <a:buSzPts val="1000"/>
+              <a:buFont typeface="Times New Roman"/>
+              <a:buChar char="●"/>
+            </a:pPr>
+            <a:r>
+              <a:rPr lang="en" sz="1800" dirty="0">
+                <a:solidFill>
+                  <a:schemeClr val="dk1"/>
+                </a:solidFill>
+                <a:latin typeface="Times New Roman"/>
+                <a:ea typeface="Times New Roman"/>
+                <a:cs typeface="Times New Roman"/>
+                <a:sym typeface="Times New Roman"/>
+              </a:rPr>
+              <a:t>Convolutional Neural Network (CNN) Model</a:t>
+            </a:r>
+          </a:p>
+          <a:p>
+            <a:pPr marL="457200" lvl="0" indent="-292100" algn="l" rtl="0">
+              <a:spcBef>
+                <a:spcPts val="0"/>
+              </a:spcBef>
+              <a:spcAft>
+                <a:spcPts val="0"/>
+              </a:spcAft>
+              <a:buClr>
+                <a:schemeClr val="dk1"/>
+              </a:buClr>
+              <a:buSzPts val="1000"/>
+              <a:buFont typeface="Times New Roman"/>
+              <a:buChar char="●"/>
+            </a:pPr>
+            <a:r>
+              <a:rPr lang="en" sz="1800" dirty="0">
+                <a:solidFill>
+                  <a:schemeClr val="dk1"/>
+                </a:solidFill>
+                <a:latin typeface="Times New Roman"/>
+                <a:ea typeface="Times New Roman"/>
+                <a:cs typeface="Times New Roman"/>
+                <a:sym typeface="Times New Roman"/>
+              </a:rPr>
+              <a:t>Bidirectional Long Short-Term Memory (LSTM) Model</a:t>
+            </a:r>
+            <a:endParaRPr sz="1800" dirty="0">
+              <a:solidFill>
+                <a:schemeClr val="dk1"/>
+              </a:solidFill>
+              <a:latin typeface="Times New Roman"/>
+              <a:ea typeface="Times New Roman"/>
+              <a:cs typeface="Times New Roman"/>
+              <a:sym typeface="Times New Roman"/>
+            </a:endParaRPr>
+          </a:p>
+          <a:p>
+            <a:pPr marL="457200" lvl="0" indent="-292100" algn="l" rtl="0">
+              <a:spcBef>
+                <a:spcPts val="0"/>
+              </a:spcBef>
+              <a:spcAft>
+                <a:spcPts val="0"/>
+              </a:spcAft>
+              <a:buClr>
+                <a:schemeClr val="dk1"/>
+              </a:buClr>
+              <a:buSzPts val="1000"/>
+              <a:buFont typeface="Times New Roman"/>
+              <a:buChar char="●"/>
+            </a:pPr>
+            <a:r>
+              <a:rPr lang="en" sz="1800" dirty="0">
+                <a:solidFill>
+                  <a:schemeClr val="dk1"/>
+                </a:solidFill>
+                <a:latin typeface="Times New Roman"/>
+                <a:ea typeface="Times New Roman"/>
+                <a:cs typeface="Times New Roman"/>
+                <a:sym typeface="Times New Roman"/>
+              </a:rPr>
+              <a:t>Model Analysis</a:t>
+            </a:r>
+            <a:endParaRPr sz="1800" dirty="0">
+              <a:solidFill>
+                <a:schemeClr val="dk1"/>
+              </a:solidFill>
+              <a:latin typeface="Times New Roman"/>
+              <a:ea typeface="Times New Roman"/>
+              <a:cs typeface="Times New Roman"/>
+              <a:sym typeface="Times New Roman"/>
+            </a:endParaRPr>
+          </a:p>
+          <a:p>
+            <a:pPr marL="457200" lvl="0" indent="-292100" algn="l" rtl="0">
+              <a:spcBef>
+                <a:spcPts val="0"/>
+              </a:spcBef>
+              <a:spcAft>
+                <a:spcPts val="0"/>
+              </a:spcAft>
+              <a:buClr>
+                <a:schemeClr val="dk1"/>
+              </a:buClr>
+              <a:buSzPts val="1000"/>
+              <a:buFont typeface="Times New Roman"/>
+              <a:buChar char="●"/>
+            </a:pPr>
+            <a:r>
+              <a:rPr lang="en" sz="1800" dirty="0">
+                <a:solidFill>
+                  <a:schemeClr val="dk1"/>
+                </a:solidFill>
+                <a:latin typeface="Times New Roman"/>
+                <a:ea typeface="Times New Roman"/>
+                <a:cs typeface="Times New Roman"/>
+                <a:sym typeface="Times New Roman"/>
+              </a:rPr>
+              <a:t>Conclusion and Recommendations</a:t>
+            </a:r>
+            <a:endParaRPr sz="1800" dirty="0">
+              <a:solidFill>
+                <a:schemeClr val="dk1"/>
+              </a:solidFill>
+              <a:latin typeface="Times New Roman"/>
+              <a:ea typeface="Times New Roman"/>
+              <a:cs typeface="Times New Roman"/>
+              <a:sym typeface="Times New Roman"/>
+            </a:endParaRPr>
+          </a:p>
+          <a:p>
+            <a:pPr marL="457200" lvl="0" indent="-292100" algn="l" rtl="0">
+              <a:spcBef>
+                <a:spcPts val="0"/>
+              </a:spcBef>
+              <a:spcAft>
+                <a:spcPts val="0"/>
+              </a:spcAft>
+              <a:buClr>
+                <a:schemeClr val="dk1"/>
+              </a:buClr>
+              <a:buSzPts val="1000"/>
+              <a:buFont typeface="Times New Roman"/>
+              <a:buChar char="●"/>
+            </a:pPr>
+            <a:r>
+              <a:rPr lang="en" sz="1800" dirty="0">
+                <a:solidFill>
+                  <a:schemeClr val="dk1"/>
+                </a:solidFill>
+                <a:latin typeface="Times New Roman"/>
+                <a:ea typeface="Times New Roman"/>
+                <a:cs typeface="Times New Roman"/>
+                <a:sym typeface="Times New Roman"/>
+              </a:rPr>
+              <a:t>Collaboration Chart</a:t>
+            </a:r>
+            <a:endParaRPr sz="1800" dirty="0">
+              <a:solidFill>
+                <a:schemeClr val="dk1"/>
+              </a:solidFill>
+              <a:latin typeface="Times New Roman"/>
+              <a:ea typeface="Times New Roman"/>
+              <a:cs typeface="Times New Roman"/>
+              <a:sym typeface="Times New Roman"/>
+            </a:endParaRPr>
+          </a:p>
+        </p:txBody>
+      </p:sp>
+    </p:spTree>
+  </p:cSld>
+  <p:clrMapOvr>
+    <a:masterClrMapping/>
+  </p:clrMapOvr>
+</p:sld>
+</file>
+
+<file path=ppt/slides/slide20.xml><?xml version="1.0" encoding="utf-8"?>
 <p:sld xmlns:a="http://schemas.openxmlformats.org/drawingml/2006/main" xmlns:r="http://schemas.openxmlformats.org/officeDocument/2006/relationships" xmlns:p="http://schemas.openxmlformats.org/presentationml/2006/main">
   <p:cSld>
     <p:spTree>
@@ -21055,7 +23171,7 @@
 </p:sld>
 </file>
 
-<file path=ppt/slides/slide15.xml><?xml version="1.0" encoding="utf-8"?>
+<file path=ppt/slides/slide21.xml><?xml version="1.0" encoding="utf-8"?>
 <p:sld xmlns:a="http://schemas.openxmlformats.org/drawingml/2006/main" xmlns:r="http://schemas.openxmlformats.org/officeDocument/2006/relationships" xmlns:p="http://schemas.openxmlformats.org/presentationml/2006/main">
   <p:cSld>
     <p:spTree>
@@ -21072,450 +23188,6 @@
           <a:chExt cx="0" cy="0"/>
         </a:xfrm>
       </p:grpSpPr>
-    </p:spTree>
-  </p:cSld>
-  <p:clrMapOvr>
-    <a:masterClrMapping/>
-  </p:clrMapOvr>
-</p:sld>
-</file>
-
-<file path=ppt/slides/slide2.xml><?xml version="1.0" encoding="utf-8"?>
-<p:sld xmlns:a="http://schemas.openxmlformats.org/drawingml/2006/main" xmlns:r="http://schemas.openxmlformats.org/officeDocument/2006/relationships" xmlns:p="http://schemas.openxmlformats.org/presentationml/2006/main">
-  <p:cSld>
-    <p:spTree>
-      <p:nvGrpSpPr>
-        <p:cNvPr id="1" name="Shape 168"/>
-        <p:cNvGrpSpPr/>
-        <p:nvPr/>
-      </p:nvGrpSpPr>
-      <p:grpSpPr>
-        <a:xfrm>
-          <a:off x="0" y="0"/>
-          <a:ext cx="0" cy="0"/>
-          <a:chOff x="0" y="0"/>
-          <a:chExt cx="0" cy="0"/>
-        </a:xfrm>
-      </p:grpSpPr>
-      <p:sp>
-        <p:nvSpPr>
-          <p:cNvPr id="169" name="Google Shape;169;p32"/>
-          <p:cNvSpPr txBox="1"/>
-          <p:nvPr/>
-        </p:nvSpPr>
-        <p:spPr>
-          <a:xfrm>
-            <a:off x="212475" y="81725"/>
-            <a:ext cx="2981100" cy="1108200"/>
-          </a:xfrm>
-          <a:prstGeom prst="rect">
-            <a:avLst/>
-          </a:prstGeom>
-          <a:noFill/>
-          <a:ln>
-            <a:noFill/>
-          </a:ln>
-        </p:spPr>
-        <p:txBody>
-          <a:bodyPr spcFirstLastPara="1" wrap="square" lIns="91425" tIns="91425" rIns="91425" bIns="91425" anchor="t" anchorCtr="0">
-            <a:noAutofit/>
-          </a:bodyPr>
-          <a:lstStyle/>
-          <a:p>
-            <a:pPr marL="0" lvl="0" indent="0" algn="l" rtl="0">
-              <a:spcBef>
-                <a:spcPts val="0"/>
-              </a:spcBef>
-              <a:spcAft>
-                <a:spcPts val="0"/>
-              </a:spcAft>
-              <a:buNone/>
-            </a:pPr>
-            <a:r>
-              <a:rPr lang="en" sz="2500">
-                <a:solidFill>
-                  <a:schemeClr val="dk2"/>
-                </a:solidFill>
-              </a:rPr>
-              <a:t>Table of Contents</a:t>
-            </a:r>
-            <a:endParaRPr sz="2500">
-              <a:solidFill>
-                <a:schemeClr val="dk2"/>
-              </a:solidFill>
-            </a:endParaRPr>
-          </a:p>
-        </p:txBody>
-      </p:sp>
-      <p:sp>
-        <p:nvSpPr>
-          <p:cNvPr id="170" name="Google Shape;170;p32"/>
-          <p:cNvSpPr txBox="1"/>
-          <p:nvPr/>
-        </p:nvSpPr>
-        <p:spPr>
-          <a:xfrm>
-            <a:off x="268300" y="767219"/>
-            <a:ext cx="8177374" cy="3610627"/>
-          </a:xfrm>
-          <a:prstGeom prst="rect">
-            <a:avLst/>
-          </a:prstGeom>
-          <a:noFill/>
-          <a:ln>
-            <a:noFill/>
-          </a:ln>
-        </p:spPr>
-        <p:txBody>
-          <a:bodyPr spcFirstLastPara="1" wrap="square" lIns="91425" tIns="91425" rIns="91425" bIns="91425" anchor="t" anchorCtr="0">
-            <a:noAutofit/>
-          </a:bodyPr>
-          <a:lstStyle/>
-          <a:p>
-            <a:pPr marL="457200" lvl="0" indent="-292100" algn="l" rtl="0">
-              <a:spcBef>
-                <a:spcPts val="0"/>
-              </a:spcBef>
-              <a:spcAft>
-                <a:spcPts val="0"/>
-              </a:spcAft>
-              <a:buClr>
-                <a:schemeClr val="dk1"/>
-              </a:buClr>
-              <a:buSzPts val="1000"/>
-              <a:buFont typeface="Times New Roman"/>
-              <a:buChar char="●"/>
-            </a:pPr>
-            <a:r>
-              <a:rPr lang="en" sz="1800" dirty="0">
-                <a:solidFill>
-                  <a:schemeClr val="dk1"/>
-                </a:solidFill>
-                <a:latin typeface="Times New Roman"/>
-                <a:ea typeface="Times New Roman"/>
-                <a:cs typeface="Times New Roman"/>
-                <a:sym typeface="Times New Roman"/>
-              </a:rPr>
-              <a:t>Introduction</a:t>
-            </a:r>
-            <a:endParaRPr sz="1800" dirty="0">
-              <a:solidFill>
-                <a:schemeClr val="dk1"/>
-              </a:solidFill>
-              <a:latin typeface="Times New Roman"/>
-              <a:ea typeface="Times New Roman"/>
-              <a:cs typeface="Times New Roman"/>
-              <a:sym typeface="Times New Roman"/>
-            </a:endParaRPr>
-          </a:p>
-          <a:p>
-            <a:pPr marL="457200" lvl="0" indent="-292100" algn="l" rtl="0">
-              <a:spcBef>
-                <a:spcPts val="0"/>
-              </a:spcBef>
-              <a:spcAft>
-                <a:spcPts val="0"/>
-              </a:spcAft>
-              <a:buClr>
-                <a:schemeClr val="dk1"/>
-              </a:buClr>
-              <a:buSzPts val="1000"/>
-              <a:buFont typeface="Times New Roman"/>
-              <a:buChar char="●"/>
-            </a:pPr>
-            <a:r>
-              <a:rPr lang="en" sz="1800" dirty="0">
-                <a:solidFill>
-                  <a:schemeClr val="dk1"/>
-                </a:solidFill>
-                <a:latin typeface="Times New Roman"/>
-                <a:ea typeface="Times New Roman"/>
-                <a:cs typeface="Times New Roman"/>
-                <a:sym typeface="Times New Roman"/>
-              </a:rPr>
-              <a:t>Data Cleaning and Preparation</a:t>
-            </a:r>
-            <a:endParaRPr sz="1800" dirty="0">
-              <a:solidFill>
-                <a:schemeClr val="dk1"/>
-              </a:solidFill>
-              <a:latin typeface="Times New Roman"/>
-              <a:ea typeface="Times New Roman"/>
-              <a:cs typeface="Times New Roman"/>
-              <a:sym typeface="Times New Roman"/>
-            </a:endParaRPr>
-          </a:p>
-          <a:p>
-            <a:pPr marL="457200" lvl="0" indent="-292100" algn="l" rtl="0">
-              <a:spcBef>
-                <a:spcPts val="0"/>
-              </a:spcBef>
-              <a:spcAft>
-                <a:spcPts val="0"/>
-              </a:spcAft>
-              <a:buClr>
-                <a:schemeClr val="dk1"/>
-              </a:buClr>
-              <a:buSzPts val="1000"/>
-              <a:buFont typeface="Times New Roman"/>
-              <a:buChar char="●"/>
-            </a:pPr>
-            <a:r>
-              <a:rPr lang="en" sz="1800" dirty="0">
-                <a:solidFill>
-                  <a:schemeClr val="dk1"/>
-                </a:solidFill>
-                <a:latin typeface="Times New Roman"/>
-                <a:ea typeface="Times New Roman"/>
-                <a:cs typeface="Times New Roman"/>
-                <a:sym typeface="Times New Roman"/>
-              </a:rPr>
-              <a:t>Exploratory Data Analysis</a:t>
-            </a:r>
-            <a:endParaRPr sz="1800" dirty="0">
-              <a:solidFill>
-                <a:schemeClr val="dk1"/>
-              </a:solidFill>
-              <a:latin typeface="Times New Roman"/>
-              <a:ea typeface="Times New Roman"/>
-              <a:cs typeface="Times New Roman"/>
-              <a:sym typeface="Times New Roman"/>
-            </a:endParaRPr>
-          </a:p>
-          <a:p>
-            <a:pPr marL="457200" lvl="0" indent="-292100" algn="l" rtl="0">
-              <a:spcBef>
-                <a:spcPts val="0"/>
-              </a:spcBef>
-              <a:spcAft>
-                <a:spcPts val="0"/>
-              </a:spcAft>
-              <a:buClr>
-                <a:schemeClr val="dk1"/>
-              </a:buClr>
-              <a:buSzPts val="1000"/>
-              <a:buFont typeface="Times New Roman"/>
-              <a:buChar char="●"/>
-            </a:pPr>
-            <a:r>
-              <a:rPr lang="en" sz="1800" dirty="0">
-                <a:solidFill>
-                  <a:schemeClr val="dk1"/>
-                </a:solidFill>
-                <a:latin typeface="Times New Roman"/>
-                <a:ea typeface="Times New Roman"/>
-                <a:cs typeface="Times New Roman"/>
-                <a:sym typeface="Times New Roman"/>
-              </a:rPr>
-              <a:t>Model Selection</a:t>
-            </a:r>
-          </a:p>
-          <a:p>
-            <a:pPr marL="457200" lvl="0" indent="-292100" algn="l" rtl="0">
-              <a:spcBef>
-                <a:spcPts val="0"/>
-              </a:spcBef>
-              <a:spcAft>
-                <a:spcPts val="0"/>
-              </a:spcAft>
-              <a:buClr>
-                <a:schemeClr val="dk1"/>
-              </a:buClr>
-              <a:buSzPts val="1000"/>
-              <a:buFont typeface="Times New Roman"/>
-              <a:buChar char="●"/>
-            </a:pPr>
-            <a:r>
-              <a:rPr lang="en" sz="1800" dirty="0">
-                <a:solidFill>
-                  <a:schemeClr val="dk1"/>
-                </a:solidFill>
-                <a:latin typeface="Times New Roman"/>
-                <a:ea typeface="Times New Roman"/>
-                <a:cs typeface="Times New Roman"/>
-                <a:sym typeface="Times New Roman"/>
-              </a:rPr>
-              <a:t>Support Vector Machine (SVM) Model</a:t>
-            </a:r>
-          </a:p>
-          <a:p>
-            <a:pPr marL="457200" lvl="0" indent="-292100" algn="l" rtl="0">
-              <a:spcBef>
-                <a:spcPts val="0"/>
-              </a:spcBef>
-              <a:spcAft>
-                <a:spcPts val="0"/>
-              </a:spcAft>
-              <a:buClr>
-                <a:schemeClr val="dk1"/>
-              </a:buClr>
-              <a:buSzPts val="1000"/>
-              <a:buFont typeface="Times New Roman"/>
-              <a:buChar char="●"/>
-            </a:pPr>
-            <a:r>
-              <a:rPr lang="en" sz="1800" dirty="0">
-                <a:solidFill>
-                  <a:schemeClr val="dk1"/>
-                </a:solidFill>
-                <a:latin typeface="Times New Roman"/>
-                <a:ea typeface="Times New Roman"/>
-                <a:cs typeface="Times New Roman"/>
-                <a:sym typeface="Times New Roman"/>
-              </a:rPr>
-              <a:t>Convolutional Neural Network (CNN) Model</a:t>
-            </a:r>
-          </a:p>
-          <a:p>
-            <a:pPr marL="457200" lvl="0" indent="-292100" algn="l" rtl="0">
-              <a:spcBef>
-                <a:spcPts val="0"/>
-              </a:spcBef>
-              <a:spcAft>
-                <a:spcPts val="0"/>
-              </a:spcAft>
-              <a:buClr>
-                <a:schemeClr val="dk1"/>
-              </a:buClr>
-              <a:buSzPts val="1000"/>
-              <a:buFont typeface="Times New Roman"/>
-              <a:buChar char="●"/>
-            </a:pPr>
-            <a:r>
-              <a:rPr lang="en" sz="1800" dirty="0">
-                <a:solidFill>
-                  <a:schemeClr val="dk1"/>
-                </a:solidFill>
-                <a:latin typeface="Times New Roman"/>
-                <a:ea typeface="Times New Roman"/>
-                <a:cs typeface="Times New Roman"/>
-                <a:sym typeface="Times New Roman"/>
-              </a:rPr>
-              <a:t>Bidirectional Long Short-Term Memory (LSTM) Model</a:t>
-            </a:r>
-            <a:endParaRPr sz="1800" dirty="0">
-              <a:solidFill>
-                <a:schemeClr val="dk1"/>
-              </a:solidFill>
-              <a:latin typeface="Times New Roman"/>
-              <a:ea typeface="Times New Roman"/>
-              <a:cs typeface="Times New Roman"/>
-              <a:sym typeface="Times New Roman"/>
-            </a:endParaRPr>
-          </a:p>
-          <a:p>
-            <a:pPr marL="457200" lvl="0" indent="-292100" algn="l" rtl="0">
-              <a:spcBef>
-                <a:spcPts val="0"/>
-              </a:spcBef>
-              <a:spcAft>
-                <a:spcPts val="0"/>
-              </a:spcAft>
-              <a:buClr>
-                <a:schemeClr val="dk1"/>
-              </a:buClr>
-              <a:buSzPts val="1000"/>
-              <a:buFont typeface="Times New Roman"/>
-              <a:buChar char="●"/>
-            </a:pPr>
-            <a:r>
-              <a:rPr lang="en" sz="1800" dirty="0">
-                <a:solidFill>
-                  <a:schemeClr val="dk1"/>
-                </a:solidFill>
-                <a:latin typeface="Times New Roman"/>
-                <a:ea typeface="Times New Roman"/>
-                <a:cs typeface="Times New Roman"/>
-                <a:sym typeface="Times New Roman"/>
-              </a:rPr>
-              <a:t>Model Analysis</a:t>
-            </a:r>
-            <a:endParaRPr sz="1800" dirty="0">
-              <a:solidFill>
-                <a:schemeClr val="dk1"/>
-              </a:solidFill>
-              <a:latin typeface="Times New Roman"/>
-              <a:ea typeface="Times New Roman"/>
-              <a:cs typeface="Times New Roman"/>
-              <a:sym typeface="Times New Roman"/>
-            </a:endParaRPr>
-          </a:p>
-          <a:p>
-            <a:pPr marL="457200" lvl="0" indent="-292100" algn="l" rtl="0">
-              <a:spcBef>
-                <a:spcPts val="0"/>
-              </a:spcBef>
-              <a:spcAft>
-                <a:spcPts val="0"/>
-              </a:spcAft>
-              <a:buClr>
-                <a:schemeClr val="dk1"/>
-              </a:buClr>
-              <a:buSzPts val="1000"/>
-              <a:buFont typeface="Times New Roman"/>
-              <a:buChar char="●"/>
-            </a:pPr>
-            <a:r>
-              <a:rPr lang="en" sz="1800" dirty="0">
-                <a:solidFill>
-                  <a:schemeClr val="dk1"/>
-                </a:solidFill>
-                <a:latin typeface="Times New Roman"/>
-                <a:ea typeface="Times New Roman"/>
-                <a:cs typeface="Times New Roman"/>
-                <a:sym typeface="Times New Roman"/>
-              </a:rPr>
-              <a:t>Conclusion and Recommendations</a:t>
-            </a:r>
-            <a:endParaRPr sz="1800" dirty="0">
-              <a:solidFill>
-                <a:schemeClr val="dk1"/>
-              </a:solidFill>
-              <a:latin typeface="Times New Roman"/>
-              <a:ea typeface="Times New Roman"/>
-              <a:cs typeface="Times New Roman"/>
-              <a:sym typeface="Times New Roman"/>
-            </a:endParaRPr>
-          </a:p>
-          <a:p>
-            <a:pPr marL="457200" lvl="0" indent="-292100" algn="l" rtl="0">
-              <a:spcBef>
-                <a:spcPts val="0"/>
-              </a:spcBef>
-              <a:spcAft>
-                <a:spcPts val="0"/>
-              </a:spcAft>
-              <a:buClr>
-                <a:schemeClr val="dk1"/>
-              </a:buClr>
-              <a:buSzPts val="1000"/>
-              <a:buFont typeface="Times New Roman"/>
-              <a:buChar char="●"/>
-            </a:pPr>
-            <a:r>
-              <a:rPr lang="en" sz="1800" dirty="0">
-                <a:solidFill>
-                  <a:schemeClr val="dk1"/>
-                </a:solidFill>
-                <a:latin typeface="Times New Roman"/>
-                <a:ea typeface="Times New Roman"/>
-                <a:cs typeface="Times New Roman"/>
-                <a:sym typeface="Times New Roman"/>
-              </a:rPr>
-              <a:t>Collaboration Chart</a:t>
-            </a:r>
-            <a:endParaRPr sz="1800" dirty="0">
-              <a:solidFill>
-                <a:schemeClr val="dk1"/>
-              </a:solidFill>
-              <a:latin typeface="Times New Roman"/>
-              <a:ea typeface="Times New Roman"/>
-              <a:cs typeface="Times New Roman"/>
-              <a:sym typeface="Times New Roman"/>
-            </a:endParaRPr>
-          </a:p>
-        </p:txBody>
-      </p:sp>
     </p:spTree>
   </p:cSld>
   <p:clrMapOvr>
@@ -21984,7 +23656,7 @@
                 <a:cs typeface="Arial"/>
                 <a:sym typeface="Arial"/>
               </a:rPr>
-              <a:t>Support Vector Machine Model</a:t>
+              <a:t>Support Vector Machine Model (SVM)</a:t>
             </a:r>
             <a:endParaRPr sz="2500" b="0" i="0" u="none" strike="noStrike" cap="none" dirty="0">
               <a:solidFill>
@@ -21998,7 +23670,87 @@
           </a:p>
         </p:txBody>
       </p:sp>
+      <p:sp>
+        <p:nvSpPr>
+          <p:cNvPr id="2" name="TextBox 1">
+            <a:extLst>
+              <a:ext uri="{FF2B5EF4-FFF2-40B4-BE49-F238E27FC236}">
+                <a16:creationId xmlns:a16="http://schemas.microsoft.com/office/drawing/2014/main" id="{8F4F86B2-1593-43E7-A707-C3A7FD4FBCBD}"/>
+              </a:ext>
+            </a:extLst>
+          </p:cNvPr>
+          <p:cNvSpPr txBox="1"/>
+          <p:nvPr/>
+        </p:nvSpPr>
+        <p:spPr>
+          <a:xfrm>
+            <a:off x="5024392" y="1400375"/>
+            <a:ext cx="3919771" cy="307777"/>
+          </a:xfrm>
+          <a:prstGeom prst="rect">
+            <a:avLst/>
+          </a:prstGeom>
+          <a:noFill/>
+        </p:spPr>
+        <p:txBody>
+          <a:bodyPr wrap="square" rtlCol="0">
+            <a:spAutoFit/>
+          </a:bodyPr>
+          <a:lstStyle/>
+          <a:p>
+            <a:pPr marL="285750" indent="-285750">
+              <a:buFont typeface="Arial" panose="020B0604020202020204" pitchFamily="34" charset="0"/>
+              <a:buChar char="•"/>
+            </a:pPr>
+            <a:r>
+              <a:rPr lang="en-US" dirty="0" err="1"/>
+              <a:t>sklearn.linear_model.SGDClassifier</a:t>
+            </a:r>
+            <a:endParaRPr lang="en-US" dirty="0"/>
+          </a:p>
+        </p:txBody>
+      </p:sp>
+      <p:sp>
+        <p:nvSpPr>
+          <p:cNvPr id="3" name="TextBox 2">
+            <a:extLst>
+              <a:ext uri="{FF2B5EF4-FFF2-40B4-BE49-F238E27FC236}">
+                <a16:creationId xmlns:a16="http://schemas.microsoft.com/office/drawing/2014/main" id="{74C40610-E3F0-49C6-B832-81116A3E4286}"/>
+              </a:ext>
+            </a:extLst>
+          </p:cNvPr>
+          <p:cNvSpPr txBox="1"/>
+          <p:nvPr/>
+        </p:nvSpPr>
+        <p:spPr>
+          <a:xfrm>
+            <a:off x="1042288" y="1304459"/>
+            <a:ext cx="3077321" cy="307777"/>
+          </a:xfrm>
+          <a:prstGeom prst="rect">
+            <a:avLst/>
+          </a:prstGeom>
+          <a:noFill/>
+        </p:spPr>
+        <p:txBody>
+          <a:bodyPr wrap="square" rtlCol="0">
+            <a:spAutoFit/>
+          </a:bodyPr>
+          <a:lstStyle/>
+          <a:p>
+            <a:r>
+              <a:rPr lang="en-US" dirty="0"/>
+              <a:t>Insert picture here</a:t>
+            </a:r>
+          </a:p>
+        </p:txBody>
+      </p:sp>
     </p:spTree>
+    <p:extLst>
+      <p:ext uri="{BB962C8B-B14F-4D97-AF65-F5344CB8AC3E}">
+        <p14:creationId xmlns:p14="http://schemas.microsoft.com/office/powerpoint/2010/main" val="2504713329"/>
+      </p:ext>
+    </p:extLst>
   </p:cSld>
   <p:clrMapOvr>
     <a:masterClrMapping/>
@@ -22011,7 +23763,7 @@
   <p:cSld>
     <p:spTree>
       <p:nvGrpSpPr>
-        <p:cNvPr id="1" name="Shape 219"/>
+        <p:cNvPr id="1" name="Shape 211"/>
         <p:cNvGrpSpPr/>
         <p:nvPr/>
       </p:nvGrpSpPr>
@@ -22025,14 +23777,14 @@
       </p:grpSpPr>
       <p:sp>
         <p:nvSpPr>
-          <p:cNvPr id="220" name="Google Shape;220;p39"/>
+          <p:cNvPr id="212" name="Google Shape;212;p38"/>
           <p:cNvSpPr txBox="1"/>
           <p:nvPr/>
         </p:nvSpPr>
         <p:spPr>
           <a:xfrm>
             <a:off x="212474" y="81725"/>
-            <a:ext cx="8871000" cy="1108200"/>
+            <a:ext cx="8731689" cy="1108200"/>
           </a:xfrm>
           <a:prstGeom prst="rect">
             <a:avLst/>
@@ -22075,7 +23827,15 @@
                 <a:cs typeface="Arial"/>
                 <a:sym typeface="Arial"/>
               </a:rPr>
-              <a:t>Convolutional Neural Network Model</a:t>
+              <a:t>SVM</a:t>
+            </a:r>
+            <a:r>
+              <a:rPr lang="en" sz="2500" dirty="0">
+                <a:solidFill>
+                  <a:schemeClr val="dk2"/>
+                </a:solidFill>
+              </a:rPr>
+              <a:t>: Data Preparation</a:t>
             </a:r>
             <a:endParaRPr sz="2500" b="0" i="0" u="none" strike="noStrike" cap="none" dirty="0">
               <a:solidFill>
@@ -22086,6 +23846,106 @@
               <a:cs typeface="Arial"/>
               <a:sym typeface="Arial"/>
             </a:endParaRPr>
+          </a:p>
+        </p:txBody>
+      </p:sp>
+      <p:pic>
+        <p:nvPicPr>
+          <p:cNvPr id="2" name="Picture 1">
+            <a:extLst>
+              <a:ext uri="{FF2B5EF4-FFF2-40B4-BE49-F238E27FC236}">
+                <a16:creationId xmlns:a16="http://schemas.microsoft.com/office/drawing/2014/main" id="{FFC0C7AD-6AC2-4766-9139-63ACC5712F93}"/>
+              </a:ext>
+            </a:extLst>
+          </p:cNvPr>
+          <p:cNvPicPr>
+            <a:picLocks noChangeAspect="1"/>
+          </p:cNvPicPr>
+          <p:nvPr/>
+        </p:nvPicPr>
+        <p:blipFill>
+          <a:blip r:embed="rId3"/>
+          <a:stretch>
+            <a:fillRect/>
+          </a:stretch>
+        </p:blipFill>
+        <p:spPr>
+          <a:xfrm>
+            <a:off x="3581489" y="1189925"/>
+            <a:ext cx="5280535" cy="3271837"/>
+          </a:xfrm>
+          <a:prstGeom prst="rect">
+            <a:avLst/>
+          </a:prstGeom>
+        </p:spPr>
+      </p:pic>
+      <p:sp>
+        <p:nvSpPr>
+          <p:cNvPr id="3" name="TextBox 2">
+            <a:extLst>
+              <a:ext uri="{FF2B5EF4-FFF2-40B4-BE49-F238E27FC236}">
+                <a16:creationId xmlns:a16="http://schemas.microsoft.com/office/drawing/2014/main" id="{B4ECC0A4-3E68-4E3D-A581-EF74CF068643}"/>
+              </a:ext>
+            </a:extLst>
+          </p:cNvPr>
+          <p:cNvSpPr txBox="1"/>
+          <p:nvPr/>
+        </p:nvSpPr>
+        <p:spPr>
+          <a:xfrm>
+            <a:off x="549919" y="1093443"/>
+            <a:ext cx="2429874" cy="523220"/>
+          </a:xfrm>
+          <a:prstGeom prst="rect">
+            <a:avLst/>
+          </a:prstGeom>
+          <a:noFill/>
+        </p:spPr>
+        <p:txBody>
+          <a:bodyPr wrap="square" rtlCol="0">
+            <a:spAutoFit/>
+          </a:bodyPr>
+          <a:lstStyle/>
+          <a:p>
+            <a:r>
+              <a:rPr lang="en-US" dirty="0"/>
+              <a:t>Insert image here data pre standardization</a:t>
+            </a:r>
+          </a:p>
+        </p:txBody>
+      </p:sp>
+      <p:sp>
+        <p:nvSpPr>
+          <p:cNvPr id="5" name="TextBox 4">
+            <a:extLst>
+              <a:ext uri="{FF2B5EF4-FFF2-40B4-BE49-F238E27FC236}">
+                <a16:creationId xmlns:a16="http://schemas.microsoft.com/office/drawing/2014/main" id="{8C0BC53D-0CDA-444E-B384-B175BCAA7E40}"/>
+              </a:ext>
+            </a:extLst>
+          </p:cNvPr>
+          <p:cNvSpPr txBox="1"/>
+          <p:nvPr/>
+        </p:nvSpPr>
+        <p:spPr>
+          <a:xfrm>
+            <a:off x="549919" y="2703768"/>
+            <a:ext cx="2429874" cy="523220"/>
+          </a:xfrm>
+          <a:prstGeom prst="rect">
+            <a:avLst/>
+          </a:prstGeom>
+          <a:noFill/>
+        </p:spPr>
+        <p:txBody>
+          <a:bodyPr wrap="square" rtlCol="0">
+            <a:spAutoFit/>
+          </a:bodyPr>
+          <a:lstStyle/>
+          <a:p>
+            <a:r>
+              <a:rPr lang="en-US" dirty="0"/>
+              <a:t>Insert image here data post standardization</a:t>
+            </a:r>
           </a:p>
         </p:txBody>
       </p:sp>

--- a/AAI_501_Final_Project_Presentation_Group6_r1.pptx
+++ b/AAI_501_Final_Project_Presentation_Group6_r1.pptx
@@ -6,7 +6,7 @@
     <p:sldMasterId id="2147483677" r:id="rId2"/>
   </p:sldMasterIdLst>
   <p:notesMasterIdLst>
-    <p:notesMasterId r:id="rId24"/>
+    <p:notesMasterId r:id="rId25"/>
   </p:notesMasterIdLst>
   <p:sldIdLst>
     <p:sldId id="256" r:id="rId3"/>
@@ -19,27 +19,28 @@
     <p:sldId id="272" r:id="rId10"/>
     <p:sldId id="263" r:id="rId11"/>
     <p:sldId id="273" r:id="rId12"/>
-    <p:sldId id="274" r:id="rId13"/>
+    <p:sldId id="278" r:id="rId13"/>
     <p:sldId id="275" r:id="rId14"/>
-    <p:sldId id="276" r:id="rId15"/>
-    <p:sldId id="277" r:id="rId16"/>
-    <p:sldId id="264" r:id="rId17"/>
-    <p:sldId id="265" r:id="rId18"/>
-    <p:sldId id="267" r:id="rId19"/>
-    <p:sldId id="268" r:id="rId20"/>
-    <p:sldId id="269" r:id="rId21"/>
-    <p:sldId id="270" r:id="rId22"/>
-    <p:sldId id="271" r:id="rId23"/>
+    <p:sldId id="279" r:id="rId15"/>
+    <p:sldId id="280" r:id="rId16"/>
+    <p:sldId id="281" r:id="rId17"/>
+    <p:sldId id="264" r:id="rId18"/>
+    <p:sldId id="265" r:id="rId19"/>
+    <p:sldId id="267" r:id="rId20"/>
+    <p:sldId id="268" r:id="rId21"/>
+    <p:sldId id="269" r:id="rId22"/>
+    <p:sldId id="270" r:id="rId23"/>
+    <p:sldId id="271" r:id="rId24"/>
   </p:sldIdLst>
   <p:sldSz cx="9144000" cy="5143500" type="screen16x9"/>
   <p:notesSz cx="6858000" cy="9144000"/>
   <p:embeddedFontLst>
     <p:embeddedFont>
       <p:font typeface="Arial Narrow" panose="020B0606020202030204" pitchFamily="34" charset="0"/>
-      <p:regular r:id="rId25"/>
-      <p:bold r:id="rId26"/>
-      <p:italic r:id="rId27"/>
-      <p:boldItalic r:id="rId28"/>
+      <p:regular r:id="rId26"/>
+      <p:bold r:id="rId27"/>
+      <p:italic r:id="rId28"/>
+      <p:boldItalic r:id="rId29"/>
     </p:embeddedFont>
   </p:embeddedFontLst>
   <p:defaultTextStyle>
@@ -1079,7 +1080,7 @@
     </p:spTree>
     <p:extLst>
       <p:ext uri="{BB962C8B-B14F-4D97-AF65-F5344CB8AC3E}">
-        <p14:creationId xmlns:p14="http://schemas.microsoft.com/office/powerpoint/2010/main" val="1665200877"/>
+        <p14:creationId xmlns:p14="http://schemas.microsoft.com/office/powerpoint/2010/main" val="191133035"/>
       </p:ext>
     </p:extLst>
   </p:cSld>
@@ -1333,7 +1334,7 @@
     </p:spTree>
     <p:extLst>
       <p:ext uri="{BB962C8B-B14F-4D97-AF65-F5344CB8AC3E}">
-        <p14:creationId xmlns:p14="http://schemas.microsoft.com/office/powerpoint/2010/main" val="2691717927"/>
+        <p14:creationId xmlns:p14="http://schemas.microsoft.com/office/powerpoint/2010/main" val="2758882905"/>
       </p:ext>
     </p:extLst>
   </p:cSld>
@@ -1460,7 +1461,7 @@
     </p:spTree>
     <p:extLst>
       <p:ext uri="{BB962C8B-B14F-4D97-AF65-F5344CB8AC3E}">
-        <p14:creationId xmlns:p14="http://schemas.microsoft.com/office/powerpoint/2010/main" val="1234573276"/>
+        <p14:creationId xmlns:p14="http://schemas.microsoft.com/office/powerpoint/2010/main" val="4105957736"/>
       </p:ext>
     </p:extLst>
   </p:cSld>
@@ -1471,6 +1472,133 @@
 </file>
 
 <file path=ppt/notesSlides/notesSlide15.xml><?xml version="1.0" encoding="utf-8"?>
+<p:notes xmlns:a="http://schemas.openxmlformats.org/drawingml/2006/main" xmlns:r="http://schemas.openxmlformats.org/officeDocument/2006/relationships" xmlns:p="http://schemas.openxmlformats.org/presentationml/2006/main" showMasterSp="0" showMasterPhAnim="0">
+  <p:cSld>
+    <p:spTree>
+      <p:nvGrpSpPr>
+        <p:cNvPr id="1" name="Shape 208"/>
+        <p:cNvGrpSpPr/>
+        <p:nvPr/>
+      </p:nvGrpSpPr>
+      <p:grpSpPr>
+        <a:xfrm>
+          <a:off x="0" y="0"/>
+          <a:ext cx="0" cy="0"/>
+          <a:chOff x="0" y="0"/>
+          <a:chExt cx="0" cy="0"/>
+        </a:xfrm>
+      </p:grpSpPr>
+      <p:sp>
+        <p:nvSpPr>
+          <p:cNvPr id="209" name="Google Shape;209;g2e7784e3c3e_3_90:notes"/>
+          <p:cNvSpPr>
+            <a:spLocks noGrp="1" noRot="1" noChangeAspect="1"/>
+          </p:cNvSpPr>
+          <p:nvPr>
+            <p:ph type="sldImg" idx="2"/>
+          </p:nvPr>
+        </p:nvSpPr>
+        <p:spPr>
+          <a:xfrm>
+            <a:off x="382588" y="685800"/>
+            <a:ext cx="6094412" cy="3429000"/>
+          </a:xfrm>
+          <a:custGeom>
+            <a:avLst/>
+            <a:gdLst/>
+            <a:ahLst/>
+            <a:cxnLst/>
+            <a:rect l="l" t="t" r="r" b="b"/>
+            <a:pathLst>
+              <a:path w="120000" h="120000" extrusionOk="0">
+                <a:moveTo>
+                  <a:pt x="0" y="0"/>
+                </a:moveTo>
+                <a:lnTo>
+                  <a:pt x="120000" y="0"/>
+                </a:lnTo>
+                <a:lnTo>
+                  <a:pt x="120000" y="120000"/>
+                </a:lnTo>
+                <a:lnTo>
+                  <a:pt x="0" y="120000"/>
+                </a:lnTo>
+                <a:close/>
+              </a:path>
+            </a:pathLst>
+          </a:custGeom>
+          <a:noFill/>
+          <a:ln w="9525" cap="flat" cmpd="sng">
+            <a:solidFill>
+              <a:srgbClr val="000000"/>
+            </a:solidFill>
+            <a:prstDash val="solid"/>
+            <a:round/>
+            <a:headEnd type="none" w="sm" len="sm"/>
+            <a:tailEnd type="none" w="sm" len="sm"/>
+          </a:ln>
+        </p:spPr>
+      </p:sp>
+      <p:sp>
+        <p:nvSpPr>
+          <p:cNvPr id="210" name="Google Shape;210;g2e7784e3c3e_3_90:notes"/>
+          <p:cNvSpPr txBox="1">
+            <a:spLocks noGrp="1"/>
+          </p:cNvSpPr>
+          <p:nvPr>
+            <p:ph type="body" idx="1"/>
+          </p:nvPr>
+        </p:nvSpPr>
+        <p:spPr>
+          <a:xfrm>
+            <a:off x="685800" y="4343400"/>
+            <a:ext cx="5486400" cy="4114800"/>
+          </a:xfrm>
+          <a:prstGeom prst="rect">
+            <a:avLst/>
+          </a:prstGeom>
+          <a:noFill/>
+          <a:ln>
+            <a:noFill/>
+          </a:ln>
+        </p:spPr>
+        <p:txBody>
+          <a:bodyPr spcFirstLastPara="1" wrap="square" lIns="91225" tIns="91225" rIns="91225" bIns="91225" anchor="t" anchorCtr="0">
+            <a:noAutofit/>
+          </a:bodyPr>
+          <a:lstStyle/>
+          <a:p>
+            <a:pPr marL="0" lvl="0" indent="0" algn="l" rtl="0">
+              <a:lnSpc>
+                <a:spcPct val="100000"/>
+              </a:lnSpc>
+              <a:spcBef>
+                <a:spcPts val="0"/>
+              </a:spcBef>
+              <a:spcAft>
+                <a:spcPts val="0"/>
+              </a:spcAft>
+              <a:buSzPts val="1100"/>
+              <a:buNone/>
+            </a:pPr>
+            <a:endParaRPr sz="1400"/>
+          </a:p>
+        </p:txBody>
+      </p:sp>
+    </p:spTree>
+    <p:extLst>
+      <p:ext uri="{BB962C8B-B14F-4D97-AF65-F5344CB8AC3E}">
+        <p14:creationId xmlns:p14="http://schemas.microsoft.com/office/powerpoint/2010/main" val="2318412461"/>
+      </p:ext>
+    </p:extLst>
+  </p:cSld>
+  <p:clrMapOvr>
+    <a:masterClrMapping/>
+  </p:clrMapOvr>
+</p:notes>
+</file>
+
+<file path=ppt/notesSlides/notesSlide16.xml><?xml version="1.0" encoding="utf-8"?>
 <p:notes xmlns:a="http://schemas.openxmlformats.org/drawingml/2006/main" xmlns:r="http://schemas.openxmlformats.org/officeDocument/2006/relationships" xmlns:p="http://schemas.openxmlformats.org/presentationml/2006/main" showMasterSp="0" showMasterPhAnim="0">
   <p:cSld>
     <p:spTree>
@@ -1592,7 +1720,7 @@
 </p:notes>
 </file>
 
-<file path=ppt/notesSlides/notesSlide16.xml><?xml version="1.0" encoding="utf-8"?>
+<file path=ppt/notesSlides/notesSlide17.xml><?xml version="1.0" encoding="utf-8"?>
 <p:notes xmlns:a="http://schemas.openxmlformats.org/drawingml/2006/main" xmlns:r="http://schemas.openxmlformats.org/officeDocument/2006/relationships" xmlns:p="http://schemas.openxmlformats.org/presentationml/2006/main" showMasterSp="0" showMasterPhAnim="0">
   <p:cSld>
     <p:spTree>
@@ -1714,7 +1842,7 @@
 </p:notes>
 </file>
 
-<file path=ppt/notesSlides/notesSlide17.xml><?xml version="1.0" encoding="utf-8"?>
+<file path=ppt/notesSlides/notesSlide18.xml><?xml version="1.0" encoding="utf-8"?>
 <p:notes xmlns:a="http://schemas.openxmlformats.org/drawingml/2006/main" xmlns:r="http://schemas.openxmlformats.org/officeDocument/2006/relationships" xmlns:p="http://schemas.openxmlformats.org/presentationml/2006/main" showMasterSp="0" showMasterPhAnim="0">
   <p:cSld>
     <p:spTree>
@@ -1818,7 +1946,7 @@
 </p:notes>
 </file>
 
-<file path=ppt/notesSlides/notesSlide18.xml><?xml version="1.0" encoding="utf-8"?>
+<file path=ppt/notesSlides/notesSlide19.xml><?xml version="1.0" encoding="utf-8"?>
 <p:notes xmlns:a="http://schemas.openxmlformats.org/drawingml/2006/main" xmlns:r="http://schemas.openxmlformats.org/officeDocument/2006/relationships" xmlns:p="http://schemas.openxmlformats.org/presentationml/2006/main" showMasterSp="0" showMasterPhAnim="0">
   <p:cSld>
     <p:spTree>
@@ -1940,110 +2068,6 @@
 </p:notes>
 </file>
 
-<file path=ppt/notesSlides/notesSlide19.xml><?xml version="1.0" encoding="utf-8"?>
-<p:notes xmlns:a="http://schemas.openxmlformats.org/drawingml/2006/main" xmlns:r="http://schemas.openxmlformats.org/officeDocument/2006/relationships" xmlns:p="http://schemas.openxmlformats.org/presentationml/2006/main" showMasterSp="0" showMasterPhAnim="0">
-  <p:cSld>
-    <p:spTree>
-      <p:nvGrpSpPr>
-        <p:cNvPr id="1" name="Shape 254"/>
-        <p:cNvGrpSpPr/>
-        <p:nvPr/>
-      </p:nvGrpSpPr>
-      <p:grpSpPr>
-        <a:xfrm>
-          <a:off x="0" y="0"/>
-          <a:ext cx="0" cy="0"/>
-          <a:chOff x="0" y="0"/>
-          <a:chExt cx="0" cy="0"/>
-        </a:xfrm>
-      </p:grpSpPr>
-      <p:sp>
-        <p:nvSpPr>
-          <p:cNvPr id="255" name="Google Shape;255;g272c404b40e_0_31:notes"/>
-          <p:cNvSpPr>
-            <a:spLocks noGrp="1" noRot="1" noChangeAspect="1"/>
-          </p:cNvSpPr>
-          <p:nvPr>
-            <p:ph type="sldImg" idx="2"/>
-          </p:nvPr>
-        </p:nvSpPr>
-        <p:spPr>
-          <a:xfrm>
-            <a:off x="381000" y="685800"/>
-            <a:ext cx="6096000" cy="3429000"/>
-          </a:xfrm>
-          <a:custGeom>
-            <a:avLst/>
-            <a:gdLst/>
-            <a:ahLst/>
-            <a:cxnLst/>
-            <a:rect l="l" t="t" r="r" b="b"/>
-            <a:pathLst>
-              <a:path w="120000" h="120000" extrusionOk="0">
-                <a:moveTo>
-                  <a:pt x="0" y="0"/>
-                </a:moveTo>
-                <a:lnTo>
-                  <a:pt x="120000" y="0"/>
-                </a:lnTo>
-                <a:lnTo>
-                  <a:pt x="120000" y="120000"/>
-                </a:lnTo>
-                <a:lnTo>
-                  <a:pt x="0" y="120000"/>
-                </a:lnTo>
-                <a:close/>
-              </a:path>
-            </a:pathLst>
-          </a:custGeom>
-        </p:spPr>
-      </p:sp>
-      <p:sp>
-        <p:nvSpPr>
-          <p:cNvPr id="256" name="Google Shape;256;g272c404b40e_0_31:notes"/>
-          <p:cNvSpPr txBox="1">
-            <a:spLocks noGrp="1"/>
-          </p:cNvSpPr>
-          <p:nvPr>
-            <p:ph type="body" idx="1"/>
-          </p:nvPr>
-        </p:nvSpPr>
-        <p:spPr>
-          <a:xfrm>
-            <a:off x="685800" y="4343400"/>
-            <a:ext cx="5486400" cy="4114800"/>
-          </a:xfrm>
-          <a:prstGeom prst="rect">
-            <a:avLst/>
-          </a:prstGeom>
-        </p:spPr>
-        <p:txBody>
-          <a:bodyPr spcFirstLastPara="1" wrap="square" lIns="91425" tIns="91425" rIns="91425" bIns="91425" anchor="t" anchorCtr="0">
-            <a:noAutofit/>
-          </a:bodyPr>
-          <a:lstStyle/>
-          <a:p>
-            <a:pPr marL="0" lvl="0" indent="0" algn="l" rtl="0">
-              <a:spcBef>
-                <a:spcPts val="0"/>
-              </a:spcBef>
-              <a:spcAft>
-                <a:spcPts val="0"/>
-              </a:spcAft>
-              <a:buNone/>
-            </a:pPr>
-            <a:endParaRPr/>
-          </a:p>
-        </p:txBody>
-      </p:sp>
-    </p:spTree>
-  </p:cSld>
-  <p:clrMapOvr>
-    <a:masterClrMapping/>
-  </p:clrMapOvr>
-</p:notes>
-</file>
-
 <file path=ppt/notesSlides/notesSlide2.xml><?xml version="1.0" encoding="utf-8"?>
 <p:notes xmlns:a="http://schemas.openxmlformats.org/drawingml/2006/main" xmlns:r="http://schemas.openxmlformats.org/officeDocument/2006/relationships" xmlns:p="http://schemas.openxmlformats.org/presentationml/2006/main" showMasterSp="0" showMasterPhAnim="0">
   <p:cSld>
@@ -2149,6 +2173,110 @@
 </file>
 
 <file path=ppt/notesSlides/notesSlide20.xml><?xml version="1.0" encoding="utf-8"?>
+<p:notes xmlns:a="http://schemas.openxmlformats.org/drawingml/2006/main" xmlns:r="http://schemas.openxmlformats.org/officeDocument/2006/relationships" xmlns:p="http://schemas.openxmlformats.org/presentationml/2006/main" showMasterSp="0" showMasterPhAnim="0">
+  <p:cSld>
+    <p:spTree>
+      <p:nvGrpSpPr>
+        <p:cNvPr id="1" name="Shape 254"/>
+        <p:cNvGrpSpPr/>
+        <p:nvPr/>
+      </p:nvGrpSpPr>
+      <p:grpSpPr>
+        <a:xfrm>
+          <a:off x="0" y="0"/>
+          <a:ext cx="0" cy="0"/>
+          <a:chOff x="0" y="0"/>
+          <a:chExt cx="0" cy="0"/>
+        </a:xfrm>
+      </p:grpSpPr>
+      <p:sp>
+        <p:nvSpPr>
+          <p:cNvPr id="255" name="Google Shape;255;g272c404b40e_0_31:notes"/>
+          <p:cNvSpPr>
+            <a:spLocks noGrp="1" noRot="1" noChangeAspect="1"/>
+          </p:cNvSpPr>
+          <p:nvPr>
+            <p:ph type="sldImg" idx="2"/>
+          </p:nvPr>
+        </p:nvSpPr>
+        <p:spPr>
+          <a:xfrm>
+            <a:off x="381000" y="685800"/>
+            <a:ext cx="6096000" cy="3429000"/>
+          </a:xfrm>
+          <a:custGeom>
+            <a:avLst/>
+            <a:gdLst/>
+            <a:ahLst/>
+            <a:cxnLst/>
+            <a:rect l="l" t="t" r="r" b="b"/>
+            <a:pathLst>
+              <a:path w="120000" h="120000" extrusionOk="0">
+                <a:moveTo>
+                  <a:pt x="0" y="0"/>
+                </a:moveTo>
+                <a:lnTo>
+                  <a:pt x="120000" y="0"/>
+                </a:lnTo>
+                <a:lnTo>
+                  <a:pt x="120000" y="120000"/>
+                </a:lnTo>
+                <a:lnTo>
+                  <a:pt x="0" y="120000"/>
+                </a:lnTo>
+                <a:close/>
+              </a:path>
+            </a:pathLst>
+          </a:custGeom>
+        </p:spPr>
+      </p:sp>
+      <p:sp>
+        <p:nvSpPr>
+          <p:cNvPr id="256" name="Google Shape;256;g272c404b40e_0_31:notes"/>
+          <p:cNvSpPr txBox="1">
+            <a:spLocks noGrp="1"/>
+          </p:cNvSpPr>
+          <p:nvPr>
+            <p:ph type="body" idx="1"/>
+          </p:nvPr>
+        </p:nvSpPr>
+        <p:spPr>
+          <a:xfrm>
+            <a:off x="685800" y="4343400"/>
+            <a:ext cx="5486400" cy="4114800"/>
+          </a:xfrm>
+          <a:prstGeom prst="rect">
+            <a:avLst/>
+          </a:prstGeom>
+        </p:spPr>
+        <p:txBody>
+          <a:bodyPr spcFirstLastPara="1" wrap="square" lIns="91425" tIns="91425" rIns="91425" bIns="91425" anchor="t" anchorCtr="0">
+            <a:noAutofit/>
+          </a:bodyPr>
+          <a:lstStyle/>
+          <a:p>
+            <a:pPr marL="0" lvl="0" indent="0" algn="l" rtl="0">
+              <a:spcBef>
+                <a:spcPts val="0"/>
+              </a:spcBef>
+              <a:spcAft>
+                <a:spcPts val="0"/>
+              </a:spcAft>
+              <a:buNone/>
+            </a:pPr>
+            <a:endParaRPr/>
+          </a:p>
+        </p:txBody>
+      </p:sp>
+    </p:spTree>
+  </p:cSld>
+  <p:clrMapOvr>
+    <a:masterClrMapping/>
+  </p:clrMapOvr>
+</p:notes>
+</file>
+
+<file path=ppt/notesSlides/notesSlide21.xml><?xml version="1.0" encoding="utf-8"?>
 <p:notes xmlns:a="http://schemas.openxmlformats.org/drawingml/2006/main" xmlns:r="http://schemas.openxmlformats.org/officeDocument/2006/relationships" xmlns:p="http://schemas.openxmlformats.org/presentationml/2006/main" showMasterSp="0" showMasterPhAnim="0">
   <p:cSld>
     <p:spTree>
@@ -2270,7 +2398,7 @@
 </p:notes>
 </file>
 
-<file path=ppt/notesSlides/notesSlide21.xml><?xml version="1.0" encoding="utf-8"?>
+<file path=ppt/notesSlides/notesSlide22.xml><?xml version="1.0" encoding="utf-8"?>
 <p:notes xmlns:a="http://schemas.openxmlformats.org/drawingml/2006/main" xmlns:r="http://schemas.openxmlformats.org/officeDocument/2006/relationships" xmlns:p="http://schemas.openxmlformats.org/presentationml/2006/main" showMasterSp="0" showMasterPhAnim="0">
   <p:cSld>
     <p:spTree>
@@ -19849,8 +19977,8 @@
         </p:nvSpPr>
         <p:spPr>
           <a:xfrm>
-            <a:off x="876033" y="1639069"/>
-            <a:ext cx="2429874" cy="307777"/>
+            <a:off x="741751" y="850504"/>
+            <a:ext cx="2429874" cy="2677656"/>
           </a:xfrm>
           <a:prstGeom prst="rect">
             <a:avLst/>
@@ -19864,8 +19992,85 @@
           <a:lstStyle/>
           <a:p>
             <a:r>
+              <a:rPr lang="en-US" u="sng" dirty="0"/>
+              <a:t>Default parameters</a:t>
+            </a:r>
+          </a:p>
+          <a:p>
+            <a:endParaRPr lang="en-US" dirty="0"/>
+          </a:p>
+          <a:p>
+            <a:endParaRPr lang="en-US" dirty="0"/>
+          </a:p>
+          <a:p>
+            <a:endParaRPr lang="en-US" dirty="0"/>
+          </a:p>
+          <a:p>
+            <a:r>
               <a:rPr lang="en-US" dirty="0"/>
-              <a:t>List default parameters</a:t>
+              <a:t>loss: hinge</a:t>
+            </a:r>
+          </a:p>
+          <a:p>
+            <a:r>
+              <a:rPr lang="en-US" dirty="0"/>
+              <a:t>alpha: 1e-4</a:t>
+            </a:r>
+          </a:p>
+          <a:p>
+            <a:r>
+              <a:rPr lang="en-US" dirty="0"/>
+              <a:t>penalty: L2</a:t>
+            </a:r>
+          </a:p>
+          <a:p>
+            <a:r>
+              <a:rPr lang="en-US" dirty="0" err="1"/>
+              <a:t>learning_rate</a:t>
+            </a:r>
+            <a:r>
+              <a:rPr lang="en-US" dirty="0"/>
+              <a:t>: optimal</a:t>
+            </a:r>
+          </a:p>
+          <a:p>
+            <a:r>
+              <a:rPr lang="en-US" dirty="0" err="1"/>
+              <a:t>max_iter</a:t>
+            </a:r>
+            <a:r>
+              <a:rPr lang="en-US" dirty="0"/>
+              <a:t>: 1000</a:t>
+            </a:r>
+          </a:p>
+          <a:p>
+            <a:r>
+              <a:rPr lang="en-US" dirty="0" err="1"/>
+              <a:t>early_stopping</a:t>
+            </a:r>
+            <a:r>
+              <a:rPr lang="en-US" dirty="0"/>
+              <a:t>: False</a:t>
+            </a:r>
+          </a:p>
+          <a:p>
+            <a:r>
+              <a:rPr lang="en-US" dirty="0" err="1"/>
+              <a:t>random_state</a:t>
+            </a:r>
+            <a:r>
+              <a:rPr lang="en-US" dirty="0"/>
+              <a:t>: 24</a:t>
+            </a:r>
+          </a:p>
+          <a:p>
+            <a:r>
+              <a:rPr lang="en-US" dirty="0" err="1"/>
+              <a:t>n_jobs</a:t>
+            </a:r>
+            <a:r>
+              <a:rPr lang="en-US" dirty="0"/>
+              <a:t>: -1</a:t>
             </a:r>
           </a:p>
         </p:txBody>
@@ -19884,8 +20089,8 @@
         </p:nvSpPr>
         <p:spPr>
           <a:xfrm>
-            <a:off x="4802199" y="1531347"/>
-            <a:ext cx="2429874" cy="307777"/>
+            <a:off x="5185866" y="854238"/>
+            <a:ext cx="2429874" cy="523220"/>
           </a:xfrm>
           <a:prstGeom prst="rect">
             <a:avLst/>
@@ -19899,9 +20104,94 @@
           <a:lstStyle/>
           <a:p>
             <a:r>
-              <a:rPr lang="en-US" dirty="0"/>
+              <a:rPr lang="en-US" u="sng" dirty="0"/>
               <a:t>Results of baseline model</a:t>
             </a:r>
+          </a:p>
+          <a:p>
+            <a:endParaRPr lang="en-US" dirty="0"/>
+          </a:p>
+        </p:txBody>
+      </p:sp>
+      <p:pic>
+        <p:nvPicPr>
+          <p:cNvPr id="4" name="Picture 3">
+            <a:extLst>
+              <a:ext uri="{FF2B5EF4-FFF2-40B4-BE49-F238E27FC236}">
+                <a16:creationId xmlns:a16="http://schemas.microsoft.com/office/drawing/2014/main" id="{9EB417B7-76E0-4541-96DA-13EC481B5BC9}"/>
+              </a:ext>
+            </a:extLst>
+          </p:cNvPr>
+          <p:cNvPicPr>
+            <a:picLocks noChangeAspect="1"/>
+          </p:cNvPicPr>
+          <p:nvPr/>
+        </p:nvPicPr>
+        <p:blipFill>
+          <a:blip r:embed="rId3"/>
+          <a:stretch>
+            <a:fillRect/>
+          </a:stretch>
+        </p:blipFill>
+        <p:spPr>
+          <a:xfrm>
+            <a:off x="3978451" y="1377458"/>
+            <a:ext cx="4477330" cy="2528936"/>
+          </a:xfrm>
+          <a:prstGeom prst="rect">
+            <a:avLst/>
+          </a:prstGeom>
+        </p:spPr>
+      </p:pic>
+      <p:sp>
+        <p:nvSpPr>
+          <p:cNvPr id="6" name="Rectangle 5">
+            <a:extLst>
+              <a:ext uri="{FF2B5EF4-FFF2-40B4-BE49-F238E27FC236}">
+                <a16:creationId xmlns:a16="http://schemas.microsoft.com/office/drawing/2014/main" id="{F92FFEF3-D3DA-4B8F-A536-6815DE705050}"/>
+              </a:ext>
+            </a:extLst>
+          </p:cNvPr>
+          <p:cNvSpPr/>
+          <p:nvPr/>
+        </p:nvSpPr>
+        <p:spPr>
+          <a:xfrm>
+            <a:off x="7411116" y="3350668"/>
+            <a:ext cx="313326" cy="177492"/>
+          </a:xfrm>
+          <a:prstGeom prst="rect">
+            <a:avLst/>
+          </a:prstGeom>
+          <a:noFill/>
+          <a:ln>
+            <a:solidFill>
+              <a:srgbClr val="FF0000"/>
+            </a:solidFill>
+          </a:ln>
+        </p:spPr>
+        <p:style>
+          <a:lnRef idx="2">
+            <a:schemeClr val="accent1">
+              <a:shade val="50000"/>
+            </a:schemeClr>
+          </a:lnRef>
+          <a:fillRef idx="1">
+            <a:schemeClr val="accent1"/>
+          </a:fillRef>
+          <a:effectRef idx="0">
+            <a:schemeClr val="accent1"/>
+          </a:effectRef>
+          <a:fontRef idx="minor">
+            <a:schemeClr val="lt1"/>
+          </a:fontRef>
+        </p:style>
+        <p:txBody>
+          <a:bodyPr rtlCol="0" anchor="ctr"/>
+          <a:lstStyle/>
+          <a:p>
+            <a:pPr algn="ctr"/>
+            <a:endParaRPr lang="en-US"/>
           </a:p>
         </p:txBody>
       </p:sp>
@@ -19995,7 +20285,7 @@
                   <a:schemeClr val="dk2"/>
                 </a:solidFill>
               </a:rPr>
-              <a:t>: Hyperparameter Grid Search</a:t>
+              <a:t>: Model Training</a:t>
             </a:r>
             <a:endParaRPr sz="2500" b="0" i="0" u="none" strike="noStrike" cap="none" dirty="0">
               <a:solidFill>
@@ -20023,7 +20313,7 @@
         </p:nvSpPr>
         <p:spPr>
           <a:xfrm>
-            <a:off x="876033" y="1639069"/>
+            <a:off x="741751" y="850504"/>
             <a:ext cx="2429874" cy="307777"/>
           </a:xfrm>
           <a:prstGeom prst="rect">
@@ -20038,8 +20328,8 @@
           <a:lstStyle/>
           <a:p>
             <a:r>
-              <a:rPr lang="en-US" dirty="0"/>
-              <a:t>List grid parameters figure</a:t>
+              <a:rPr lang="en-US" u="sng" dirty="0"/>
+              <a:t>Parameter Grid</a:t>
             </a:r>
           </a:p>
         </p:txBody>
@@ -20058,8 +20348,8 @@
         </p:nvSpPr>
         <p:spPr>
           <a:xfrm>
-            <a:off x="4802199" y="1531347"/>
-            <a:ext cx="2429874" cy="307777"/>
+            <a:off x="5185866" y="854238"/>
+            <a:ext cx="2429874" cy="523220"/>
           </a:xfrm>
           <a:prstGeom prst="rect">
             <a:avLst/>
@@ -20073,16 +20363,337 @@
           <a:lstStyle/>
           <a:p>
             <a:r>
-              <a:rPr lang="en-US" dirty="0"/>
-              <a:t>Results of adjusted model</a:t>
+              <a:rPr lang="en-US" u="sng" dirty="0"/>
+              <a:t>Results of baseline model</a:t>
             </a:r>
+          </a:p>
+          <a:p>
+            <a:endParaRPr lang="en-US" dirty="0"/>
+          </a:p>
+        </p:txBody>
+      </p:sp>
+      <p:graphicFrame>
+        <p:nvGraphicFramePr>
+          <p:cNvPr id="6" name="Table 3">
+            <a:extLst>
+              <a:ext uri="{FF2B5EF4-FFF2-40B4-BE49-F238E27FC236}">
+                <a16:creationId xmlns:a16="http://schemas.microsoft.com/office/drawing/2014/main" id="{A3CCCEAB-37A4-4C7D-BDE3-B1AD6BFDCD7D}"/>
+              </a:ext>
+            </a:extLst>
+          </p:cNvPr>
+          <p:cNvGraphicFramePr>
+            <a:graphicFrameLocks noGrp="1"/>
+          </p:cNvGraphicFramePr>
+          <p:nvPr>
+            <p:extLst>
+              <p:ext uri="{D42A27DB-BD31-4B8C-83A1-F6EECF244321}">
+                <p14:modId xmlns:p14="http://schemas.microsoft.com/office/powerpoint/2010/main" val="2735542644"/>
+              </p:ext>
+            </p:extLst>
+          </p:nvPr>
+        </p:nvGraphicFramePr>
+        <p:xfrm>
+          <a:off x="530736" y="1831434"/>
+          <a:ext cx="3337881" cy="1480632"/>
+        </p:xfrm>
+        <a:graphic>
+          <a:graphicData uri="http://schemas.openxmlformats.org/drawingml/2006/table">
+            <a:tbl>
+              <a:tblPr firstRow="1" bandRow="1">
+                <a:tableStyleId>{85F5C5BE-9EE7-46A3-8532-528E5A28226B}</a:tableStyleId>
+              </a:tblPr>
+              <a:tblGrid>
+                <a:gridCol w="1112627">
+                  <a:extLst>
+                    <a:ext uri="{9D8B030D-6E8A-4147-A177-3AD203B41FA5}">
+                      <a16:colId xmlns:a16="http://schemas.microsoft.com/office/drawing/2014/main" val="1910765757"/>
+                    </a:ext>
+                  </a:extLst>
+                </a:gridCol>
+                <a:gridCol w="1112627">
+                  <a:extLst>
+                    <a:ext uri="{9D8B030D-6E8A-4147-A177-3AD203B41FA5}">
+                      <a16:colId xmlns:a16="http://schemas.microsoft.com/office/drawing/2014/main" val="1776148814"/>
+                    </a:ext>
+                  </a:extLst>
+                </a:gridCol>
+                <a:gridCol w="1112627">
+                  <a:extLst>
+                    <a:ext uri="{9D8B030D-6E8A-4147-A177-3AD203B41FA5}">
+                      <a16:colId xmlns:a16="http://schemas.microsoft.com/office/drawing/2014/main" val="3730666447"/>
+                    </a:ext>
+                  </a:extLst>
+                </a:gridCol>
+              </a:tblGrid>
+              <a:tr h="397758">
+                <a:tc>
+                  <a:txBody>
+                    <a:bodyPr/>
+                    <a:lstStyle/>
+                    <a:p>
+                      <a:r>
+                        <a:rPr lang="en-US" sz="1100" dirty="0"/>
+                        <a:t>alpha</a:t>
+                      </a:r>
+                    </a:p>
+                  </a:txBody>
+                  <a:tcPr/>
+                </a:tc>
+                <a:tc>
+                  <a:txBody>
+                    <a:bodyPr/>
+                    <a:lstStyle/>
+                    <a:p>
+                      <a:r>
+                        <a:rPr lang="en-US" sz="1100" dirty="0"/>
+                        <a:t>loss</a:t>
+                      </a:r>
+                    </a:p>
+                  </a:txBody>
+                  <a:tcPr/>
+                </a:tc>
+                <a:tc>
+                  <a:txBody>
+                    <a:bodyPr/>
+                    <a:lstStyle/>
+                    <a:p>
+                      <a:r>
+                        <a:rPr lang="en-US" sz="1100" dirty="0" err="1"/>
+                        <a:t>early_stopping</a:t>
+                      </a:r>
+                      <a:endParaRPr lang="en-US" sz="1100" dirty="0"/>
+                    </a:p>
+                  </a:txBody>
+                  <a:tcPr/>
+                </a:tc>
+                <a:extLst>
+                  <a:ext uri="{0D108BD9-81ED-4DB2-BD59-A6C34878D82A}">
+                    <a16:rowId xmlns:a16="http://schemas.microsoft.com/office/drawing/2014/main" val="2311077205"/>
+                  </a:ext>
+                </a:extLst>
+              </a:tr>
+              <a:tr h="360958">
+                <a:tc>
+                  <a:txBody>
+                    <a:bodyPr/>
+                    <a:lstStyle/>
+                    <a:p>
+                      <a:r>
+                        <a:rPr lang="en-US" sz="1100" dirty="0"/>
+                        <a:t>1e-1</a:t>
+                      </a:r>
+                    </a:p>
+                  </a:txBody>
+                  <a:tcPr/>
+                </a:tc>
+                <a:tc>
+                  <a:txBody>
+                    <a:bodyPr/>
+                    <a:lstStyle/>
+                    <a:p>
+                      <a:r>
+                        <a:rPr lang="en-US" sz="1100" dirty="0"/>
+                        <a:t>hinge</a:t>
+                      </a:r>
+                    </a:p>
+                  </a:txBody>
+                  <a:tcPr/>
+                </a:tc>
+                <a:tc>
+                  <a:txBody>
+                    <a:bodyPr/>
+                    <a:lstStyle/>
+                    <a:p>
+                      <a:r>
+                        <a:rPr lang="en-US" sz="1100" dirty="0"/>
+                        <a:t>False</a:t>
+                      </a:r>
+                    </a:p>
+                  </a:txBody>
+                  <a:tcPr/>
+                </a:tc>
+                <a:extLst>
+                  <a:ext uri="{0D108BD9-81ED-4DB2-BD59-A6C34878D82A}">
+                    <a16:rowId xmlns:a16="http://schemas.microsoft.com/office/drawing/2014/main" val="1724924644"/>
+                  </a:ext>
+                </a:extLst>
+              </a:tr>
+              <a:tr h="360958">
+                <a:tc>
+                  <a:txBody>
+                    <a:bodyPr/>
+                    <a:lstStyle/>
+                    <a:p>
+                      <a:r>
+                        <a:rPr lang="en-US" sz="1100" dirty="0"/>
+                        <a:t>1e-4</a:t>
+                      </a:r>
+                    </a:p>
+                  </a:txBody>
+                  <a:tcPr/>
+                </a:tc>
+                <a:tc>
+                  <a:txBody>
+                    <a:bodyPr/>
+                    <a:lstStyle/>
+                    <a:p>
+                      <a:r>
+                        <a:rPr lang="en-US" sz="1100" dirty="0"/>
+                        <a:t>log</a:t>
+                      </a:r>
+                    </a:p>
+                  </a:txBody>
+                  <a:tcPr/>
+                </a:tc>
+                <a:tc>
+                  <a:txBody>
+                    <a:bodyPr/>
+                    <a:lstStyle/>
+                    <a:p>
+                      <a:r>
+                        <a:rPr lang="en-US" sz="1100" dirty="0"/>
+                        <a:t>True</a:t>
+                      </a:r>
+                    </a:p>
+                  </a:txBody>
+                  <a:tcPr/>
+                </a:tc>
+                <a:extLst>
+                  <a:ext uri="{0D108BD9-81ED-4DB2-BD59-A6C34878D82A}">
+                    <a16:rowId xmlns:a16="http://schemas.microsoft.com/office/drawing/2014/main" val="2364148798"/>
+                  </a:ext>
+                </a:extLst>
+              </a:tr>
+              <a:tr h="360958">
+                <a:tc>
+                  <a:txBody>
+                    <a:bodyPr/>
+                    <a:lstStyle/>
+                    <a:p>
+                      <a:r>
+                        <a:rPr lang="en-US" sz="1100" dirty="0"/>
+                        <a:t>1e-7</a:t>
+                      </a:r>
+                    </a:p>
+                  </a:txBody>
+                  <a:tcPr/>
+                </a:tc>
+                <a:tc>
+                  <a:txBody>
+                    <a:bodyPr/>
+                    <a:lstStyle/>
+                    <a:p>
+                      <a:endParaRPr lang="en-US" sz="1100" dirty="0"/>
+                    </a:p>
+                  </a:txBody>
+                  <a:tcPr/>
+                </a:tc>
+                <a:tc>
+                  <a:txBody>
+                    <a:bodyPr/>
+                    <a:lstStyle/>
+                    <a:p>
+                      <a:endParaRPr lang="en-US" sz="1100" dirty="0"/>
+                    </a:p>
+                  </a:txBody>
+                  <a:tcPr/>
+                </a:tc>
+                <a:extLst>
+                  <a:ext uri="{0D108BD9-81ED-4DB2-BD59-A6C34878D82A}">
+                    <a16:rowId xmlns:a16="http://schemas.microsoft.com/office/drawing/2014/main" val="2165343224"/>
+                  </a:ext>
+                </a:extLst>
+              </a:tr>
+            </a:tbl>
+          </a:graphicData>
+        </a:graphic>
+      </p:graphicFrame>
+      <p:pic>
+        <p:nvPicPr>
+          <p:cNvPr id="9" name="Picture 8">
+            <a:extLst>
+              <a:ext uri="{FF2B5EF4-FFF2-40B4-BE49-F238E27FC236}">
+                <a16:creationId xmlns:a16="http://schemas.microsoft.com/office/drawing/2014/main" id="{944F5F71-3324-4209-BE82-96375F00E6E6}"/>
+              </a:ext>
+            </a:extLst>
+          </p:cNvPr>
+          <p:cNvPicPr>
+            <a:picLocks noChangeAspect="1"/>
+          </p:cNvPicPr>
+          <p:nvPr/>
+        </p:nvPicPr>
+        <p:blipFill>
+          <a:blip r:embed="rId3"/>
+          <a:stretch>
+            <a:fillRect/>
+          </a:stretch>
+        </p:blipFill>
+        <p:spPr>
+          <a:xfrm>
+            <a:off x="4362724" y="1377457"/>
+            <a:ext cx="4507004" cy="2574285"/>
+          </a:xfrm>
+          <a:prstGeom prst="rect">
+            <a:avLst/>
+          </a:prstGeom>
+        </p:spPr>
+      </p:pic>
+      <p:sp>
+        <p:nvSpPr>
+          <p:cNvPr id="11" name="Rectangle 10">
+            <a:extLst>
+              <a:ext uri="{FF2B5EF4-FFF2-40B4-BE49-F238E27FC236}">
+                <a16:creationId xmlns:a16="http://schemas.microsoft.com/office/drawing/2014/main" id="{0E5C4AB9-9DCA-4768-B10C-E5E352579BC8}"/>
+              </a:ext>
+            </a:extLst>
+          </p:cNvPr>
+          <p:cNvSpPr/>
+          <p:nvPr/>
+        </p:nvSpPr>
+        <p:spPr>
+          <a:xfrm>
+            <a:off x="7807569" y="3388799"/>
+            <a:ext cx="313326" cy="177492"/>
+          </a:xfrm>
+          <a:prstGeom prst="rect">
+            <a:avLst/>
+          </a:prstGeom>
+          <a:noFill/>
+          <a:ln>
+            <a:solidFill>
+              <a:srgbClr val="FF0000"/>
+            </a:solidFill>
+          </a:ln>
+        </p:spPr>
+        <p:style>
+          <a:lnRef idx="2">
+            <a:schemeClr val="accent1">
+              <a:shade val="50000"/>
+            </a:schemeClr>
+          </a:lnRef>
+          <a:fillRef idx="1">
+            <a:schemeClr val="accent1"/>
+          </a:fillRef>
+          <a:effectRef idx="0">
+            <a:schemeClr val="accent1"/>
+          </a:effectRef>
+          <a:fontRef idx="minor">
+            <a:schemeClr val="lt1"/>
+          </a:fontRef>
+        </p:style>
+        <p:txBody>
+          <a:bodyPr rtlCol="0" anchor="ctr"/>
+          <a:lstStyle/>
+          <a:p>
+            <a:pPr algn="ctr"/>
+            <a:endParaRPr lang="en-US"/>
           </a:p>
         </p:txBody>
       </p:sp>
     </p:spTree>
     <p:extLst>
       <p:ext uri="{BB962C8B-B14F-4D97-AF65-F5344CB8AC3E}">
-        <p14:creationId xmlns:p14="http://schemas.microsoft.com/office/powerpoint/2010/main" val="2958771520"/>
+        <p14:creationId xmlns:p14="http://schemas.microsoft.com/office/powerpoint/2010/main" val="3169134123"/>
       </p:ext>
     </p:extLst>
   </p:cSld>
@@ -20199,41 +20810,53 @@
           </a:p>
         </p:txBody>
       </p:sp>
-      <p:sp>
-        <p:nvSpPr>
-          <p:cNvPr id="3" name="TextBox 2">
+      <p:pic>
+        <p:nvPicPr>
+          <p:cNvPr id="2050" name="Picture 2">
             <a:extLst>
               <a:ext uri="{FF2B5EF4-FFF2-40B4-BE49-F238E27FC236}">
-                <a16:creationId xmlns:a16="http://schemas.microsoft.com/office/drawing/2014/main" id="{B4ECC0A4-3E68-4E3D-A581-EF74CF068643}"/>
+                <a16:creationId xmlns:a16="http://schemas.microsoft.com/office/drawing/2014/main" id="{95D73181-D239-416B-BC72-2C92697D508C}"/>
               </a:ext>
             </a:extLst>
           </p:cNvPr>
-          <p:cNvSpPr txBox="1"/>
+          <p:cNvPicPr>
+            <a:picLocks noChangeAspect="1" noChangeArrowheads="1"/>
+          </p:cNvPicPr>
           <p:nvPr/>
-        </p:nvSpPr>
-        <p:spPr>
+        </p:nvPicPr>
+        <p:blipFill>
+          <a:blip r:embed="rId3">
+            <a:extLst>
+              <a:ext uri="{28A0092B-C50C-407E-A947-70E740481C1C}">
+                <a14:useLocalDpi xmlns:a14="http://schemas.microsoft.com/office/drawing/2010/main" val="0"/>
+              </a:ext>
+            </a:extLst>
+          </a:blip>
+          <a:srcRect/>
+          <a:stretch>
+            <a:fillRect/>
+          </a:stretch>
+        </p:blipFill>
+        <p:spPr bwMode="auto">
           <a:xfrm>
-            <a:off x="2883876" y="2118649"/>
-            <a:ext cx="4022081" cy="307777"/>
+            <a:off x="2111706" y="785729"/>
+            <a:ext cx="4920588" cy="3572042"/>
           </a:xfrm>
           <a:prstGeom prst="rect">
             <a:avLst/>
           </a:prstGeom>
           <a:noFill/>
+          <a:extLst>
+            <a:ext uri="{909E8E84-426E-40DD-AFC4-6F175D3DCCD1}">
+              <a14:hiddenFill xmlns:a14="http://schemas.microsoft.com/office/drawing/2010/main">
+                <a:solidFill>
+                  <a:srgbClr val="FFFFFF"/>
+                </a:solidFill>
+              </a14:hiddenFill>
+            </a:ext>
+          </a:extLst>
         </p:spPr>
-        <p:txBody>
-          <a:bodyPr wrap="square" rtlCol="0">
-            <a:spAutoFit/>
-          </a:bodyPr>
-          <a:lstStyle/>
-          <a:p>
-            <a:r>
-              <a:rPr lang="en-US" dirty="0"/>
-              <a:t>Figure: cosine sim vs label variance</a:t>
-            </a:r>
-          </a:p>
-        </p:txBody>
-      </p:sp>
+      </p:pic>
     </p:spTree>
     <p:extLst>
       <p:ext uri="{BB962C8B-B14F-4D97-AF65-F5344CB8AC3E}">
@@ -20354,45 +20977,57 @@
           </a:p>
         </p:txBody>
       </p:sp>
-      <p:sp>
-        <p:nvSpPr>
-          <p:cNvPr id="3" name="TextBox 2">
+      <p:pic>
+        <p:nvPicPr>
+          <p:cNvPr id="4098" name="Picture 2">
             <a:extLst>
               <a:ext uri="{FF2B5EF4-FFF2-40B4-BE49-F238E27FC236}">
-                <a16:creationId xmlns:a16="http://schemas.microsoft.com/office/drawing/2014/main" id="{B4ECC0A4-3E68-4E3D-A581-EF74CF068643}"/>
+                <a16:creationId xmlns:a16="http://schemas.microsoft.com/office/drawing/2014/main" id="{8F78480A-E592-4989-920B-6BA0E86862CB}"/>
               </a:ext>
             </a:extLst>
           </p:cNvPr>
-          <p:cNvSpPr txBox="1"/>
+          <p:cNvPicPr>
+            <a:picLocks noChangeAspect="1" noChangeArrowheads="1"/>
+          </p:cNvPicPr>
           <p:nvPr/>
-        </p:nvSpPr>
-        <p:spPr>
+        </p:nvPicPr>
+        <p:blipFill>
+          <a:blip r:embed="rId3">
+            <a:extLst>
+              <a:ext uri="{28A0092B-C50C-407E-A947-70E740481C1C}">
+                <a14:useLocalDpi xmlns:a14="http://schemas.microsoft.com/office/drawing/2010/main" val="0"/>
+              </a:ext>
+            </a:extLst>
+          </a:blip>
+          <a:srcRect/>
+          <a:stretch>
+            <a:fillRect/>
+          </a:stretch>
+        </p:blipFill>
+        <p:spPr bwMode="auto">
           <a:xfrm>
-            <a:off x="2883876" y="2118649"/>
-            <a:ext cx="4022081" cy="307777"/>
+            <a:off x="2130819" y="811093"/>
+            <a:ext cx="4882361" cy="3521314"/>
           </a:xfrm>
           <a:prstGeom prst="rect">
             <a:avLst/>
           </a:prstGeom>
           <a:noFill/>
+          <a:extLst>
+            <a:ext uri="{909E8E84-426E-40DD-AFC4-6F175D3DCCD1}">
+              <a14:hiddenFill xmlns:a14="http://schemas.microsoft.com/office/drawing/2010/main">
+                <a:solidFill>
+                  <a:srgbClr val="FFFFFF"/>
+                </a:solidFill>
+              </a14:hiddenFill>
+            </a:ext>
+          </a:extLst>
         </p:spPr>
-        <p:txBody>
-          <a:bodyPr wrap="square" rtlCol="0">
-            <a:spAutoFit/>
-          </a:bodyPr>
-          <a:lstStyle/>
-          <a:p>
-            <a:r>
-              <a:rPr lang="en-US" dirty="0"/>
-              <a:t>Figure: cosine sim vs total absolute error</a:t>
-            </a:r>
-          </a:p>
-        </p:txBody>
-      </p:sp>
+      </p:pic>
     </p:spTree>
     <p:extLst>
       <p:ext uri="{BB962C8B-B14F-4D97-AF65-F5344CB8AC3E}">
-        <p14:creationId xmlns:p14="http://schemas.microsoft.com/office/powerpoint/2010/main" val="2030675652"/>
+        <p14:creationId xmlns:p14="http://schemas.microsoft.com/office/powerpoint/2010/main" val="3622148600"/>
       </p:ext>
     </p:extLst>
   </p:cSld>
@@ -20509,12 +21144,138 @@
           </a:p>
         </p:txBody>
       </p:sp>
+      <p:pic>
+        <p:nvPicPr>
+          <p:cNvPr id="2" name="Picture 1">
+            <a:extLst>
+              <a:ext uri="{FF2B5EF4-FFF2-40B4-BE49-F238E27FC236}">
+                <a16:creationId xmlns:a16="http://schemas.microsoft.com/office/drawing/2014/main" id="{37B9BF6C-5577-4C8F-9B3B-E4E614AFC326}"/>
+              </a:ext>
+            </a:extLst>
+          </p:cNvPr>
+          <p:cNvPicPr>
+            <a:picLocks noChangeAspect="1"/>
+          </p:cNvPicPr>
+          <p:nvPr/>
+        </p:nvPicPr>
+        <p:blipFill>
+          <a:blip r:embed="rId3"/>
+          <a:stretch>
+            <a:fillRect/>
+          </a:stretch>
+        </p:blipFill>
+        <p:spPr>
+          <a:xfrm>
+            <a:off x="2238276" y="885861"/>
+            <a:ext cx="4667448" cy="3371777"/>
+          </a:xfrm>
+          <a:prstGeom prst="rect">
+            <a:avLst/>
+          </a:prstGeom>
+        </p:spPr>
+      </p:pic>
+    </p:spTree>
+    <p:extLst>
+      <p:ext uri="{BB962C8B-B14F-4D97-AF65-F5344CB8AC3E}">
+        <p14:creationId xmlns:p14="http://schemas.microsoft.com/office/powerpoint/2010/main" val="3333344646"/>
+      </p:ext>
+    </p:extLst>
+  </p:cSld>
+  <p:clrMapOvr>
+    <a:masterClrMapping/>
+  </p:clrMapOvr>
+</p:sld>
+</file>
+
+<file path=ppt/slides/slide15.xml><?xml version="1.0" encoding="utf-8"?>
+<p:sld xmlns:a="http://schemas.openxmlformats.org/drawingml/2006/main" xmlns:r="http://schemas.openxmlformats.org/officeDocument/2006/relationships" xmlns:p="http://schemas.openxmlformats.org/presentationml/2006/main">
+  <p:cSld>
+    <p:spTree>
+      <p:nvGrpSpPr>
+        <p:cNvPr id="1" name="Shape 211"/>
+        <p:cNvGrpSpPr/>
+        <p:nvPr/>
+      </p:nvGrpSpPr>
+      <p:grpSpPr>
+        <a:xfrm>
+          <a:off x="0" y="0"/>
+          <a:ext cx="0" cy="0"/>
+          <a:chOff x="0" y="0"/>
+          <a:chExt cx="0" cy="0"/>
+        </a:xfrm>
+      </p:grpSpPr>
+      <p:sp>
+        <p:nvSpPr>
+          <p:cNvPr id="212" name="Google Shape;212;p38"/>
+          <p:cNvSpPr txBox="1"/>
+          <p:nvPr/>
+        </p:nvSpPr>
+        <p:spPr>
+          <a:xfrm>
+            <a:off x="212474" y="81725"/>
+            <a:ext cx="8731689" cy="1108200"/>
+          </a:xfrm>
+          <a:prstGeom prst="rect">
+            <a:avLst/>
+          </a:prstGeom>
+          <a:noFill/>
+          <a:ln>
+            <a:noFill/>
+          </a:ln>
+        </p:spPr>
+        <p:txBody>
+          <a:bodyPr spcFirstLastPara="1" wrap="square" lIns="91425" tIns="91425" rIns="91425" bIns="91425" anchor="t" anchorCtr="0">
+            <a:noAutofit/>
+          </a:bodyPr>
+          <a:lstStyle/>
+          <a:p>
+            <a:pPr marL="0" marR="0" lvl="0" indent="0" algn="l" rtl="0">
+              <a:lnSpc>
+                <a:spcPct val="100000"/>
+              </a:lnSpc>
+              <a:spcBef>
+                <a:spcPts val="0"/>
+              </a:spcBef>
+              <a:spcAft>
+                <a:spcPts val="0"/>
+              </a:spcAft>
+              <a:buClr>
+                <a:srgbClr val="000000"/>
+              </a:buClr>
+              <a:buSzPts val="2500"/>
+              <a:buFont typeface="Arial"/>
+              <a:buNone/>
+            </a:pPr>
+            <a:r>
+              <a:rPr lang="en" sz="2500" b="0" i="0" u="none" strike="noStrike" cap="none" dirty="0">
+                <a:solidFill>
+                  <a:schemeClr val="dk2"/>
+                </a:solidFill>
+                <a:latin typeface="Arial"/>
+                <a:ea typeface="Arial"/>
+                <a:cs typeface="Arial"/>
+                <a:sym typeface="Arial"/>
+              </a:rPr>
+              <a:t>SVM Conclusion and Future Steps </a:t>
+            </a:r>
+            <a:endParaRPr sz="2500" b="0" i="0" u="none" strike="noStrike" cap="none" dirty="0">
+              <a:solidFill>
+                <a:schemeClr val="dk2"/>
+              </a:solidFill>
+              <a:latin typeface="Arial"/>
+              <a:ea typeface="Arial"/>
+              <a:cs typeface="Arial"/>
+              <a:sym typeface="Arial"/>
+            </a:endParaRPr>
+          </a:p>
+        </p:txBody>
+      </p:sp>
       <p:sp>
         <p:nvSpPr>
           <p:cNvPr id="3" name="TextBox 2">
             <a:extLst>
               <a:ext uri="{FF2B5EF4-FFF2-40B4-BE49-F238E27FC236}">
-                <a16:creationId xmlns:a16="http://schemas.microsoft.com/office/drawing/2014/main" id="{B4ECC0A4-3E68-4E3D-A581-EF74CF068643}"/>
+                <a16:creationId xmlns:a16="http://schemas.microsoft.com/office/drawing/2014/main" id="{1F36F296-20D3-4700-9F8E-FABEA86524B9}"/>
               </a:ext>
             </a:extLst>
           </p:cNvPr>
@@ -20523,8 +21284,158 @@
         </p:nvSpPr>
         <p:spPr>
           <a:xfrm>
-            <a:off x="2883876" y="2118649"/>
-            <a:ext cx="4022081" cy="307777"/>
+            <a:off x="524340" y="755868"/>
+            <a:ext cx="8178446" cy="1600438"/>
+          </a:xfrm>
+          <a:prstGeom prst="rect">
+            <a:avLst/>
+          </a:prstGeom>
+          <a:noFill/>
+        </p:spPr>
+        <p:txBody>
+          <a:bodyPr wrap="square" rtlCol="0">
+            <a:spAutoFit/>
+          </a:bodyPr>
+          <a:lstStyle/>
+          <a:p>
+            <a:pPr marL="285750" indent="-285750">
+              <a:buFont typeface="Arial" panose="020B0604020202020204" pitchFamily="34" charset="0"/>
+              <a:buChar char="•"/>
+            </a:pPr>
+            <a:r>
+              <a:rPr lang="en-US" dirty="0"/>
+              <a:t>Dataset ‘012’: 311,722 sitting samples, 0.97 accuracy</a:t>
+            </a:r>
+          </a:p>
+          <a:p>
+            <a:pPr marL="285750" indent="-285750">
+              <a:buFont typeface="Arial" panose="020B0604020202020204" pitchFamily="34" charset="0"/>
+              <a:buChar char="•"/>
+            </a:pPr>
+            <a:r>
+              <a:rPr lang="en-US" dirty="0"/>
+              <a:t>Dataset ‘029’: 3,406 sitting samples, 0.3 accuracy</a:t>
+            </a:r>
+          </a:p>
+          <a:p>
+            <a:pPr marL="285750" indent="-285750">
+              <a:buFont typeface="Arial" panose="020B0604020202020204" pitchFamily="34" charset="0"/>
+              <a:buChar char="•"/>
+            </a:pPr>
+            <a:r>
+              <a:rPr lang="en-US" dirty="0"/>
+              <a:t>Potential model overfitting with bias toward Sitting (7) label</a:t>
+            </a:r>
+          </a:p>
+          <a:p>
+            <a:pPr marL="285750" indent="-285750">
+              <a:buFont typeface="Arial" panose="020B0604020202020204" pitchFamily="34" charset="0"/>
+              <a:buChar char="•"/>
+            </a:pPr>
+            <a:r>
+              <a:rPr lang="en-US" dirty="0"/>
+              <a:t>Increase performance with bootstrapping and data augmentation/generation</a:t>
+            </a:r>
+          </a:p>
+          <a:p>
+            <a:pPr marL="285750" indent="-285750">
+              <a:buFont typeface="Arial" panose="020B0604020202020204" pitchFamily="34" charset="0"/>
+              <a:buChar char="•"/>
+            </a:pPr>
+            <a:endParaRPr lang="en-US" dirty="0"/>
+          </a:p>
+          <a:p>
+            <a:pPr marL="285750" indent="-285750">
+              <a:buFont typeface="Arial" panose="020B0604020202020204" pitchFamily="34" charset="0"/>
+              <a:buChar char="•"/>
+            </a:pPr>
+            <a:endParaRPr lang="en-US" dirty="0"/>
+          </a:p>
+          <a:p>
+            <a:pPr marL="285750" indent="-285750">
+              <a:buFont typeface="Arial" panose="020B0604020202020204" pitchFamily="34" charset="0"/>
+              <a:buChar char="•"/>
+            </a:pPr>
+            <a:endParaRPr lang="en-US" dirty="0"/>
+          </a:p>
+        </p:txBody>
+      </p:sp>
+      <p:pic>
+        <p:nvPicPr>
+          <p:cNvPr id="6" name="Picture 5">
+            <a:extLst>
+              <a:ext uri="{FF2B5EF4-FFF2-40B4-BE49-F238E27FC236}">
+                <a16:creationId xmlns:a16="http://schemas.microsoft.com/office/drawing/2014/main" id="{894458D2-CD93-410A-BAF9-508695D773CA}"/>
+              </a:ext>
+            </a:extLst>
+          </p:cNvPr>
+          <p:cNvPicPr>
+            <a:picLocks noChangeAspect="1"/>
+          </p:cNvPicPr>
+          <p:nvPr/>
+        </p:nvPicPr>
+        <p:blipFill>
+          <a:blip r:embed="rId3"/>
+          <a:stretch>
+            <a:fillRect/>
+          </a:stretch>
+        </p:blipFill>
+        <p:spPr>
+          <a:xfrm>
+            <a:off x="610993" y="1897812"/>
+            <a:ext cx="3726026" cy="2489821"/>
+          </a:xfrm>
+          <a:prstGeom prst="rect">
+            <a:avLst/>
+          </a:prstGeom>
+        </p:spPr>
+      </p:pic>
+      <p:pic>
+        <p:nvPicPr>
+          <p:cNvPr id="7" name="Picture 6">
+            <a:extLst>
+              <a:ext uri="{FF2B5EF4-FFF2-40B4-BE49-F238E27FC236}">
+                <a16:creationId xmlns:a16="http://schemas.microsoft.com/office/drawing/2014/main" id="{417ED15D-D7F1-459B-8569-5EA5D8804C98}"/>
+              </a:ext>
+            </a:extLst>
+          </p:cNvPr>
+          <p:cNvPicPr>
+            <a:picLocks noChangeAspect="1"/>
+          </p:cNvPicPr>
+          <p:nvPr/>
+        </p:nvPicPr>
+        <p:blipFill>
+          <a:blip r:embed="rId4"/>
+          <a:stretch>
+            <a:fillRect/>
+          </a:stretch>
+        </p:blipFill>
+        <p:spPr>
+          <a:xfrm>
+            <a:off x="4806982" y="1897811"/>
+            <a:ext cx="3812678" cy="2489821"/>
+          </a:xfrm>
+          <a:prstGeom prst="rect">
+            <a:avLst/>
+          </a:prstGeom>
+        </p:spPr>
+      </p:pic>
+      <p:sp>
+        <p:nvSpPr>
+          <p:cNvPr id="8" name="TextBox 7">
+            <a:extLst>
+              <a:ext uri="{FF2B5EF4-FFF2-40B4-BE49-F238E27FC236}">
+                <a16:creationId xmlns:a16="http://schemas.microsoft.com/office/drawing/2014/main" id="{4774500B-93AC-4A8A-A441-02466F20226D}"/>
+              </a:ext>
+            </a:extLst>
+          </p:cNvPr>
+          <p:cNvSpPr txBox="1"/>
+          <p:nvPr/>
+        </p:nvSpPr>
+        <p:spPr>
+          <a:xfrm>
+            <a:off x="1074260" y="2082328"/>
+            <a:ext cx="2071788" cy="307777"/>
           </a:xfrm>
           <a:prstGeom prst="rect">
             <a:avLst/>
@@ -20539,7 +21450,42 @@
           <a:p>
             <a:r>
               <a:rPr lang="en-US" dirty="0"/>
-              <a:t>Figure: total absolute error vs label variance</a:t>
+              <a:t>Accuracy: 0.97</a:t>
+            </a:r>
+          </a:p>
+        </p:txBody>
+      </p:sp>
+      <p:sp>
+        <p:nvSpPr>
+          <p:cNvPr id="10" name="TextBox 9">
+            <a:extLst>
+              <a:ext uri="{FF2B5EF4-FFF2-40B4-BE49-F238E27FC236}">
+                <a16:creationId xmlns:a16="http://schemas.microsoft.com/office/drawing/2014/main" id="{F2303C72-1756-4A4A-BC60-36BF0000CF5A}"/>
+              </a:ext>
+            </a:extLst>
+          </p:cNvPr>
+          <p:cNvSpPr txBox="1"/>
+          <p:nvPr/>
+        </p:nvSpPr>
+        <p:spPr>
+          <a:xfrm>
+            <a:off x="7100961" y="2077759"/>
+            <a:ext cx="2071788" cy="307777"/>
+          </a:xfrm>
+          <a:prstGeom prst="rect">
+            <a:avLst/>
+          </a:prstGeom>
+          <a:noFill/>
+        </p:spPr>
+        <p:txBody>
+          <a:bodyPr wrap="square" rtlCol="0">
+            <a:spAutoFit/>
+          </a:bodyPr>
+          <a:lstStyle/>
+          <a:p>
+            <a:r>
+              <a:rPr lang="en-US" dirty="0"/>
+              <a:t>Accuracy: 0.3</a:t>
             </a:r>
           </a:p>
         </p:txBody>
@@ -20547,7 +21493,7 @@
     </p:spTree>
     <p:extLst>
       <p:ext uri="{BB962C8B-B14F-4D97-AF65-F5344CB8AC3E}">
-        <p14:creationId xmlns:p14="http://schemas.microsoft.com/office/powerpoint/2010/main" val="127319492"/>
+        <p14:creationId xmlns:p14="http://schemas.microsoft.com/office/powerpoint/2010/main" val="2790238529"/>
       </p:ext>
     </p:extLst>
   </p:cSld>
@@ -20557,7 +21503,7 @@
 </p:sld>
 </file>
 
-<file path=ppt/slides/slide15.xml><?xml version="1.0" encoding="utf-8"?>
+<file path=ppt/slides/slide16.xml><?xml version="1.0" encoding="utf-8"?>
 <p:sld xmlns:a="http://schemas.openxmlformats.org/drawingml/2006/main" xmlns:r="http://schemas.openxmlformats.org/officeDocument/2006/relationships" xmlns:p="http://schemas.openxmlformats.org/presentationml/2006/main">
   <p:cSld>
     <p:spTree>
@@ -20648,7 +21594,7 @@
 </p:sld>
 </file>
 
-<file path=ppt/slides/slide16.xml><?xml version="1.0" encoding="utf-8"?>
+<file path=ppt/slides/slide17.xml><?xml version="1.0" encoding="utf-8"?>
 <p:sld xmlns:a="http://schemas.openxmlformats.org/drawingml/2006/main" xmlns:r="http://schemas.openxmlformats.org/officeDocument/2006/relationships" xmlns:p="http://schemas.openxmlformats.org/presentationml/2006/main">
   <p:cSld>
     <p:spTree>
@@ -20739,7 +21685,7 @@
 </p:sld>
 </file>
 
-<file path=ppt/slides/slide17.xml><?xml version="1.0" encoding="utf-8"?>
+<file path=ppt/slides/slide18.xml><?xml version="1.0" encoding="utf-8"?>
 <p:sld xmlns:a="http://schemas.openxmlformats.org/drawingml/2006/main" xmlns:r="http://schemas.openxmlformats.org/officeDocument/2006/relationships" xmlns:p="http://schemas.openxmlformats.org/presentationml/2006/main">
   <p:cSld>
     <p:spTree>
@@ -20814,7 +21760,7 @@
 </p:sld>
 </file>
 
-<file path=ppt/slides/slide18.xml><?xml version="1.0" encoding="utf-8"?>
+<file path=ppt/slides/slide19.xml><?xml version="1.0" encoding="utf-8"?>
 <p:sld xmlns:a="http://schemas.openxmlformats.org/drawingml/2006/main" xmlns:r="http://schemas.openxmlformats.org/officeDocument/2006/relationships" xmlns:p="http://schemas.openxmlformats.org/presentationml/2006/main">
   <p:cSld>
     <p:spTree>
@@ -20905,7 +21851,451 @@
 </p:sld>
 </file>
 
-<file path=ppt/slides/slide19.xml><?xml version="1.0" encoding="utf-8"?>
+<file path=ppt/slides/slide2.xml><?xml version="1.0" encoding="utf-8"?>
+<p:sld xmlns:a="http://schemas.openxmlformats.org/drawingml/2006/main" xmlns:r="http://schemas.openxmlformats.org/officeDocument/2006/relationships" xmlns:p="http://schemas.openxmlformats.org/presentationml/2006/main">
+  <p:cSld>
+    <p:spTree>
+      <p:nvGrpSpPr>
+        <p:cNvPr id="1" name="Shape 168"/>
+        <p:cNvGrpSpPr/>
+        <p:nvPr/>
+      </p:nvGrpSpPr>
+      <p:grpSpPr>
+        <a:xfrm>
+          <a:off x="0" y="0"/>
+          <a:ext cx="0" cy="0"/>
+          <a:chOff x="0" y="0"/>
+          <a:chExt cx="0" cy="0"/>
+        </a:xfrm>
+      </p:grpSpPr>
+      <p:sp>
+        <p:nvSpPr>
+          <p:cNvPr id="169" name="Google Shape;169;p32"/>
+          <p:cNvSpPr txBox="1"/>
+          <p:nvPr/>
+        </p:nvSpPr>
+        <p:spPr>
+          <a:xfrm>
+            <a:off x="212475" y="81725"/>
+            <a:ext cx="2981100" cy="1108200"/>
+          </a:xfrm>
+          <a:prstGeom prst="rect">
+            <a:avLst/>
+          </a:prstGeom>
+          <a:noFill/>
+          <a:ln>
+            <a:noFill/>
+          </a:ln>
+        </p:spPr>
+        <p:txBody>
+          <a:bodyPr spcFirstLastPara="1" wrap="square" lIns="91425" tIns="91425" rIns="91425" bIns="91425" anchor="t" anchorCtr="0">
+            <a:noAutofit/>
+          </a:bodyPr>
+          <a:lstStyle/>
+          <a:p>
+            <a:pPr marL="0" lvl="0" indent="0" algn="l" rtl="0">
+              <a:spcBef>
+                <a:spcPts val="0"/>
+              </a:spcBef>
+              <a:spcAft>
+                <a:spcPts val="0"/>
+              </a:spcAft>
+              <a:buNone/>
+            </a:pPr>
+            <a:r>
+              <a:rPr lang="en" sz="2500">
+                <a:solidFill>
+                  <a:schemeClr val="dk2"/>
+                </a:solidFill>
+              </a:rPr>
+              <a:t>Table of Contents</a:t>
+            </a:r>
+            <a:endParaRPr sz="2500">
+              <a:solidFill>
+                <a:schemeClr val="dk2"/>
+              </a:solidFill>
+            </a:endParaRPr>
+          </a:p>
+        </p:txBody>
+      </p:sp>
+      <p:sp>
+        <p:nvSpPr>
+          <p:cNvPr id="170" name="Google Shape;170;p32"/>
+          <p:cNvSpPr txBox="1"/>
+          <p:nvPr/>
+        </p:nvSpPr>
+        <p:spPr>
+          <a:xfrm>
+            <a:off x="268300" y="767219"/>
+            <a:ext cx="8177374" cy="3610627"/>
+          </a:xfrm>
+          <a:prstGeom prst="rect">
+            <a:avLst/>
+          </a:prstGeom>
+          <a:noFill/>
+          <a:ln>
+            <a:noFill/>
+          </a:ln>
+        </p:spPr>
+        <p:txBody>
+          <a:bodyPr spcFirstLastPara="1" wrap="square" lIns="91425" tIns="91425" rIns="91425" bIns="91425" anchor="t" anchorCtr="0">
+            <a:noAutofit/>
+          </a:bodyPr>
+          <a:lstStyle/>
+          <a:p>
+            <a:pPr marL="457200" lvl="0" indent="-292100" algn="l" rtl="0">
+              <a:spcBef>
+                <a:spcPts val="0"/>
+              </a:spcBef>
+              <a:spcAft>
+                <a:spcPts val="0"/>
+              </a:spcAft>
+              <a:buClr>
+                <a:schemeClr val="dk1"/>
+              </a:buClr>
+              <a:buSzPts val="1000"/>
+              <a:buFont typeface="Times New Roman"/>
+              <a:buChar char="●"/>
+            </a:pPr>
+            <a:r>
+              <a:rPr lang="en" sz="1800" dirty="0">
+                <a:solidFill>
+                  <a:schemeClr val="dk1"/>
+                </a:solidFill>
+                <a:latin typeface="Times New Roman"/>
+                <a:ea typeface="Times New Roman"/>
+                <a:cs typeface="Times New Roman"/>
+                <a:sym typeface="Times New Roman"/>
+              </a:rPr>
+              <a:t>Introduction</a:t>
+            </a:r>
+            <a:endParaRPr sz="1800" dirty="0">
+              <a:solidFill>
+                <a:schemeClr val="dk1"/>
+              </a:solidFill>
+              <a:latin typeface="Times New Roman"/>
+              <a:ea typeface="Times New Roman"/>
+              <a:cs typeface="Times New Roman"/>
+              <a:sym typeface="Times New Roman"/>
+            </a:endParaRPr>
+          </a:p>
+          <a:p>
+            <a:pPr marL="457200" lvl="0" indent="-292100" algn="l" rtl="0">
+              <a:spcBef>
+                <a:spcPts val="0"/>
+              </a:spcBef>
+              <a:spcAft>
+                <a:spcPts val="0"/>
+              </a:spcAft>
+              <a:buClr>
+                <a:schemeClr val="dk1"/>
+              </a:buClr>
+              <a:buSzPts val="1000"/>
+              <a:buFont typeface="Times New Roman"/>
+              <a:buChar char="●"/>
+            </a:pPr>
+            <a:r>
+              <a:rPr lang="en" sz="1800" dirty="0">
+                <a:solidFill>
+                  <a:schemeClr val="dk1"/>
+                </a:solidFill>
+                <a:latin typeface="Times New Roman"/>
+                <a:ea typeface="Times New Roman"/>
+                <a:cs typeface="Times New Roman"/>
+                <a:sym typeface="Times New Roman"/>
+              </a:rPr>
+              <a:t>Data Cleaning and Preparation</a:t>
+            </a:r>
+            <a:endParaRPr sz="1800" dirty="0">
+              <a:solidFill>
+                <a:schemeClr val="dk1"/>
+              </a:solidFill>
+              <a:latin typeface="Times New Roman"/>
+              <a:ea typeface="Times New Roman"/>
+              <a:cs typeface="Times New Roman"/>
+              <a:sym typeface="Times New Roman"/>
+            </a:endParaRPr>
+          </a:p>
+          <a:p>
+            <a:pPr marL="457200" lvl="0" indent="-292100" algn="l" rtl="0">
+              <a:spcBef>
+                <a:spcPts val="0"/>
+              </a:spcBef>
+              <a:spcAft>
+                <a:spcPts val="0"/>
+              </a:spcAft>
+              <a:buClr>
+                <a:schemeClr val="dk1"/>
+              </a:buClr>
+              <a:buSzPts val="1000"/>
+              <a:buFont typeface="Times New Roman"/>
+              <a:buChar char="●"/>
+            </a:pPr>
+            <a:r>
+              <a:rPr lang="en" sz="1800" dirty="0">
+                <a:solidFill>
+                  <a:schemeClr val="dk1"/>
+                </a:solidFill>
+                <a:latin typeface="Times New Roman"/>
+                <a:ea typeface="Times New Roman"/>
+                <a:cs typeface="Times New Roman"/>
+                <a:sym typeface="Times New Roman"/>
+              </a:rPr>
+              <a:t>Exploratory Data Analysis</a:t>
+            </a:r>
+            <a:endParaRPr sz="1800" dirty="0">
+              <a:solidFill>
+                <a:schemeClr val="dk1"/>
+              </a:solidFill>
+              <a:latin typeface="Times New Roman"/>
+              <a:ea typeface="Times New Roman"/>
+              <a:cs typeface="Times New Roman"/>
+              <a:sym typeface="Times New Roman"/>
+            </a:endParaRPr>
+          </a:p>
+          <a:p>
+            <a:pPr marL="457200" lvl="0" indent="-292100" algn="l" rtl="0">
+              <a:spcBef>
+                <a:spcPts val="0"/>
+              </a:spcBef>
+              <a:spcAft>
+                <a:spcPts val="0"/>
+              </a:spcAft>
+              <a:buClr>
+                <a:schemeClr val="dk1"/>
+              </a:buClr>
+              <a:buSzPts val="1000"/>
+              <a:buFont typeface="Times New Roman"/>
+              <a:buChar char="●"/>
+            </a:pPr>
+            <a:r>
+              <a:rPr lang="en" sz="1800" dirty="0">
+                <a:solidFill>
+                  <a:schemeClr val="dk1"/>
+                </a:solidFill>
+                <a:latin typeface="Times New Roman"/>
+                <a:ea typeface="Times New Roman"/>
+                <a:cs typeface="Times New Roman"/>
+                <a:sym typeface="Times New Roman"/>
+              </a:rPr>
+              <a:t>Model Selection</a:t>
+            </a:r>
+          </a:p>
+          <a:p>
+            <a:pPr marL="457200" lvl="0" indent="-292100" algn="l" rtl="0">
+              <a:spcBef>
+                <a:spcPts val="0"/>
+              </a:spcBef>
+              <a:spcAft>
+                <a:spcPts val="0"/>
+              </a:spcAft>
+              <a:buClr>
+                <a:schemeClr val="dk1"/>
+              </a:buClr>
+              <a:buSzPts val="1000"/>
+              <a:buFont typeface="Times New Roman"/>
+              <a:buChar char="●"/>
+            </a:pPr>
+            <a:r>
+              <a:rPr lang="en" sz="1800" dirty="0">
+                <a:solidFill>
+                  <a:schemeClr val="dk1"/>
+                </a:solidFill>
+                <a:latin typeface="Times New Roman"/>
+                <a:ea typeface="Times New Roman"/>
+                <a:cs typeface="Times New Roman"/>
+                <a:sym typeface="Times New Roman"/>
+              </a:rPr>
+              <a:t>Support Vector Machine (SVM) Model</a:t>
+            </a:r>
+          </a:p>
+          <a:p>
+            <a:pPr marL="457200" lvl="0" indent="-292100" algn="l" rtl="0">
+              <a:spcBef>
+                <a:spcPts val="0"/>
+              </a:spcBef>
+              <a:spcAft>
+                <a:spcPts val="0"/>
+              </a:spcAft>
+              <a:buClr>
+                <a:schemeClr val="dk1"/>
+              </a:buClr>
+              <a:buSzPts val="1000"/>
+              <a:buFont typeface="Times New Roman"/>
+              <a:buChar char="●"/>
+            </a:pPr>
+            <a:r>
+              <a:rPr lang="en" sz="1800" dirty="0">
+                <a:solidFill>
+                  <a:schemeClr val="dk1"/>
+                </a:solidFill>
+                <a:latin typeface="Times New Roman"/>
+                <a:ea typeface="Times New Roman"/>
+                <a:cs typeface="Times New Roman"/>
+                <a:sym typeface="Times New Roman"/>
+              </a:rPr>
+              <a:t>Convolutional Neural Network (CNN) Model</a:t>
+            </a:r>
+          </a:p>
+          <a:p>
+            <a:pPr marL="457200" lvl="0" indent="-292100" algn="l" rtl="0">
+              <a:spcBef>
+                <a:spcPts val="0"/>
+              </a:spcBef>
+              <a:spcAft>
+                <a:spcPts val="0"/>
+              </a:spcAft>
+              <a:buClr>
+                <a:schemeClr val="dk1"/>
+              </a:buClr>
+              <a:buSzPts val="1000"/>
+              <a:buFont typeface="Times New Roman"/>
+              <a:buChar char="●"/>
+            </a:pPr>
+            <a:r>
+              <a:rPr lang="en" sz="1800" dirty="0">
+                <a:solidFill>
+                  <a:schemeClr val="dk1"/>
+                </a:solidFill>
+                <a:latin typeface="Times New Roman"/>
+                <a:ea typeface="Times New Roman"/>
+                <a:cs typeface="Times New Roman"/>
+                <a:sym typeface="Times New Roman"/>
+              </a:rPr>
+              <a:t>Bidirectional Long Short-Term Memory (LSTM) Model</a:t>
+            </a:r>
+            <a:endParaRPr sz="1800" dirty="0">
+              <a:solidFill>
+                <a:schemeClr val="dk1"/>
+              </a:solidFill>
+              <a:latin typeface="Times New Roman"/>
+              <a:ea typeface="Times New Roman"/>
+              <a:cs typeface="Times New Roman"/>
+              <a:sym typeface="Times New Roman"/>
+            </a:endParaRPr>
+          </a:p>
+          <a:p>
+            <a:pPr marL="457200" lvl="0" indent="-292100" algn="l" rtl="0">
+              <a:spcBef>
+                <a:spcPts val="0"/>
+              </a:spcBef>
+              <a:spcAft>
+                <a:spcPts val="0"/>
+              </a:spcAft>
+              <a:buClr>
+                <a:schemeClr val="dk1"/>
+              </a:buClr>
+              <a:buSzPts val="1000"/>
+              <a:buFont typeface="Times New Roman"/>
+              <a:buChar char="●"/>
+            </a:pPr>
+            <a:r>
+              <a:rPr lang="en" sz="1800" dirty="0">
+                <a:solidFill>
+                  <a:schemeClr val="dk1"/>
+                </a:solidFill>
+                <a:latin typeface="Times New Roman"/>
+                <a:ea typeface="Times New Roman"/>
+                <a:cs typeface="Times New Roman"/>
+                <a:sym typeface="Times New Roman"/>
+              </a:rPr>
+              <a:t>Model Analysis</a:t>
+            </a:r>
+            <a:endParaRPr sz="1800" dirty="0">
+              <a:solidFill>
+                <a:schemeClr val="dk1"/>
+              </a:solidFill>
+              <a:latin typeface="Times New Roman"/>
+              <a:ea typeface="Times New Roman"/>
+              <a:cs typeface="Times New Roman"/>
+              <a:sym typeface="Times New Roman"/>
+            </a:endParaRPr>
+          </a:p>
+          <a:p>
+            <a:pPr marL="457200" lvl="0" indent="-292100" algn="l" rtl="0">
+              <a:spcBef>
+                <a:spcPts val="0"/>
+              </a:spcBef>
+              <a:spcAft>
+                <a:spcPts val="0"/>
+              </a:spcAft>
+              <a:buClr>
+                <a:schemeClr val="dk1"/>
+              </a:buClr>
+              <a:buSzPts val="1000"/>
+              <a:buFont typeface="Times New Roman"/>
+              <a:buChar char="●"/>
+            </a:pPr>
+            <a:r>
+              <a:rPr lang="en" sz="1800" dirty="0">
+                <a:solidFill>
+                  <a:schemeClr val="dk1"/>
+                </a:solidFill>
+                <a:latin typeface="Times New Roman"/>
+                <a:ea typeface="Times New Roman"/>
+                <a:cs typeface="Times New Roman"/>
+                <a:sym typeface="Times New Roman"/>
+              </a:rPr>
+              <a:t>Conclusion and Recommendations</a:t>
+            </a:r>
+            <a:endParaRPr sz="1800" dirty="0">
+              <a:solidFill>
+                <a:schemeClr val="dk1"/>
+              </a:solidFill>
+              <a:latin typeface="Times New Roman"/>
+              <a:ea typeface="Times New Roman"/>
+              <a:cs typeface="Times New Roman"/>
+              <a:sym typeface="Times New Roman"/>
+            </a:endParaRPr>
+          </a:p>
+          <a:p>
+            <a:pPr marL="457200" lvl="0" indent="-292100" algn="l" rtl="0">
+              <a:spcBef>
+                <a:spcPts val="0"/>
+              </a:spcBef>
+              <a:spcAft>
+                <a:spcPts val="0"/>
+              </a:spcAft>
+              <a:buClr>
+                <a:schemeClr val="dk1"/>
+              </a:buClr>
+              <a:buSzPts val="1000"/>
+              <a:buFont typeface="Times New Roman"/>
+              <a:buChar char="●"/>
+            </a:pPr>
+            <a:r>
+              <a:rPr lang="en" sz="1800" dirty="0">
+                <a:solidFill>
+                  <a:schemeClr val="dk1"/>
+                </a:solidFill>
+                <a:latin typeface="Times New Roman"/>
+                <a:ea typeface="Times New Roman"/>
+                <a:cs typeface="Times New Roman"/>
+                <a:sym typeface="Times New Roman"/>
+              </a:rPr>
+              <a:t>Collaboration Chart</a:t>
+            </a:r>
+            <a:endParaRPr sz="1800" dirty="0">
+              <a:solidFill>
+                <a:schemeClr val="dk1"/>
+              </a:solidFill>
+              <a:latin typeface="Times New Roman"/>
+              <a:ea typeface="Times New Roman"/>
+              <a:cs typeface="Times New Roman"/>
+              <a:sym typeface="Times New Roman"/>
+            </a:endParaRPr>
+          </a:p>
+        </p:txBody>
+      </p:sp>
+    </p:spTree>
+  </p:cSld>
+  <p:clrMapOvr>
+    <a:masterClrMapping/>
+  </p:clrMapOvr>
+</p:sld>
+</file>
+
+<file path=ppt/slides/slide20.xml><?xml version="1.0" encoding="utf-8"?>
 <p:sld xmlns:a="http://schemas.openxmlformats.org/drawingml/2006/main" xmlns:r="http://schemas.openxmlformats.org/officeDocument/2006/relationships" xmlns:p="http://schemas.openxmlformats.org/presentationml/2006/main">
   <p:cSld>
     <p:spTree>
@@ -21905,451 +23295,7 @@
 </p:sld>
 </file>
 
-<file path=ppt/slides/slide2.xml><?xml version="1.0" encoding="utf-8"?>
-<p:sld xmlns:a="http://schemas.openxmlformats.org/drawingml/2006/main" xmlns:r="http://schemas.openxmlformats.org/officeDocument/2006/relationships" xmlns:p="http://schemas.openxmlformats.org/presentationml/2006/main">
-  <p:cSld>
-    <p:spTree>
-      <p:nvGrpSpPr>
-        <p:cNvPr id="1" name="Shape 168"/>
-        <p:cNvGrpSpPr/>
-        <p:nvPr/>
-      </p:nvGrpSpPr>
-      <p:grpSpPr>
-        <a:xfrm>
-          <a:off x="0" y="0"/>
-          <a:ext cx="0" cy="0"/>
-          <a:chOff x="0" y="0"/>
-          <a:chExt cx="0" cy="0"/>
-        </a:xfrm>
-      </p:grpSpPr>
-      <p:sp>
-        <p:nvSpPr>
-          <p:cNvPr id="169" name="Google Shape;169;p32"/>
-          <p:cNvSpPr txBox="1"/>
-          <p:nvPr/>
-        </p:nvSpPr>
-        <p:spPr>
-          <a:xfrm>
-            <a:off x="212475" y="81725"/>
-            <a:ext cx="2981100" cy="1108200"/>
-          </a:xfrm>
-          <a:prstGeom prst="rect">
-            <a:avLst/>
-          </a:prstGeom>
-          <a:noFill/>
-          <a:ln>
-            <a:noFill/>
-          </a:ln>
-        </p:spPr>
-        <p:txBody>
-          <a:bodyPr spcFirstLastPara="1" wrap="square" lIns="91425" tIns="91425" rIns="91425" bIns="91425" anchor="t" anchorCtr="0">
-            <a:noAutofit/>
-          </a:bodyPr>
-          <a:lstStyle/>
-          <a:p>
-            <a:pPr marL="0" lvl="0" indent="0" algn="l" rtl="0">
-              <a:spcBef>
-                <a:spcPts val="0"/>
-              </a:spcBef>
-              <a:spcAft>
-                <a:spcPts val="0"/>
-              </a:spcAft>
-              <a:buNone/>
-            </a:pPr>
-            <a:r>
-              <a:rPr lang="en" sz="2500">
-                <a:solidFill>
-                  <a:schemeClr val="dk2"/>
-                </a:solidFill>
-              </a:rPr>
-              <a:t>Table of Contents</a:t>
-            </a:r>
-            <a:endParaRPr sz="2500">
-              <a:solidFill>
-                <a:schemeClr val="dk2"/>
-              </a:solidFill>
-            </a:endParaRPr>
-          </a:p>
-        </p:txBody>
-      </p:sp>
-      <p:sp>
-        <p:nvSpPr>
-          <p:cNvPr id="170" name="Google Shape;170;p32"/>
-          <p:cNvSpPr txBox="1"/>
-          <p:nvPr/>
-        </p:nvSpPr>
-        <p:spPr>
-          <a:xfrm>
-            <a:off x="268300" y="767219"/>
-            <a:ext cx="8177374" cy="3610627"/>
-          </a:xfrm>
-          <a:prstGeom prst="rect">
-            <a:avLst/>
-          </a:prstGeom>
-          <a:noFill/>
-          <a:ln>
-            <a:noFill/>
-          </a:ln>
-        </p:spPr>
-        <p:txBody>
-          <a:bodyPr spcFirstLastPara="1" wrap="square" lIns="91425" tIns="91425" rIns="91425" bIns="91425" anchor="t" anchorCtr="0">
-            <a:noAutofit/>
-          </a:bodyPr>
-          <a:lstStyle/>
-          <a:p>
-            <a:pPr marL="457200" lvl="0" indent="-292100" algn="l" rtl="0">
-              <a:spcBef>
-                <a:spcPts val="0"/>
-              </a:spcBef>
-              <a:spcAft>
-                <a:spcPts val="0"/>
-              </a:spcAft>
-              <a:buClr>
-                <a:schemeClr val="dk1"/>
-              </a:buClr>
-              <a:buSzPts val="1000"/>
-              <a:buFont typeface="Times New Roman"/>
-              <a:buChar char="●"/>
-            </a:pPr>
-            <a:r>
-              <a:rPr lang="en" sz="1800" dirty="0">
-                <a:solidFill>
-                  <a:schemeClr val="dk1"/>
-                </a:solidFill>
-                <a:latin typeface="Times New Roman"/>
-                <a:ea typeface="Times New Roman"/>
-                <a:cs typeface="Times New Roman"/>
-                <a:sym typeface="Times New Roman"/>
-              </a:rPr>
-              <a:t>Introduction</a:t>
-            </a:r>
-            <a:endParaRPr sz="1800" dirty="0">
-              <a:solidFill>
-                <a:schemeClr val="dk1"/>
-              </a:solidFill>
-              <a:latin typeface="Times New Roman"/>
-              <a:ea typeface="Times New Roman"/>
-              <a:cs typeface="Times New Roman"/>
-              <a:sym typeface="Times New Roman"/>
-            </a:endParaRPr>
-          </a:p>
-          <a:p>
-            <a:pPr marL="457200" lvl="0" indent="-292100" algn="l" rtl="0">
-              <a:spcBef>
-                <a:spcPts val="0"/>
-              </a:spcBef>
-              <a:spcAft>
-                <a:spcPts val="0"/>
-              </a:spcAft>
-              <a:buClr>
-                <a:schemeClr val="dk1"/>
-              </a:buClr>
-              <a:buSzPts val="1000"/>
-              <a:buFont typeface="Times New Roman"/>
-              <a:buChar char="●"/>
-            </a:pPr>
-            <a:r>
-              <a:rPr lang="en" sz="1800" dirty="0">
-                <a:solidFill>
-                  <a:schemeClr val="dk1"/>
-                </a:solidFill>
-                <a:latin typeface="Times New Roman"/>
-                <a:ea typeface="Times New Roman"/>
-                <a:cs typeface="Times New Roman"/>
-                <a:sym typeface="Times New Roman"/>
-              </a:rPr>
-              <a:t>Data Cleaning and Preparation</a:t>
-            </a:r>
-            <a:endParaRPr sz="1800" dirty="0">
-              <a:solidFill>
-                <a:schemeClr val="dk1"/>
-              </a:solidFill>
-              <a:latin typeface="Times New Roman"/>
-              <a:ea typeface="Times New Roman"/>
-              <a:cs typeface="Times New Roman"/>
-              <a:sym typeface="Times New Roman"/>
-            </a:endParaRPr>
-          </a:p>
-          <a:p>
-            <a:pPr marL="457200" lvl="0" indent="-292100" algn="l" rtl="0">
-              <a:spcBef>
-                <a:spcPts val="0"/>
-              </a:spcBef>
-              <a:spcAft>
-                <a:spcPts val="0"/>
-              </a:spcAft>
-              <a:buClr>
-                <a:schemeClr val="dk1"/>
-              </a:buClr>
-              <a:buSzPts val="1000"/>
-              <a:buFont typeface="Times New Roman"/>
-              <a:buChar char="●"/>
-            </a:pPr>
-            <a:r>
-              <a:rPr lang="en" sz="1800" dirty="0">
-                <a:solidFill>
-                  <a:schemeClr val="dk1"/>
-                </a:solidFill>
-                <a:latin typeface="Times New Roman"/>
-                <a:ea typeface="Times New Roman"/>
-                <a:cs typeface="Times New Roman"/>
-                <a:sym typeface="Times New Roman"/>
-              </a:rPr>
-              <a:t>Exploratory Data Analysis</a:t>
-            </a:r>
-            <a:endParaRPr sz="1800" dirty="0">
-              <a:solidFill>
-                <a:schemeClr val="dk1"/>
-              </a:solidFill>
-              <a:latin typeface="Times New Roman"/>
-              <a:ea typeface="Times New Roman"/>
-              <a:cs typeface="Times New Roman"/>
-              <a:sym typeface="Times New Roman"/>
-            </a:endParaRPr>
-          </a:p>
-          <a:p>
-            <a:pPr marL="457200" lvl="0" indent="-292100" algn="l" rtl="0">
-              <a:spcBef>
-                <a:spcPts val="0"/>
-              </a:spcBef>
-              <a:spcAft>
-                <a:spcPts val="0"/>
-              </a:spcAft>
-              <a:buClr>
-                <a:schemeClr val="dk1"/>
-              </a:buClr>
-              <a:buSzPts val="1000"/>
-              <a:buFont typeface="Times New Roman"/>
-              <a:buChar char="●"/>
-            </a:pPr>
-            <a:r>
-              <a:rPr lang="en" sz="1800" dirty="0">
-                <a:solidFill>
-                  <a:schemeClr val="dk1"/>
-                </a:solidFill>
-                <a:latin typeface="Times New Roman"/>
-                <a:ea typeface="Times New Roman"/>
-                <a:cs typeface="Times New Roman"/>
-                <a:sym typeface="Times New Roman"/>
-              </a:rPr>
-              <a:t>Model Selection</a:t>
-            </a:r>
-          </a:p>
-          <a:p>
-            <a:pPr marL="457200" lvl="0" indent="-292100" algn="l" rtl="0">
-              <a:spcBef>
-                <a:spcPts val="0"/>
-              </a:spcBef>
-              <a:spcAft>
-                <a:spcPts val="0"/>
-              </a:spcAft>
-              <a:buClr>
-                <a:schemeClr val="dk1"/>
-              </a:buClr>
-              <a:buSzPts val="1000"/>
-              <a:buFont typeface="Times New Roman"/>
-              <a:buChar char="●"/>
-            </a:pPr>
-            <a:r>
-              <a:rPr lang="en" sz="1800" dirty="0">
-                <a:solidFill>
-                  <a:schemeClr val="dk1"/>
-                </a:solidFill>
-                <a:latin typeface="Times New Roman"/>
-                <a:ea typeface="Times New Roman"/>
-                <a:cs typeface="Times New Roman"/>
-                <a:sym typeface="Times New Roman"/>
-              </a:rPr>
-              <a:t>Support Vector Machine (SVM) Model</a:t>
-            </a:r>
-          </a:p>
-          <a:p>
-            <a:pPr marL="457200" lvl="0" indent="-292100" algn="l" rtl="0">
-              <a:spcBef>
-                <a:spcPts val="0"/>
-              </a:spcBef>
-              <a:spcAft>
-                <a:spcPts val="0"/>
-              </a:spcAft>
-              <a:buClr>
-                <a:schemeClr val="dk1"/>
-              </a:buClr>
-              <a:buSzPts val="1000"/>
-              <a:buFont typeface="Times New Roman"/>
-              <a:buChar char="●"/>
-            </a:pPr>
-            <a:r>
-              <a:rPr lang="en" sz="1800" dirty="0">
-                <a:solidFill>
-                  <a:schemeClr val="dk1"/>
-                </a:solidFill>
-                <a:latin typeface="Times New Roman"/>
-                <a:ea typeface="Times New Roman"/>
-                <a:cs typeface="Times New Roman"/>
-                <a:sym typeface="Times New Roman"/>
-              </a:rPr>
-              <a:t>Convolutional Neural Network (CNN) Model</a:t>
-            </a:r>
-          </a:p>
-          <a:p>
-            <a:pPr marL="457200" lvl="0" indent="-292100" algn="l" rtl="0">
-              <a:spcBef>
-                <a:spcPts val="0"/>
-              </a:spcBef>
-              <a:spcAft>
-                <a:spcPts val="0"/>
-              </a:spcAft>
-              <a:buClr>
-                <a:schemeClr val="dk1"/>
-              </a:buClr>
-              <a:buSzPts val="1000"/>
-              <a:buFont typeface="Times New Roman"/>
-              <a:buChar char="●"/>
-            </a:pPr>
-            <a:r>
-              <a:rPr lang="en" sz="1800" dirty="0">
-                <a:solidFill>
-                  <a:schemeClr val="dk1"/>
-                </a:solidFill>
-                <a:latin typeface="Times New Roman"/>
-                <a:ea typeface="Times New Roman"/>
-                <a:cs typeface="Times New Roman"/>
-                <a:sym typeface="Times New Roman"/>
-              </a:rPr>
-              <a:t>Bidirectional Long Short-Term Memory (LSTM) Model</a:t>
-            </a:r>
-            <a:endParaRPr sz="1800" dirty="0">
-              <a:solidFill>
-                <a:schemeClr val="dk1"/>
-              </a:solidFill>
-              <a:latin typeface="Times New Roman"/>
-              <a:ea typeface="Times New Roman"/>
-              <a:cs typeface="Times New Roman"/>
-              <a:sym typeface="Times New Roman"/>
-            </a:endParaRPr>
-          </a:p>
-          <a:p>
-            <a:pPr marL="457200" lvl="0" indent="-292100" algn="l" rtl="0">
-              <a:spcBef>
-                <a:spcPts val="0"/>
-              </a:spcBef>
-              <a:spcAft>
-                <a:spcPts val="0"/>
-              </a:spcAft>
-              <a:buClr>
-                <a:schemeClr val="dk1"/>
-              </a:buClr>
-              <a:buSzPts val="1000"/>
-              <a:buFont typeface="Times New Roman"/>
-              <a:buChar char="●"/>
-            </a:pPr>
-            <a:r>
-              <a:rPr lang="en" sz="1800" dirty="0">
-                <a:solidFill>
-                  <a:schemeClr val="dk1"/>
-                </a:solidFill>
-                <a:latin typeface="Times New Roman"/>
-                <a:ea typeface="Times New Roman"/>
-                <a:cs typeface="Times New Roman"/>
-                <a:sym typeface="Times New Roman"/>
-              </a:rPr>
-              <a:t>Model Analysis</a:t>
-            </a:r>
-            <a:endParaRPr sz="1800" dirty="0">
-              <a:solidFill>
-                <a:schemeClr val="dk1"/>
-              </a:solidFill>
-              <a:latin typeface="Times New Roman"/>
-              <a:ea typeface="Times New Roman"/>
-              <a:cs typeface="Times New Roman"/>
-              <a:sym typeface="Times New Roman"/>
-            </a:endParaRPr>
-          </a:p>
-          <a:p>
-            <a:pPr marL="457200" lvl="0" indent="-292100" algn="l" rtl="0">
-              <a:spcBef>
-                <a:spcPts val="0"/>
-              </a:spcBef>
-              <a:spcAft>
-                <a:spcPts val="0"/>
-              </a:spcAft>
-              <a:buClr>
-                <a:schemeClr val="dk1"/>
-              </a:buClr>
-              <a:buSzPts val="1000"/>
-              <a:buFont typeface="Times New Roman"/>
-              <a:buChar char="●"/>
-            </a:pPr>
-            <a:r>
-              <a:rPr lang="en" sz="1800" dirty="0">
-                <a:solidFill>
-                  <a:schemeClr val="dk1"/>
-                </a:solidFill>
-                <a:latin typeface="Times New Roman"/>
-                <a:ea typeface="Times New Roman"/>
-                <a:cs typeface="Times New Roman"/>
-                <a:sym typeface="Times New Roman"/>
-              </a:rPr>
-              <a:t>Conclusion and Recommendations</a:t>
-            </a:r>
-            <a:endParaRPr sz="1800" dirty="0">
-              <a:solidFill>
-                <a:schemeClr val="dk1"/>
-              </a:solidFill>
-              <a:latin typeface="Times New Roman"/>
-              <a:ea typeface="Times New Roman"/>
-              <a:cs typeface="Times New Roman"/>
-              <a:sym typeface="Times New Roman"/>
-            </a:endParaRPr>
-          </a:p>
-          <a:p>
-            <a:pPr marL="457200" lvl="0" indent="-292100" algn="l" rtl="0">
-              <a:spcBef>
-                <a:spcPts val="0"/>
-              </a:spcBef>
-              <a:spcAft>
-                <a:spcPts val="0"/>
-              </a:spcAft>
-              <a:buClr>
-                <a:schemeClr val="dk1"/>
-              </a:buClr>
-              <a:buSzPts val="1000"/>
-              <a:buFont typeface="Times New Roman"/>
-              <a:buChar char="●"/>
-            </a:pPr>
-            <a:r>
-              <a:rPr lang="en" sz="1800" dirty="0">
-                <a:solidFill>
-                  <a:schemeClr val="dk1"/>
-                </a:solidFill>
-                <a:latin typeface="Times New Roman"/>
-                <a:ea typeface="Times New Roman"/>
-                <a:cs typeface="Times New Roman"/>
-                <a:sym typeface="Times New Roman"/>
-              </a:rPr>
-              <a:t>Collaboration Chart</a:t>
-            </a:r>
-            <a:endParaRPr sz="1800" dirty="0">
-              <a:solidFill>
-                <a:schemeClr val="dk1"/>
-              </a:solidFill>
-              <a:latin typeface="Times New Roman"/>
-              <a:ea typeface="Times New Roman"/>
-              <a:cs typeface="Times New Roman"/>
-              <a:sym typeface="Times New Roman"/>
-            </a:endParaRPr>
-          </a:p>
-        </p:txBody>
-      </p:sp>
-    </p:spTree>
-  </p:cSld>
-  <p:clrMapOvr>
-    <a:masterClrMapping/>
-  </p:clrMapOvr>
-</p:sld>
-</file>
-
-<file path=ppt/slides/slide20.xml><?xml version="1.0" encoding="utf-8"?>
+<file path=ppt/slides/slide21.xml><?xml version="1.0" encoding="utf-8"?>
 <p:sld xmlns:a="http://schemas.openxmlformats.org/drawingml/2006/main" xmlns:r="http://schemas.openxmlformats.org/officeDocument/2006/relationships" xmlns:p="http://schemas.openxmlformats.org/presentationml/2006/main">
   <p:cSld>
     <p:spTree>
@@ -23171,7 +24117,7 @@
 </p:sld>
 </file>
 
-<file path=ppt/slides/slide21.xml><?xml version="1.0" encoding="utf-8"?>
+<file path=ppt/slides/slide22.xml><?xml version="1.0" encoding="utf-8"?>
 <p:sld xmlns:a="http://schemas.openxmlformats.org/drawingml/2006/main" xmlns:r="http://schemas.openxmlformats.org/officeDocument/2006/relationships" xmlns:p="http://schemas.openxmlformats.org/presentationml/2006/main">
   <p:cSld>
     <p:spTree>
@@ -23684,8 +24630,8 @@
         </p:nvSpPr>
         <p:spPr>
           <a:xfrm>
-            <a:off x="5024392" y="1400375"/>
-            <a:ext cx="3919771" cy="307777"/>
+            <a:off x="5612677" y="2417860"/>
+            <a:ext cx="3473773" cy="738664"/>
           </a:xfrm>
           <a:prstGeom prst="rect">
             <a:avLst/>
@@ -23704,47 +24650,70 @@
             </a:pPr>
             <a:r>
               <a:rPr lang="en-US" dirty="0" err="1"/>
-              <a:t>sklearn.linear_model.SGDClassifier</a:t>
+              <a:t>Sklearn</a:t>
+            </a:r>
+            <a:r>
+              <a:rPr lang="en-US" dirty="0"/>
+              <a:t>: </a:t>
+            </a:r>
+            <a:r>
+              <a:rPr lang="en-US" dirty="0" err="1"/>
+              <a:t>SGDClassifier</a:t>
             </a:r>
             <a:endParaRPr lang="en-US" dirty="0"/>
           </a:p>
+          <a:p>
+            <a:pPr marL="285750" indent="-285750">
+              <a:buFont typeface="Arial" panose="020B0604020202020204" pitchFamily="34" charset="0"/>
+              <a:buChar char="•"/>
+            </a:pPr>
+            <a:r>
+              <a:rPr lang="en-US" dirty="0"/>
+              <a:t>Supervised learning task</a:t>
+            </a:r>
+          </a:p>
+          <a:p>
+            <a:pPr marL="285750" indent="-285750">
+              <a:buFont typeface="Arial" panose="020B0604020202020204" pitchFamily="34" charset="0"/>
+              <a:buChar char="•"/>
+            </a:pPr>
+            <a:r>
+              <a:rPr lang="en-US" dirty="0"/>
+              <a:t>Classification</a:t>
+            </a:r>
+          </a:p>
         </p:txBody>
       </p:sp>
-      <p:sp>
-        <p:nvSpPr>
-          <p:cNvPr id="3" name="TextBox 2">
+      <p:pic>
+        <p:nvPicPr>
+          <p:cNvPr id="4" name="Picture 3">
             <a:extLst>
               <a:ext uri="{FF2B5EF4-FFF2-40B4-BE49-F238E27FC236}">
-                <a16:creationId xmlns:a16="http://schemas.microsoft.com/office/drawing/2014/main" id="{74C40610-E3F0-49C6-B832-81116A3E4286}"/>
+                <a16:creationId xmlns:a16="http://schemas.microsoft.com/office/drawing/2014/main" id="{146326E7-2B61-4E01-A068-18FD4058F193}"/>
               </a:ext>
             </a:extLst>
           </p:cNvPr>
-          <p:cNvSpPr txBox="1"/>
+          <p:cNvPicPr>
+            <a:picLocks noChangeAspect="1"/>
+          </p:cNvPicPr>
           <p:nvPr/>
-        </p:nvSpPr>
+        </p:nvPicPr>
+        <p:blipFill>
+          <a:blip r:embed="rId3"/>
+          <a:stretch>
+            <a:fillRect/>
+          </a:stretch>
+        </p:blipFill>
         <p:spPr>
           <a:xfrm>
-            <a:off x="1042288" y="1304459"/>
-            <a:ext cx="3077321" cy="307777"/>
+            <a:off x="460439" y="1605079"/>
+            <a:ext cx="4563953" cy="1933341"/>
           </a:xfrm>
           <a:prstGeom prst="rect">
             <a:avLst/>
           </a:prstGeom>
-          <a:noFill/>
         </p:spPr>
-        <p:txBody>
-          <a:bodyPr wrap="square" rtlCol="0">
-            <a:spAutoFit/>
-          </a:bodyPr>
-          <a:lstStyle/>
-          <a:p>
-            <a:r>
-              <a:rPr lang="en-US" dirty="0"/>
-              <a:t>Insert picture here</a:t>
-            </a:r>
-          </a:p>
-        </p:txBody>
-      </p:sp>
+      </p:pic>
     </p:spTree>
     <p:extLst>
       <p:ext uri="{BB962C8B-B14F-4D97-AF65-F5344CB8AC3E}">
@@ -23893,8 +24862,8 @@
         </p:nvSpPr>
         <p:spPr>
           <a:xfrm>
-            <a:off x="549919" y="1093443"/>
-            <a:ext cx="2429874" cy="523220"/>
+            <a:off x="199837" y="1026769"/>
+            <a:ext cx="2429874" cy="307777"/>
           </a:xfrm>
           <a:prstGeom prst="rect">
             <a:avLst/>
@@ -23908,8 +24877,8 @@
           <a:lstStyle/>
           <a:p>
             <a:r>
-              <a:rPr lang="en-US" dirty="0"/>
-              <a:t>Insert image here data pre standardization</a:t>
+              <a:rPr lang="en-US" u="sng" dirty="0"/>
+              <a:t>Before Scaling</a:t>
             </a:r>
           </a:p>
         </p:txBody>
@@ -23928,8 +24897,8 @@
         </p:nvSpPr>
         <p:spPr>
           <a:xfrm>
-            <a:off x="549919" y="2703768"/>
-            <a:ext cx="2429874" cy="523220"/>
+            <a:off x="212474" y="2703767"/>
+            <a:ext cx="2429874" cy="307777"/>
           </a:xfrm>
           <a:prstGeom prst="rect">
             <a:avLst/>
@@ -23943,12 +24912,72 @@
           <a:lstStyle/>
           <a:p>
             <a:r>
-              <a:rPr lang="en-US" dirty="0"/>
-              <a:t>Insert image here data post standardization</a:t>
+              <a:rPr lang="en-US" u="sng" dirty="0"/>
+              <a:t>After Scaling</a:t>
             </a:r>
           </a:p>
         </p:txBody>
       </p:sp>
+      <p:pic>
+        <p:nvPicPr>
+          <p:cNvPr id="6" name="Picture 5">
+            <a:extLst>
+              <a:ext uri="{FF2B5EF4-FFF2-40B4-BE49-F238E27FC236}">
+                <a16:creationId xmlns:a16="http://schemas.microsoft.com/office/drawing/2014/main" id="{ECCF182F-275A-4FAB-8A36-D45AEA4581D1}"/>
+              </a:ext>
+            </a:extLst>
+          </p:cNvPr>
+          <p:cNvPicPr>
+            <a:picLocks noChangeAspect="1"/>
+          </p:cNvPicPr>
+          <p:nvPr/>
+        </p:nvPicPr>
+        <p:blipFill>
+          <a:blip r:embed="rId4"/>
+          <a:stretch>
+            <a:fillRect/>
+          </a:stretch>
+        </p:blipFill>
+        <p:spPr>
+          <a:xfrm>
+            <a:off x="212474" y="1556316"/>
+            <a:ext cx="3155499" cy="784035"/>
+          </a:xfrm>
+          <a:prstGeom prst="rect">
+            <a:avLst/>
+          </a:prstGeom>
+        </p:spPr>
+      </p:pic>
+      <p:pic>
+        <p:nvPicPr>
+          <p:cNvPr id="8" name="Picture 7">
+            <a:extLst>
+              <a:ext uri="{FF2B5EF4-FFF2-40B4-BE49-F238E27FC236}">
+                <a16:creationId xmlns:a16="http://schemas.microsoft.com/office/drawing/2014/main" id="{923768F5-C9C9-40B6-AEFB-E5056355C743}"/>
+              </a:ext>
+            </a:extLst>
+          </p:cNvPr>
+          <p:cNvPicPr>
+            <a:picLocks noChangeAspect="1"/>
+          </p:cNvPicPr>
+          <p:nvPr/>
+        </p:nvPicPr>
+        <p:blipFill>
+          <a:blip r:embed="rId5"/>
+          <a:stretch>
+            <a:fillRect/>
+          </a:stretch>
+        </p:blipFill>
+        <p:spPr>
+          <a:xfrm>
+            <a:off x="281976" y="3222781"/>
+            <a:ext cx="2699429" cy="1070463"/>
+          </a:xfrm>
+          <a:prstGeom prst="rect">
+            <a:avLst/>
+          </a:prstGeom>
+        </p:spPr>
+      </p:pic>
     </p:spTree>
   </p:cSld>
   <p:clrMapOvr>
